--- a/proiect1SD/Prezentare.pptx
+++ b/proiect1SD/Prezentare.pptx
@@ -9,6 +9,8 @@
     <p:sldId id="257" r:id="rId3"/>
     <p:sldId id="258" r:id="rId4"/>
     <p:sldId id="259" r:id="rId5"/>
+    <p:sldId id="260" r:id="rId6"/>
+    <p:sldId id="261" r:id="rId7"/>
   </p:sldIdLst>
   <p:sldSz cx="12192000" cy="6858000"/>
   <p:notesSz cx="6858000" cy="9144000"/>
@@ -7323,8 +7325,8 @@
           </a:p>
         </p:txBody>
       </p:sp>
-      <mc:AlternateContent xmlns:mc="http://schemas.openxmlformats.org/markup-compatibility/2006">
-        <mc:Choice xmlns:a14="http://schemas.microsoft.com/office/drawing/2010/main" Requires="a14">
+      <mc:AlternateContent xmlns:mc="http://schemas.openxmlformats.org/markup-compatibility/2006" xmlns:a14="http://schemas.microsoft.com/office/drawing/2010/main">
+        <mc:Choice Requires="a14">
           <p:sp>
             <p:nvSpPr>
               <p:cNvPr id="3" name="Content Placeholder 2">
@@ -7564,7 +7566,7 @@
             </p:txBody>
           </p:sp>
         </mc:Choice>
-        <mc:Fallback>
+        <mc:Fallback xmlns="">
           <p:sp>
             <p:nvSpPr>
               <p:cNvPr id="3" name="Content Placeholder 2">
@@ -8009,11 +8011,137 @@
             </a:r>
             <a:r>
               <a:rPr lang="en-US" dirty="0"/>
+              <a:t> exponential, </a:t>
+            </a:r>
+            <a:r>
+              <a:rPr lang="en-US" dirty="0" err="1"/>
+              <a:t>pana</a:t>
+            </a:r>
+            <a:r>
+              <a:rPr lang="en-US" dirty="0"/>
               <a:t> </a:t>
             </a:r>
             <a:r>
               <a:rPr lang="en-US" dirty="0" err="1"/>
-              <a:t>exponentiale</a:t>
+              <a:t>atunci</a:t>
+            </a:r>
+            <a:r>
+              <a:rPr lang="en-US" dirty="0"/>
+              <a:t> </a:t>
+            </a:r>
+            <a:r>
+              <a:rPr lang="en-US" dirty="0" err="1"/>
+              <a:t>valorile</a:t>
+            </a:r>
+            <a:r>
+              <a:rPr lang="en-US" dirty="0"/>
+              <a:t> </a:t>
+            </a:r>
+            <a:r>
+              <a:rPr lang="en-US" dirty="0" err="1"/>
+              <a:t>pastrandu</a:t>
+            </a:r>
+            <a:r>
+              <a:rPr lang="en-US" dirty="0"/>
+              <a:t>-se sub 2 </a:t>
+            </a:r>
+            <a:r>
+              <a:rPr lang="en-US" dirty="0" err="1"/>
+              <a:t>secunde</a:t>
+            </a:r>
+            <a:r>
+              <a:rPr lang="en-US" dirty="0"/>
+              <a:t> indifferent de </a:t>
+            </a:r>
+            <a:r>
+              <a:rPr lang="en-US" dirty="0" err="1"/>
+              <a:t>valoarea</a:t>
+            </a:r>
+            <a:r>
+              <a:rPr lang="en-US" dirty="0"/>
+              <a:t> maxima e </a:t>
+            </a:r>
+            <a:r>
+              <a:rPr lang="en-US" dirty="0" err="1"/>
+              <a:t>elementelor</a:t>
+            </a:r>
+            <a:r>
+              <a:rPr lang="en-US" dirty="0"/>
+              <a:t> din vector. </a:t>
+            </a:r>
+          </a:p>
+          <a:p>
+            <a:r>
+              <a:rPr lang="en-US" dirty="0"/>
+              <a:t>Pentru N = 10^8 s-au </a:t>
+            </a:r>
+            <a:r>
+              <a:rPr lang="en-US" dirty="0" err="1"/>
+              <a:t>testat</a:t>
+            </a:r>
+            <a:r>
+              <a:rPr lang="en-US" dirty="0"/>
+              <a:t> 10^3 </a:t>
+            </a:r>
+            <a:r>
+              <a:rPr lang="en-US" dirty="0" err="1"/>
+              <a:t>si</a:t>
+            </a:r>
+            <a:r>
+              <a:rPr lang="en-US" dirty="0"/>
+              <a:t> 10^4 ca </a:t>
+            </a:r>
+            <a:r>
+              <a:rPr lang="en-US" dirty="0" err="1"/>
+              <a:t>valoare</a:t>
+            </a:r>
+            <a:r>
+              <a:rPr lang="en-US" dirty="0"/>
+              <a:t> maxima a </a:t>
+            </a:r>
+            <a:r>
+              <a:rPr lang="en-US" dirty="0" err="1"/>
+              <a:t>elementelor</a:t>
+            </a:r>
+            <a:r>
+              <a:rPr lang="en-US" dirty="0"/>
+              <a:t> din vector, </a:t>
+            </a:r>
+            <a:r>
+              <a:rPr lang="en-US" dirty="0" err="1"/>
+              <a:t>baza</a:t>
+            </a:r>
+            <a:r>
+              <a:rPr lang="en-US" dirty="0"/>
+              <a:t> 2^7 </a:t>
+            </a:r>
+            <a:r>
+              <a:rPr lang="en-US" dirty="0" err="1"/>
+              <a:t>obtinand</a:t>
+            </a:r>
+            <a:r>
+              <a:rPr lang="en-US" dirty="0"/>
+              <a:t> </a:t>
+            </a:r>
+            <a:r>
+              <a:rPr lang="en-US" dirty="0" err="1"/>
+              <a:t>timpi</a:t>
+            </a:r>
+            <a:r>
+              <a:rPr lang="en-US" dirty="0"/>
+              <a:t> destul de </a:t>
+            </a:r>
+            <a:r>
+              <a:rPr lang="en-US" dirty="0" err="1"/>
+              <a:t>apropiati</a:t>
+            </a:r>
+            <a:r>
+              <a:rPr lang="en-US" dirty="0"/>
+              <a:t> pentru cele 2. In comparative cu celelalte 3 </a:t>
+            </a:r>
+            <a:r>
+              <a:rPr lang="en-US" dirty="0" err="1"/>
+              <a:t>baze</a:t>
             </a:r>
             <a:r>
               <a:rPr lang="en-US" dirty="0"/>
@@ -8021,7 +8149,7 @@
             </a:r>
             <a:r>
               <a:rPr lang="en-US" dirty="0" err="1"/>
-              <a:t>pana</a:t>
+              <a:t>sorteaza</a:t>
             </a:r>
             <a:r>
               <a:rPr lang="en-US" dirty="0"/>
@@ -8029,7 +8157,23 @@
             </a:r>
             <a:r>
               <a:rPr lang="en-US" dirty="0" err="1"/>
-              <a:t>atunci</a:t>
+              <a:t>cel</a:t>
+            </a:r>
+            <a:r>
+              <a:rPr lang="en-US" dirty="0"/>
+              <a:t> mai </a:t>
+            </a:r>
+            <a:r>
+              <a:rPr lang="en-US" dirty="0" err="1"/>
+              <a:t>ineficient</a:t>
+            </a:r>
+            <a:r>
+              <a:rPr lang="en-US" dirty="0"/>
+              <a:t> pentru 10^3 </a:t>
+            </a:r>
+            <a:r>
+              <a:rPr lang="en-US" dirty="0" err="1"/>
+              <a:t>si</a:t>
             </a:r>
             <a:r>
               <a:rPr lang="en-US" dirty="0"/>
@@ -8037,49 +8181,20 @@
             </a:r>
             <a:r>
               <a:rPr lang="en-US" dirty="0" err="1"/>
-              <a:t>valorile</a:t>
-            </a:r>
-            <a:r>
-              <a:rPr lang="en-US" dirty="0"/>
-              <a:t> </a:t>
-            </a:r>
-            <a:r>
-              <a:rPr lang="en-US" dirty="0" err="1"/>
-              <a:t>pastrandu</a:t>
-            </a:r>
-            <a:r>
-              <a:rPr lang="en-US" dirty="0"/>
-              <a:t>-se sub 2 </a:t>
-            </a:r>
-            <a:r>
-              <a:rPr lang="en-US" dirty="0" err="1"/>
-              <a:t>secunde</a:t>
-            </a:r>
-            <a:r>
-              <a:rPr lang="en-US" dirty="0"/>
-              <a:t> indifferent de </a:t>
-            </a:r>
-            <a:r>
-              <a:rPr lang="en-US" dirty="0" err="1"/>
-              <a:t>valoarea</a:t>
-            </a:r>
-            <a:r>
-              <a:rPr lang="en-US" dirty="0"/>
-              <a:t> maxima e </a:t>
-            </a:r>
-            <a:r>
-              <a:rPr lang="en-US" dirty="0" err="1"/>
-              <a:t>elementelor</a:t>
-            </a:r>
-            <a:r>
-              <a:rPr lang="en-US" dirty="0"/>
-              <a:t> </a:t>
-            </a:r>
-            <a:r>
-              <a:rPr lang="en-US"/>
-              <a:t>din vector.</a:t>
-            </a:r>
-            <a:endParaRPr lang="en-US" dirty="0"/>
+              <a:t>cel</a:t>
+            </a:r>
+            <a:r>
+              <a:rPr lang="en-US" dirty="0"/>
+              <a:t> mai </a:t>
+            </a:r>
+            <a:r>
+              <a:rPr lang="en-US" dirty="0" err="1"/>
+              <a:t>eficient</a:t>
+            </a:r>
+            <a:r>
+              <a:rPr lang="en-US" dirty="0"/>
+              <a:t> pentru 10^4.</a:t>
+            </a:r>
           </a:p>
         </p:txBody>
       </p:sp>
@@ -8087,6 +8202,929 @@
     <p:extLst>
       <p:ext uri="{BB962C8B-B14F-4D97-AF65-F5344CB8AC3E}">
         <p14:creationId xmlns:p14="http://schemas.microsoft.com/office/powerpoint/2010/main" val="1276939263"/>
+      </p:ext>
+    </p:extLst>
+  </p:cSld>
+  <p:clrMapOvr>
+    <a:masterClrMapping/>
+  </p:clrMapOvr>
+</p:sld>
+</file>
+
+<file path=ppt/slides/slide5.xml><?xml version="1.0" encoding="utf-8"?>
+<p:sld xmlns:a="http://schemas.openxmlformats.org/drawingml/2006/main" xmlns:r="http://schemas.openxmlformats.org/officeDocument/2006/relationships" xmlns:p="http://schemas.openxmlformats.org/presentationml/2006/main">
+  <p:cSld>
+    <p:spTree>
+      <p:nvGrpSpPr>
+        <p:cNvPr id="1" name=""/>
+        <p:cNvGrpSpPr/>
+        <p:nvPr/>
+      </p:nvGrpSpPr>
+      <p:grpSpPr>
+        <a:xfrm>
+          <a:off x="0" y="0"/>
+          <a:ext cx="0" cy="0"/>
+          <a:chOff x="0" y="0"/>
+          <a:chExt cx="0" cy="0"/>
+        </a:xfrm>
+      </p:grpSpPr>
+      <p:sp>
+        <p:nvSpPr>
+          <p:cNvPr id="2" name="Title 1">
+            <a:extLst>
+              <a:ext uri="{FF2B5EF4-FFF2-40B4-BE49-F238E27FC236}">
+                <a16:creationId xmlns:a16="http://schemas.microsoft.com/office/drawing/2014/main" id="{52552836-09A6-D53F-8216-3C1D418038D0}"/>
+              </a:ext>
+            </a:extLst>
+          </p:cNvPr>
+          <p:cNvSpPr>
+            <a:spLocks noGrp="1"/>
+          </p:cNvSpPr>
+          <p:nvPr>
+            <p:ph type="title"/>
+          </p:nvPr>
+        </p:nvSpPr>
+        <p:spPr/>
+        <p:txBody>
+          <a:bodyPr/>
+          <a:lstStyle/>
+          <a:p>
+            <a:r>
+              <a:rPr lang="en-US" dirty="0" err="1"/>
+              <a:t>Compromis</a:t>
+            </a:r>
+            <a:r>
+              <a:rPr lang="en-US" dirty="0"/>
+              <a:t> </a:t>
+            </a:r>
+            <a:r>
+              <a:rPr lang="en-US" dirty="0" err="1"/>
+              <a:t>memorie</a:t>
+            </a:r>
+            <a:r>
+              <a:rPr lang="en-US" dirty="0"/>
+              <a:t> versus timp</a:t>
+            </a:r>
+          </a:p>
+        </p:txBody>
+      </p:sp>
+      <p:sp>
+        <p:nvSpPr>
+          <p:cNvPr id="3" name="Content Placeholder 2">
+            <a:extLst>
+              <a:ext uri="{FF2B5EF4-FFF2-40B4-BE49-F238E27FC236}">
+                <a16:creationId xmlns:a16="http://schemas.microsoft.com/office/drawing/2014/main" id="{D9704DFC-FB74-44C3-FACB-84D9960D54E8}"/>
+              </a:ext>
+            </a:extLst>
+          </p:cNvPr>
+          <p:cNvSpPr>
+            <a:spLocks noGrp="1"/>
+          </p:cNvSpPr>
+          <p:nvPr>
+            <p:ph idx="1"/>
+          </p:nvPr>
+        </p:nvSpPr>
+        <p:spPr/>
+        <p:txBody>
+          <a:bodyPr/>
+          <a:lstStyle/>
+          <a:p>
+            <a:pPr marL="0" indent="0">
+              <a:buNone/>
+            </a:pPr>
+            <a:r>
+              <a:rPr lang="en-US" dirty="0" err="1"/>
+              <a:t>Countsort</a:t>
+            </a:r>
+            <a:r>
+              <a:rPr lang="en-US" dirty="0"/>
+              <a:t> este cea mai </a:t>
+            </a:r>
+            <a:r>
+              <a:rPr lang="en-US" dirty="0" err="1"/>
+              <a:t>rapida</a:t>
+            </a:r>
+            <a:r>
+              <a:rPr lang="en-US" dirty="0"/>
+              <a:t> </a:t>
+            </a:r>
+            <a:r>
+              <a:rPr lang="en-US" dirty="0" err="1"/>
+              <a:t>sortare</a:t>
+            </a:r>
+            <a:r>
+              <a:rPr lang="en-US" dirty="0"/>
+              <a:t>, </a:t>
+            </a:r>
+            <a:r>
+              <a:rPr lang="en-US" dirty="0" err="1"/>
+              <a:t>timpul</a:t>
+            </a:r>
+            <a:r>
+              <a:rPr lang="en-US" dirty="0"/>
+              <a:t> de </a:t>
+            </a:r>
+            <a:r>
+              <a:rPr lang="en-US" dirty="0" err="1"/>
+              <a:t>executie</a:t>
+            </a:r>
+            <a:r>
+              <a:rPr lang="en-US" dirty="0"/>
+              <a:t> </a:t>
+            </a:r>
+            <a:r>
+              <a:rPr lang="en-US" dirty="0" err="1"/>
+              <a:t>pastrandu</a:t>
+            </a:r>
+            <a:r>
+              <a:rPr lang="en-US" dirty="0"/>
+              <a:t>-se sub 2 </a:t>
+            </a:r>
+            <a:r>
+              <a:rPr lang="en-US" dirty="0" err="1"/>
+              <a:t>secunde</a:t>
+            </a:r>
+            <a:r>
+              <a:rPr lang="en-US" dirty="0"/>
+              <a:t> </a:t>
+            </a:r>
+            <a:r>
+              <a:rPr lang="en-US" dirty="0" err="1"/>
+              <a:t>chiar</a:t>
+            </a:r>
+            <a:r>
+              <a:rPr lang="en-US" dirty="0"/>
+              <a:t> </a:t>
+            </a:r>
+            <a:r>
+              <a:rPr lang="en-US" dirty="0" err="1"/>
+              <a:t>si</a:t>
+            </a:r>
+            <a:r>
+              <a:rPr lang="en-US" dirty="0"/>
+              <a:t> pentru </a:t>
+            </a:r>
+            <a:r>
+              <a:rPr lang="en-US" dirty="0" err="1"/>
+              <a:t>valori</a:t>
+            </a:r>
+            <a:r>
+              <a:rPr lang="en-US" dirty="0"/>
+              <a:t> foarte </a:t>
+            </a:r>
+            <a:r>
+              <a:rPr lang="en-US" dirty="0" err="1"/>
+              <a:t>mari</a:t>
+            </a:r>
+            <a:r>
+              <a:rPr lang="en-US" dirty="0"/>
+              <a:t>. </a:t>
+            </a:r>
+          </a:p>
+          <a:p>
+            <a:pPr marL="0" indent="0">
+              <a:buNone/>
+            </a:pPr>
+            <a:r>
+              <a:rPr lang="en-US" dirty="0" err="1"/>
+              <a:t>Totusi</a:t>
+            </a:r>
+            <a:r>
+              <a:rPr lang="en-US" dirty="0"/>
+              <a:t>, </a:t>
+            </a:r>
+            <a:r>
+              <a:rPr lang="en-US" dirty="0" err="1"/>
+              <a:t>foloseste</a:t>
+            </a:r>
+            <a:r>
+              <a:rPr lang="en-US" dirty="0"/>
+              <a:t> cea mai </a:t>
+            </a:r>
+            <a:r>
+              <a:rPr lang="en-US" dirty="0" err="1"/>
+              <a:t>multa</a:t>
+            </a:r>
+            <a:r>
+              <a:rPr lang="en-US" dirty="0"/>
+              <a:t> </a:t>
+            </a:r>
+            <a:r>
+              <a:rPr lang="en-US" dirty="0" err="1"/>
+              <a:t>memorie</a:t>
+            </a:r>
+            <a:r>
+              <a:rPr lang="en-US" dirty="0"/>
+              <a:t> </a:t>
+            </a:r>
+            <a:r>
+              <a:rPr lang="en-US" dirty="0" err="1"/>
+              <a:t>suplimentara</a:t>
+            </a:r>
+            <a:r>
+              <a:rPr lang="en-US" dirty="0"/>
+              <a:t>, </a:t>
+            </a:r>
+            <a:r>
+              <a:rPr lang="en-US" dirty="0" err="1"/>
+              <a:t>avand</a:t>
+            </a:r>
+            <a:r>
+              <a:rPr lang="en-US" dirty="0"/>
+              <a:t> </a:t>
+            </a:r>
+            <a:r>
+              <a:rPr lang="en-US" dirty="0" err="1"/>
+              <a:t>nevoie</a:t>
+            </a:r>
+            <a:r>
+              <a:rPr lang="en-US" dirty="0"/>
+              <a:t> </a:t>
+            </a:r>
+            <a:r>
+              <a:rPr lang="en-US" dirty="0" err="1"/>
+              <a:t>sa</a:t>
+            </a:r>
+            <a:r>
+              <a:rPr lang="en-US" dirty="0"/>
+              <a:t> </a:t>
+            </a:r>
+            <a:r>
+              <a:rPr lang="en-US" dirty="0" err="1"/>
+              <a:t>stocheze</a:t>
+            </a:r>
+            <a:r>
+              <a:rPr lang="en-US" dirty="0"/>
+              <a:t> </a:t>
+            </a:r>
+            <a:r>
+              <a:rPr lang="en-US" dirty="0" err="1"/>
+              <a:t>vectorul</a:t>
+            </a:r>
+            <a:r>
+              <a:rPr lang="en-US" dirty="0"/>
+              <a:t> de frecvența. Merge sort </a:t>
+            </a:r>
+            <a:r>
+              <a:rPr lang="en-US" dirty="0" err="1"/>
+              <a:t>si</a:t>
+            </a:r>
+            <a:r>
+              <a:rPr lang="en-US" dirty="0"/>
+              <a:t> Radix Sort </a:t>
+            </a:r>
+            <a:r>
+              <a:rPr lang="en-US" dirty="0" err="1"/>
+              <a:t>echilibreaza</a:t>
+            </a:r>
+            <a:r>
+              <a:rPr lang="en-US" dirty="0"/>
+              <a:t> mai bine </a:t>
+            </a:r>
+            <a:r>
+              <a:rPr lang="en-US" dirty="0" err="1"/>
+              <a:t>variabilele</a:t>
+            </a:r>
+            <a:r>
+              <a:rPr lang="en-US" dirty="0"/>
+              <a:t> </a:t>
+            </a:r>
+            <a:r>
+              <a:rPr lang="en-US" dirty="0" err="1"/>
+              <a:t>memorie</a:t>
+            </a:r>
+            <a:r>
+              <a:rPr lang="en-US" dirty="0"/>
+              <a:t> </a:t>
+            </a:r>
+            <a:r>
+              <a:rPr lang="en-US" dirty="0" err="1"/>
+              <a:t>si</a:t>
+            </a:r>
+            <a:r>
+              <a:rPr lang="en-US" dirty="0"/>
+              <a:t> </a:t>
+            </a:r>
+            <a:r>
+              <a:rPr lang="en-US" dirty="0" err="1"/>
+              <a:t>timp.</a:t>
+            </a:r>
+            <a:r>
+              <a:rPr lang="en-US" dirty="0"/>
+              <a:t> Radix este de </a:t>
+            </a:r>
+            <a:r>
+              <a:rPr lang="en-US" dirty="0" err="1"/>
+              <a:t>aproximativ</a:t>
+            </a:r>
+            <a:r>
+              <a:rPr lang="en-US" dirty="0"/>
+              <a:t> 3 ori mai </a:t>
+            </a:r>
+            <a:r>
+              <a:rPr lang="en-US" dirty="0" err="1"/>
+              <a:t>rapida</a:t>
+            </a:r>
+            <a:r>
+              <a:rPr lang="en-US" dirty="0"/>
+              <a:t> </a:t>
+            </a:r>
+            <a:r>
+              <a:rPr lang="en-US" dirty="0" err="1"/>
+              <a:t>decat</a:t>
+            </a:r>
+            <a:r>
+              <a:rPr lang="en-US" dirty="0"/>
+              <a:t> merge </a:t>
+            </a:r>
+            <a:r>
+              <a:rPr lang="en-US" dirty="0" err="1"/>
+              <a:t>si</a:t>
+            </a:r>
+            <a:r>
+              <a:rPr lang="en-US" dirty="0"/>
+              <a:t> </a:t>
+            </a:r>
+            <a:r>
+              <a:rPr lang="en-US" dirty="0" err="1"/>
+              <a:t>ocupa</a:t>
+            </a:r>
+            <a:r>
+              <a:rPr lang="en-US" dirty="0"/>
+              <a:t> mai </a:t>
+            </a:r>
+            <a:r>
+              <a:rPr lang="en-US" dirty="0" err="1"/>
+              <a:t>multa</a:t>
+            </a:r>
+            <a:r>
+              <a:rPr lang="en-US" dirty="0"/>
+              <a:t> </a:t>
+            </a:r>
+            <a:r>
+              <a:rPr lang="en-US" dirty="0" err="1"/>
+              <a:t>memorie</a:t>
+            </a:r>
+            <a:r>
+              <a:rPr lang="en-US" dirty="0"/>
+              <a:t> </a:t>
+            </a:r>
+            <a:r>
+              <a:rPr lang="en-US" dirty="0" err="1"/>
+              <a:t>suplimentara</a:t>
+            </a:r>
+            <a:r>
+              <a:rPr lang="en-US" dirty="0"/>
+              <a:t>.</a:t>
+            </a:r>
+          </a:p>
+          <a:p>
+            <a:pPr marL="0" indent="0">
+              <a:buNone/>
+            </a:pPr>
+            <a:r>
+              <a:rPr lang="en-US" dirty="0"/>
+              <a:t> Shell Sort este printre cele mai lente </a:t>
+            </a:r>
+            <a:r>
+              <a:rPr lang="en-US" dirty="0" err="1"/>
+              <a:t>si</a:t>
+            </a:r>
+            <a:r>
+              <a:rPr lang="en-US" dirty="0"/>
+              <a:t> nu </a:t>
+            </a:r>
+            <a:r>
+              <a:rPr lang="en-US" dirty="0" err="1"/>
+              <a:t>foloseste</a:t>
+            </a:r>
+            <a:r>
+              <a:rPr lang="en-US" dirty="0"/>
+              <a:t> </a:t>
+            </a:r>
+            <a:r>
+              <a:rPr lang="en-US" dirty="0" err="1"/>
+              <a:t>spatiu</a:t>
+            </a:r>
+            <a:r>
+              <a:rPr lang="en-US" dirty="0"/>
+              <a:t> de </a:t>
+            </a:r>
+            <a:r>
+              <a:rPr lang="en-US" dirty="0" err="1"/>
+              <a:t>memorie</a:t>
+            </a:r>
+            <a:r>
+              <a:rPr lang="en-US" dirty="0"/>
+              <a:t> </a:t>
+            </a:r>
+            <a:r>
+              <a:rPr lang="en-US" dirty="0" err="1"/>
+              <a:t>suplimentar</a:t>
+            </a:r>
+            <a:r>
+              <a:rPr lang="en-US" dirty="0"/>
+              <a:t>. </a:t>
+            </a:r>
+          </a:p>
+        </p:txBody>
+      </p:sp>
+    </p:spTree>
+    <p:extLst>
+      <p:ext uri="{BB962C8B-B14F-4D97-AF65-F5344CB8AC3E}">
+        <p14:creationId xmlns:p14="http://schemas.microsoft.com/office/powerpoint/2010/main" val="3601198197"/>
+      </p:ext>
+    </p:extLst>
+  </p:cSld>
+  <p:clrMapOvr>
+    <a:masterClrMapping/>
+  </p:clrMapOvr>
+</p:sld>
+</file>
+
+<file path=ppt/slides/slide6.xml><?xml version="1.0" encoding="utf-8"?>
+<p:sld xmlns:a="http://schemas.openxmlformats.org/drawingml/2006/main" xmlns:r="http://schemas.openxmlformats.org/officeDocument/2006/relationships" xmlns:p="http://schemas.openxmlformats.org/presentationml/2006/main">
+  <p:cSld>
+    <p:spTree>
+      <p:nvGrpSpPr>
+        <p:cNvPr id="1" name=""/>
+        <p:cNvGrpSpPr/>
+        <p:nvPr/>
+      </p:nvGrpSpPr>
+      <p:grpSpPr>
+        <a:xfrm>
+          <a:off x="0" y="0"/>
+          <a:ext cx="0" cy="0"/>
+          <a:chOff x="0" y="0"/>
+          <a:chExt cx="0" cy="0"/>
+        </a:xfrm>
+      </p:grpSpPr>
+      <p:sp>
+        <p:nvSpPr>
+          <p:cNvPr id="2" name="Title 1">
+            <a:extLst>
+              <a:ext uri="{FF2B5EF4-FFF2-40B4-BE49-F238E27FC236}">
+                <a16:creationId xmlns:a16="http://schemas.microsoft.com/office/drawing/2014/main" id="{2243884A-406A-E8DF-02C2-752F5B5554FC}"/>
+              </a:ext>
+            </a:extLst>
+          </p:cNvPr>
+          <p:cNvSpPr>
+            <a:spLocks noGrp="1"/>
+          </p:cNvSpPr>
+          <p:nvPr>
+            <p:ph type="title"/>
+          </p:nvPr>
+        </p:nvSpPr>
+        <p:spPr/>
+        <p:txBody>
+          <a:bodyPr/>
+          <a:lstStyle/>
+          <a:p>
+            <a:r>
+              <a:rPr lang="en-US" dirty="0"/>
+              <a:t>Quick sort – </a:t>
+            </a:r>
+            <a:r>
+              <a:rPr lang="en-US" dirty="0" err="1"/>
+              <a:t>complexitate</a:t>
+            </a:r>
+            <a:r>
+              <a:rPr lang="en-US" dirty="0"/>
+              <a:t> </a:t>
+            </a:r>
+            <a:r>
+              <a:rPr lang="en-US" dirty="0" err="1"/>
+              <a:t>variabila</a:t>
+            </a:r>
+            <a:endParaRPr lang="en-US" dirty="0"/>
+          </a:p>
+        </p:txBody>
+      </p:sp>
+      <p:sp>
+        <p:nvSpPr>
+          <p:cNvPr id="3" name="Content Placeholder 2">
+            <a:extLst>
+              <a:ext uri="{FF2B5EF4-FFF2-40B4-BE49-F238E27FC236}">
+                <a16:creationId xmlns:a16="http://schemas.microsoft.com/office/drawing/2014/main" id="{3057160D-438B-37B1-BBCA-CBAB0D2DB5BD}"/>
+              </a:ext>
+            </a:extLst>
+          </p:cNvPr>
+          <p:cNvSpPr>
+            <a:spLocks noGrp="1"/>
+          </p:cNvSpPr>
+          <p:nvPr>
+            <p:ph idx="1"/>
+          </p:nvPr>
+        </p:nvSpPr>
+        <p:spPr/>
+        <p:txBody>
+          <a:bodyPr/>
+          <a:lstStyle/>
+          <a:p>
+            <a:r>
+              <a:rPr lang="en-US" dirty="0" err="1"/>
+              <a:t>Nici</a:t>
+            </a:r>
+            <a:r>
+              <a:rPr lang="en-US" dirty="0"/>
+              <a:t> quick sort nu </a:t>
+            </a:r>
+            <a:r>
+              <a:rPr lang="en-US" dirty="0" err="1"/>
+              <a:t>foloseste</a:t>
+            </a:r>
+            <a:r>
+              <a:rPr lang="en-US" dirty="0"/>
+              <a:t> </a:t>
+            </a:r>
+            <a:r>
+              <a:rPr lang="en-US" dirty="0" err="1"/>
+              <a:t>spatiu</a:t>
+            </a:r>
+            <a:r>
+              <a:rPr lang="en-US" dirty="0"/>
+              <a:t> </a:t>
+            </a:r>
+            <a:r>
+              <a:rPr lang="en-US" dirty="0" err="1"/>
+              <a:t>suplimentar</a:t>
+            </a:r>
+            <a:r>
+              <a:rPr lang="en-US" dirty="0"/>
+              <a:t>, dar este destul de </a:t>
+            </a:r>
+            <a:r>
+              <a:rPr lang="en-US" dirty="0" err="1"/>
+              <a:t>riscanta</a:t>
+            </a:r>
+            <a:r>
+              <a:rPr lang="en-US" dirty="0"/>
+              <a:t>, </a:t>
+            </a:r>
+            <a:r>
+              <a:rPr lang="en-US" dirty="0" err="1"/>
+              <a:t>putand</a:t>
+            </a:r>
+            <a:r>
+              <a:rPr lang="en-US" dirty="0"/>
+              <a:t> </a:t>
+            </a:r>
+            <a:r>
+              <a:rPr lang="en-US" dirty="0" err="1"/>
+              <a:t>degenera</a:t>
+            </a:r>
+            <a:r>
+              <a:rPr lang="en-US" dirty="0"/>
+              <a:t> in O(N^2) </a:t>
+            </a:r>
+            <a:r>
+              <a:rPr lang="en-US" dirty="0" err="1"/>
+              <a:t>chiar</a:t>
+            </a:r>
+            <a:r>
+              <a:rPr lang="en-US" dirty="0"/>
+              <a:t> </a:t>
+            </a:r>
+            <a:r>
+              <a:rPr lang="en-US" dirty="0" err="1"/>
+              <a:t>si</a:t>
+            </a:r>
+            <a:r>
+              <a:rPr lang="en-US" dirty="0"/>
+              <a:t> cand </a:t>
+            </a:r>
+            <a:r>
+              <a:rPr lang="en-US" dirty="0" err="1"/>
+              <a:t>pivotul</a:t>
+            </a:r>
+            <a:r>
+              <a:rPr lang="en-US" dirty="0"/>
+              <a:t> a </a:t>
+            </a:r>
+            <a:r>
+              <a:rPr lang="en-US" dirty="0" err="1"/>
+              <a:t>fost</a:t>
+            </a:r>
+            <a:r>
+              <a:rPr lang="en-US" dirty="0"/>
+              <a:t> ales  </a:t>
+            </a:r>
+            <a:r>
+              <a:rPr lang="en-US" dirty="0" err="1"/>
+              <a:t>eficient</a:t>
+            </a:r>
+            <a:r>
+              <a:rPr lang="en-US" dirty="0"/>
+              <a:t>.  </a:t>
+            </a:r>
+          </a:p>
+          <a:p>
+            <a:r>
+              <a:rPr lang="en-US" dirty="0"/>
+              <a:t>Cand </a:t>
+            </a:r>
+            <a:r>
+              <a:rPr lang="en-US" dirty="0" err="1"/>
+              <a:t>dimensiunea</a:t>
+            </a:r>
+            <a:r>
+              <a:rPr lang="en-US" dirty="0"/>
+              <a:t> </a:t>
+            </a:r>
+            <a:r>
+              <a:rPr lang="en-US" dirty="0" err="1"/>
+              <a:t>vectorului</a:t>
+            </a:r>
+            <a:r>
+              <a:rPr lang="en-US" dirty="0"/>
+              <a:t> </a:t>
+            </a:r>
+            <a:r>
+              <a:rPr lang="en-US" dirty="0" err="1"/>
+              <a:t>creste</a:t>
+            </a:r>
+            <a:r>
+              <a:rPr lang="en-US" dirty="0"/>
+              <a:t> in </a:t>
+            </a:r>
+            <a:r>
+              <a:rPr lang="en-US" dirty="0" err="1"/>
+              <a:t>raport</a:t>
+            </a:r>
+            <a:r>
+              <a:rPr lang="en-US" dirty="0"/>
+              <a:t> cu </a:t>
+            </a:r>
+            <a:r>
+              <a:rPr lang="en-US" dirty="0" err="1"/>
+              <a:t>diferenta</a:t>
+            </a:r>
+            <a:r>
+              <a:rPr lang="en-US" dirty="0"/>
+              <a:t> dintre </a:t>
+            </a:r>
+            <a:r>
+              <a:rPr lang="en-US" dirty="0" err="1"/>
+              <a:t>valoarea</a:t>
+            </a:r>
+            <a:r>
+              <a:rPr lang="en-US" dirty="0"/>
+              <a:t> minima </a:t>
+            </a:r>
+            <a:r>
+              <a:rPr lang="en-US" dirty="0" err="1"/>
+              <a:t>si</a:t>
+            </a:r>
+            <a:r>
+              <a:rPr lang="en-US" dirty="0"/>
+              <a:t> maxima a </a:t>
+            </a:r>
+            <a:r>
+              <a:rPr lang="en-US" dirty="0" err="1"/>
+              <a:t>elementelor</a:t>
+            </a:r>
+            <a:r>
+              <a:rPr lang="en-US" dirty="0"/>
+              <a:t> sale </a:t>
+            </a:r>
+            <a:r>
+              <a:rPr lang="en-US" dirty="0" err="1"/>
+              <a:t>scade</a:t>
+            </a:r>
+            <a:r>
+              <a:rPr lang="en-US" dirty="0"/>
+              <a:t>, este </a:t>
+            </a:r>
+            <a:r>
+              <a:rPr lang="en-US" dirty="0" err="1"/>
+              <a:t>favorizata</a:t>
+            </a:r>
+            <a:r>
+              <a:rPr lang="en-US" dirty="0"/>
+              <a:t> </a:t>
+            </a:r>
+            <a:r>
+              <a:rPr lang="en-US" dirty="0" err="1"/>
+              <a:t>aparitia</a:t>
+            </a:r>
+            <a:r>
+              <a:rPr lang="en-US" dirty="0"/>
+              <a:t> </a:t>
+            </a:r>
+            <a:r>
+              <a:rPr lang="en-US" dirty="0" err="1"/>
+              <a:t>duplicatelor</a:t>
+            </a:r>
+            <a:r>
+              <a:rPr lang="en-US" dirty="0"/>
+              <a:t>. Astfel, </a:t>
+            </a:r>
+            <a:r>
+              <a:rPr lang="en-US" dirty="0" err="1"/>
+              <a:t>creste</a:t>
+            </a:r>
+            <a:r>
+              <a:rPr lang="en-US" dirty="0"/>
+              <a:t> </a:t>
+            </a:r>
+            <a:r>
+              <a:rPr lang="en-US" dirty="0" err="1"/>
+              <a:t>timpul</a:t>
+            </a:r>
+            <a:r>
+              <a:rPr lang="en-US" dirty="0"/>
+              <a:t> de </a:t>
+            </a:r>
+            <a:r>
+              <a:rPr lang="en-US" dirty="0" err="1"/>
+              <a:t>executie</a:t>
+            </a:r>
+            <a:r>
+              <a:rPr lang="en-US" dirty="0"/>
+              <a:t> </a:t>
+            </a:r>
+            <a:r>
+              <a:rPr lang="en-US" dirty="0" err="1"/>
+              <a:t>considerabil</a:t>
+            </a:r>
+            <a:r>
+              <a:rPr lang="en-US" dirty="0"/>
+              <a:t> pentru ca </a:t>
+            </a:r>
+            <a:r>
+              <a:rPr lang="en-US" dirty="0" err="1"/>
+              <a:t>duplicatele</a:t>
+            </a:r>
+            <a:r>
+              <a:rPr lang="en-US" dirty="0"/>
+              <a:t> </a:t>
+            </a:r>
+            <a:r>
+              <a:rPr lang="en-US" dirty="0" err="1"/>
+              <a:t>vor</a:t>
+            </a:r>
+            <a:r>
+              <a:rPr lang="en-US" dirty="0"/>
+              <a:t> fi </a:t>
+            </a:r>
+            <a:r>
+              <a:rPr lang="en-US" dirty="0" err="1"/>
+              <a:t>alese</a:t>
+            </a:r>
+            <a:r>
+              <a:rPr lang="en-US" dirty="0"/>
+              <a:t> ca </a:t>
+            </a:r>
+            <a:r>
+              <a:rPr lang="en-US" dirty="0" err="1"/>
+              <a:t>pivoti</a:t>
+            </a:r>
+            <a:r>
+              <a:rPr lang="en-US" dirty="0"/>
+              <a:t>.</a:t>
+            </a:r>
+          </a:p>
+          <a:p>
+            <a:r>
+              <a:rPr lang="en-US" dirty="0"/>
+              <a:t>De aceea, pentru </a:t>
+            </a:r>
+            <a:r>
+              <a:rPr lang="en-US" dirty="0" err="1"/>
+              <a:t>testul</a:t>
+            </a:r>
+            <a:r>
+              <a:rPr lang="en-US" dirty="0"/>
+              <a:t> cu N = 10^7 </a:t>
+            </a:r>
+            <a:r>
+              <a:rPr lang="en-US" dirty="0" err="1"/>
+              <a:t>si</a:t>
+            </a:r>
+            <a:r>
+              <a:rPr lang="en-US" dirty="0"/>
+              <a:t> MAX = 10^3 </a:t>
+            </a:r>
+            <a:r>
+              <a:rPr lang="en-US" dirty="0" err="1"/>
+              <a:t>timpul</a:t>
+            </a:r>
+            <a:r>
+              <a:rPr lang="en-US" dirty="0"/>
+              <a:t> de </a:t>
+            </a:r>
+            <a:r>
+              <a:rPr lang="en-US" dirty="0" err="1"/>
+              <a:t>executie</a:t>
+            </a:r>
+            <a:r>
+              <a:rPr lang="en-US" dirty="0"/>
+              <a:t> este de </a:t>
+            </a:r>
+            <a:r>
+              <a:rPr lang="en-US" dirty="0" err="1"/>
+              <a:t>aproximativ</a:t>
+            </a:r>
+            <a:r>
+              <a:rPr lang="en-US" dirty="0"/>
+              <a:t> 110 </a:t>
+            </a:r>
+            <a:r>
+              <a:rPr lang="en-US" dirty="0" err="1"/>
+              <a:t>secunde</a:t>
+            </a:r>
+            <a:r>
+              <a:rPr lang="en-US" dirty="0"/>
+              <a:t>.</a:t>
+            </a:r>
+          </a:p>
+          <a:p>
+            <a:r>
+              <a:rPr lang="en-US" dirty="0"/>
+              <a:t>Pentru N = 10^8 </a:t>
+            </a:r>
+            <a:r>
+              <a:rPr lang="en-US" dirty="0" err="1"/>
+              <a:t>si</a:t>
+            </a:r>
+            <a:r>
+              <a:rPr lang="en-US" dirty="0"/>
+              <a:t> MAX = 10^3, </a:t>
+            </a:r>
+            <a:r>
+              <a:rPr lang="en-US" dirty="0" err="1"/>
+              <a:t>programul</a:t>
+            </a:r>
+            <a:r>
+              <a:rPr lang="en-US" dirty="0"/>
+              <a:t> nu mai poate </a:t>
+            </a:r>
+            <a:r>
+              <a:rPr lang="en-US" dirty="0" err="1"/>
+              <a:t>sa</a:t>
+            </a:r>
+            <a:r>
+              <a:rPr lang="en-US" dirty="0"/>
+              <a:t> </a:t>
+            </a:r>
+            <a:r>
+              <a:rPr lang="en-US" dirty="0" err="1"/>
+              <a:t>termine</a:t>
+            </a:r>
+            <a:r>
+              <a:rPr lang="en-US" dirty="0"/>
+              <a:t> </a:t>
+            </a:r>
+            <a:r>
+              <a:rPr lang="en-US" dirty="0" err="1"/>
+              <a:t>sortarea</a:t>
+            </a:r>
+            <a:r>
+              <a:rPr lang="en-US" dirty="0"/>
+              <a:t> pentru ca se </a:t>
+            </a:r>
+            <a:r>
+              <a:rPr lang="en-US" dirty="0" err="1"/>
+              <a:t>reapeleaza</a:t>
+            </a:r>
+            <a:r>
+              <a:rPr lang="en-US" dirty="0"/>
+              <a:t> de </a:t>
+            </a:r>
+            <a:r>
+              <a:rPr lang="en-US" dirty="0" err="1"/>
+              <a:t>prea</a:t>
+            </a:r>
+            <a:r>
+              <a:rPr lang="en-US" dirty="0"/>
+              <a:t> multe ori </a:t>
+            </a:r>
+            <a:r>
+              <a:rPr lang="en-US" dirty="0" err="1"/>
+              <a:t>si</a:t>
+            </a:r>
+            <a:r>
+              <a:rPr lang="en-US" dirty="0"/>
+              <a:t> </a:t>
+            </a:r>
+            <a:r>
+              <a:rPr lang="en-US" dirty="0" err="1"/>
+              <a:t>cauzeaza</a:t>
+            </a:r>
+            <a:r>
+              <a:rPr lang="en-US" dirty="0"/>
+              <a:t> stack overflow. </a:t>
+            </a:r>
+          </a:p>
+          <a:p>
+            <a:endParaRPr lang="en-US" dirty="0"/>
+          </a:p>
+        </p:txBody>
+      </p:sp>
+    </p:spTree>
+    <p:extLst>
+      <p:ext uri="{BB962C8B-B14F-4D97-AF65-F5344CB8AC3E}">
+        <p14:creationId xmlns:p14="http://schemas.microsoft.com/office/powerpoint/2010/main" val="1189066330"/>
       </p:ext>
     </p:extLst>
   </p:cSld>

--- a/proiect1SD/Prezentare.pptx
+++ b/proiect1SD/Prezentare.pptx
@@ -7,10 +7,12 @@
   <p:sldIdLst>
     <p:sldId id="256" r:id="rId2"/>
     <p:sldId id="257" r:id="rId3"/>
-    <p:sldId id="258" r:id="rId4"/>
-    <p:sldId id="259" r:id="rId5"/>
-    <p:sldId id="260" r:id="rId6"/>
-    <p:sldId id="261" r:id="rId7"/>
+    <p:sldId id="263" r:id="rId4"/>
+    <p:sldId id="258" r:id="rId5"/>
+    <p:sldId id="259" r:id="rId6"/>
+    <p:sldId id="262" r:id="rId7"/>
+    <p:sldId id="260" r:id="rId8"/>
+    <p:sldId id="261" r:id="rId9"/>
   </p:sldIdLst>
   <p:sldSz cx="12192000" cy="6858000"/>
   <p:notesSz cx="6858000" cy="9144000"/>
@@ -131,37 +133,7 @@
     </mc:Fallback>
   </mc:AlternateContent>
   <c:chart>
-    <c:title>
-      <c:overlay val="0"/>
-      <c:spPr>
-        <a:noFill/>
-        <a:ln>
-          <a:noFill/>
-        </a:ln>
-        <a:effectLst/>
-      </c:spPr>
-      <c:txPr>
-        <a:bodyPr rot="0" spcFirstLastPara="1" vertOverflow="ellipsis" vert="horz" wrap="square" anchor="ctr" anchorCtr="1"/>
-        <a:lstStyle/>
-        <a:p>
-          <a:pPr>
-            <a:defRPr sz="1862" b="0" i="0" u="none" strike="noStrike" kern="1200" spc="0" baseline="0">
-              <a:solidFill>
-                <a:schemeClr val="tx1">
-                  <a:lumMod val="65000"/>
-                  <a:lumOff val="35000"/>
-                </a:schemeClr>
-              </a:solidFill>
-              <a:latin typeface="+mn-lt"/>
-              <a:ea typeface="+mn-ea"/>
-              <a:cs typeface="+mn-cs"/>
-            </a:defRPr>
-          </a:pPr>
-          <a:endParaRPr lang="en-US"/>
-        </a:p>
-      </c:txPr>
-    </c:title>
-    <c:autoTitleDeleted val="0"/>
+    <c:autoTitleDeleted val="1"/>
     <c:plotArea>
       <c:layout/>
       <c:barChart>
@@ -1442,7 +1414,7 @@
           <a:p>
             <a:fld id="{F42E648E-7B44-4565-9FBB-344473D93B5F}" type="datetimeFigureOut">
               <a:rPr lang="en-US" smtClean="0"/>
-              <a:t>3/14/2023</a:t>
+              <a:t>3/15/2023</a:t>
             </a:fld>
             <a:endParaRPr lang="en-US"/>
           </a:p>
@@ -1717,7 +1689,7 @@
           <a:p>
             <a:fld id="{F42E648E-7B44-4565-9FBB-344473D93B5F}" type="datetimeFigureOut">
               <a:rPr lang="en-US" smtClean="0"/>
-              <a:t>3/14/2023</a:t>
+              <a:t>3/15/2023</a:t>
             </a:fld>
             <a:endParaRPr lang="en-US"/>
           </a:p>
@@ -1911,7 +1883,7 @@
           <a:p>
             <a:fld id="{F42E648E-7B44-4565-9FBB-344473D93B5F}" type="datetimeFigureOut">
               <a:rPr lang="en-US" smtClean="0"/>
-              <a:t>3/14/2023</a:t>
+              <a:t>3/15/2023</a:t>
             </a:fld>
             <a:endParaRPr lang="en-US"/>
           </a:p>
@@ -2179,7 +2151,7 @@
           <a:p>
             <a:fld id="{F42E648E-7B44-4565-9FBB-344473D93B5F}" type="datetimeFigureOut">
               <a:rPr lang="en-US" smtClean="0"/>
-              <a:t>3/14/2023</a:t>
+              <a:t>3/15/2023</a:t>
             </a:fld>
             <a:endParaRPr lang="en-US"/>
           </a:p>
@@ -2511,7 +2483,7 @@
           <a:p>
             <a:fld id="{F42E648E-7B44-4565-9FBB-344473D93B5F}" type="datetimeFigureOut">
               <a:rPr lang="en-US" smtClean="0"/>
-              <a:t>3/14/2023</a:t>
+              <a:t>3/15/2023</a:t>
             </a:fld>
             <a:endParaRPr lang="en-US"/>
           </a:p>
@@ -3121,7 +3093,7 @@
           <a:p>
             <a:fld id="{F42E648E-7B44-4565-9FBB-344473D93B5F}" type="datetimeFigureOut">
               <a:rPr lang="en-US" smtClean="0"/>
-              <a:t>3/14/2023</a:t>
+              <a:t>3/15/2023</a:t>
             </a:fld>
             <a:endParaRPr lang="en-US"/>
           </a:p>
@@ -3968,7 +3940,7 @@
           <a:p>
             <a:fld id="{F42E648E-7B44-4565-9FBB-344473D93B5F}" type="datetimeFigureOut">
               <a:rPr lang="en-US" smtClean="0"/>
-              <a:t>3/14/2023</a:t>
+              <a:t>3/15/2023</a:t>
             </a:fld>
             <a:endParaRPr lang="en-US"/>
           </a:p>
@@ -4138,7 +4110,7 @@
           <a:p>
             <a:fld id="{F42E648E-7B44-4565-9FBB-344473D93B5F}" type="datetimeFigureOut">
               <a:rPr lang="en-US" smtClean="0"/>
-              <a:t>3/14/2023</a:t>
+              <a:t>3/15/2023</a:t>
             </a:fld>
             <a:endParaRPr lang="en-US"/>
           </a:p>
@@ -4318,7 +4290,7 @@
           <a:p>
             <a:fld id="{F42E648E-7B44-4565-9FBB-344473D93B5F}" type="datetimeFigureOut">
               <a:rPr lang="en-US" smtClean="0"/>
-              <a:t>3/14/2023</a:t>
+              <a:t>3/15/2023</a:t>
             </a:fld>
             <a:endParaRPr lang="en-US"/>
           </a:p>
@@ -4488,7 +4460,7 @@
           <a:p>
             <a:fld id="{F42E648E-7B44-4565-9FBB-344473D93B5F}" type="datetimeFigureOut">
               <a:rPr lang="en-US" smtClean="0"/>
-              <a:t>3/14/2023</a:t>
+              <a:t>3/15/2023</a:t>
             </a:fld>
             <a:endParaRPr lang="en-US"/>
           </a:p>
@@ -4732,7 +4704,7 @@
           <a:p>
             <a:fld id="{F42E648E-7B44-4565-9FBB-344473D93B5F}" type="datetimeFigureOut">
               <a:rPr lang="en-US" smtClean="0"/>
-              <a:t>3/14/2023</a:t>
+              <a:t>3/15/2023</a:t>
             </a:fld>
             <a:endParaRPr lang="en-US"/>
           </a:p>
@@ -5024,7 +4996,7 @@
           <a:p>
             <a:fld id="{F42E648E-7B44-4565-9FBB-344473D93B5F}" type="datetimeFigureOut">
               <a:rPr lang="en-US" smtClean="0"/>
-              <a:t>3/14/2023</a:t>
+              <a:t>3/15/2023</a:t>
             </a:fld>
             <a:endParaRPr lang="en-US"/>
           </a:p>
@@ -5462,7 +5434,7 @@
           <a:p>
             <a:fld id="{F42E648E-7B44-4565-9FBB-344473D93B5F}" type="datetimeFigureOut">
               <a:rPr lang="en-US" smtClean="0"/>
-              <a:t>3/14/2023</a:t>
+              <a:t>3/15/2023</a:t>
             </a:fld>
             <a:endParaRPr lang="en-US"/>
           </a:p>
@@ -5580,7 +5552,7 @@
           <a:p>
             <a:fld id="{F42E648E-7B44-4565-9FBB-344473D93B5F}" type="datetimeFigureOut">
               <a:rPr lang="en-US" smtClean="0"/>
-              <a:t>3/14/2023</a:t>
+              <a:t>3/15/2023</a:t>
             </a:fld>
             <a:endParaRPr lang="en-US"/>
           </a:p>
@@ -5675,7 +5647,7 @@
           <a:p>
             <a:fld id="{F42E648E-7B44-4565-9FBB-344473D93B5F}" type="datetimeFigureOut">
               <a:rPr lang="en-US" smtClean="0"/>
-              <a:t>3/14/2023</a:t>
+              <a:t>3/15/2023</a:t>
             </a:fld>
             <a:endParaRPr lang="en-US"/>
           </a:p>
@@ -5954,7 +5926,7 @@
           <a:p>
             <a:fld id="{F42E648E-7B44-4565-9FBB-344473D93B5F}" type="datetimeFigureOut">
               <a:rPr lang="en-US" smtClean="0"/>
-              <a:t>3/14/2023</a:t>
+              <a:t>3/15/2023</a:t>
             </a:fld>
             <a:endParaRPr lang="en-US"/>
           </a:p>
@@ -6229,7 +6201,7 @@
           <a:p>
             <a:fld id="{F42E648E-7B44-4565-9FBB-344473D93B5F}" type="datetimeFigureOut">
               <a:rPr lang="en-US" smtClean="0"/>
-              <a:t>3/14/2023</a:t>
+              <a:t>3/15/2023</a:t>
             </a:fld>
             <a:endParaRPr lang="en-US"/>
           </a:p>
@@ -6658,7 +6630,7 @@
           <a:p>
             <a:fld id="{F42E648E-7B44-4565-9FBB-344473D93B5F}" type="datetimeFigureOut">
               <a:rPr lang="en-US" smtClean="0"/>
-              <a:t>3/14/2023</a:t>
+              <a:t>3/15/2023</a:t>
             </a:fld>
             <a:endParaRPr lang="en-US"/>
           </a:p>
@@ -7688,7 +7660,7 @@
           <p:cNvPr id="2" name="Title 1">
             <a:extLst>
               <a:ext uri="{FF2B5EF4-FFF2-40B4-BE49-F238E27FC236}">
-                <a16:creationId xmlns:a16="http://schemas.microsoft.com/office/drawing/2014/main" id="{C9D0BDC8-634C-1AA8-7659-9E074A8D9899}"/>
+                <a16:creationId xmlns:a16="http://schemas.microsoft.com/office/drawing/2014/main" id="{C800655B-43CA-29DB-857E-B9946F80919A}"/>
               </a:ext>
             </a:extLst>
           </p:cNvPr>
@@ -7705,47 +7677,128 @@
           <a:lstStyle/>
           <a:p>
             <a:r>
-              <a:rPr lang="en-US" dirty="0"/>
-              <a:t>Radix Sort</a:t>
-            </a:r>
-          </a:p>
-        </p:txBody>
-      </p:sp>
-      <p:graphicFrame>
-        <p:nvGraphicFramePr>
-          <p:cNvPr id="14" name="Content Placeholder 13">
+              <a:rPr lang="en-US" sz="6000" dirty="0" err="1"/>
+              <a:t>Testele</a:t>
+            </a:r>
+            <a:r>
+              <a:rPr lang="en-US" sz="6000" dirty="0"/>
+              <a:t> </a:t>
+            </a:r>
+            <a:r>
+              <a:rPr lang="en-US" sz="6000" dirty="0" err="1"/>
+              <a:t>folosite</a:t>
+            </a:r>
+            <a:r>
+              <a:rPr lang="en-US" sz="6000" dirty="0"/>
+              <a:t>:</a:t>
+            </a:r>
+          </a:p>
+        </p:txBody>
+      </p:sp>
+      <p:sp>
+        <p:nvSpPr>
+          <p:cNvPr id="3" name="Content Placeholder 2">
             <a:extLst>
               <a:ext uri="{FF2B5EF4-FFF2-40B4-BE49-F238E27FC236}">
-                <a16:creationId xmlns:a16="http://schemas.microsoft.com/office/drawing/2014/main" id="{F4FD3F8A-EFC3-5BBD-D255-4F823ED61B31}"/>
+                <a16:creationId xmlns:a16="http://schemas.microsoft.com/office/drawing/2014/main" id="{2429A664-A564-EE81-CDB6-2E3F1A05E481}"/>
               </a:ext>
             </a:extLst>
           </p:cNvPr>
-          <p:cNvGraphicFramePr>
-            <a:graphicFrameLocks noGrp="1"/>
-          </p:cNvGraphicFramePr>
+          <p:cNvSpPr>
+            <a:spLocks noGrp="1"/>
+          </p:cNvSpPr>
           <p:nvPr>
             <p:ph idx="1"/>
-            <p:extLst>
-              <p:ext uri="{D42A27DB-BD31-4B8C-83A1-F6EECF244321}">
-                <p14:modId xmlns:p14="http://schemas.microsoft.com/office/powerpoint/2010/main" val="743898628"/>
-              </p:ext>
-            </p:extLst>
-          </p:nvPr>
-        </p:nvGraphicFramePr>
-        <p:xfrm>
-          <a:off x="1103684" y="2072516"/>
-          <a:ext cx="8947150" cy="4195762"/>
-        </p:xfrm>
-        <a:graphic>
-          <a:graphicData uri="http://schemas.openxmlformats.org/drawingml/2006/chart">
-            <c:chart xmlns:c="http://schemas.openxmlformats.org/drawingml/2006/chart" xmlns:r="http://schemas.openxmlformats.org/officeDocument/2006/relationships" r:id="rId2"/>
-          </a:graphicData>
-        </a:graphic>
-      </p:graphicFrame>
+          </p:nvPr>
+        </p:nvSpPr>
+        <p:spPr/>
+        <p:txBody>
+          <a:bodyPr>
+            <a:normAutofit/>
+          </a:bodyPr>
+          <a:lstStyle/>
+          <a:p>
+            <a:r>
+              <a:rPr lang="en-US" sz="4400" dirty="0"/>
+              <a:t>Pentru N cu </a:t>
+            </a:r>
+            <a:r>
+              <a:rPr lang="en-US" sz="4400" dirty="0" err="1"/>
+              <a:t>valori</a:t>
+            </a:r>
+            <a:r>
+              <a:rPr lang="en-US" sz="4400" dirty="0"/>
+              <a:t> </a:t>
+            </a:r>
+            <a:r>
+              <a:rPr lang="en-US" sz="4400" dirty="0" err="1"/>
+              <a:t>intre</a:t>
+            </a:r>
+            <a:r>
+              <a:rPr lang="en-US" sz="4400" dirty="0"/>
+              <a:t> 10^3 </a:t>
+            </a:r>
+            <a:r>
+              <a:rPr lang="en-US" sz="4400" dirty="0" err="1"/>
+              <a:t>si</a:t>
+            </a:r>
+            <a:r>
+              <a:rPr lang="en-US" sz="4400" dirty="0"/>
+              <a:t> 10^7 : </a:t>
+            </a:r>
+            <a:r>
+              <a:rPr lang="en-US" sz="4400" dirty="0" err="1"/>
+              <a:t>valoarea</a:t>
+            </a:r>
+            <a:r>
+              <a:rPr lang="en-US" sz="4400" dirty="0"/>
+              <a:t> maxima </a:t>
+            </a:r>
+            <a:r>
+              <a:rPr lang="en-US" sz="4400" dirty="0" err="1"/>
+              <a:t>intre</a:t>
+            </a:r>
+            <a:r>
+              <a:rPr lang="en-US" sz="4400" dirty="0"/>
+              <a:t> 10^3 </a:t>
+            </a:r>
+            <a:r>
+              <a:rPr lang="en-US" sz="4400" dirty="0" err="1"/>
+              <a:t>si</a:t>
+            </a:r>
+            <a:r>
+              <a:rPr lang="en-US" sz="4400" dirty="0"/>
+              <a:t> 10^8;</a:t>
+            </a:r>
+          </a:p>
+          <a:p>
+            <a:r>
+              <a:rPr lang="en-US" sz="4400" dirty="0"/>
+              <a:t>Pentru N = 10^8: </a:t>
+            </a:r>
+            <a:r>
+              <a:rPr lang="en-US" sz="4400" dirty="0" err="1"/>
+              <a:t>valoarea</a:t>
+            </a:r>
+            <a:r>
+              <a:rPr lang="en-US" sz="4400" dirty="0"/>
+              <a:t> maxima 10^3 </a:t>
+            </a:r>
+            <a:r>
+              <a:rPr lang="en-US" sz="4400" dirty="0" err="1"/>
+              <a:t>si</a:t>
+            </a:r>
+            <a:r>
+              <a:rPr lang="en-US" sz="4400" dirty="0"/>
+              <a:t> 10^4;</a:t>
+            </a:r>
+          </a:p>
+        </p:txBody>
+      </p:sp>
     </p:spTree>
     <p:extLst>
       <p:ext uri="{BB962C8B-B14F-4D97-AF65-F5344CB8AC3E}">
-        <p14:creationId xmlns:p14="http://schemas.microsoft.com/office/powerpoint/2010/main" val="676958718"/>
+        <p14:creationId xmlns:p14="http://schemas.microsoft.com/office/powerpoint/2010/main" val="3634712673"/>
       </p:ext>
     </p:extLst>
   </p:cSld>
@@ -7777,7 +7830,7 @@
           <p:cNvPr id="2" name="Title 1">
             <a:extLst>
               <a:ext uri="{FF2B5EF4-FFF2-40B4-BE49-F238E27FC236}">
-                <a16:creationId xmlns:a16="http://schemas.microsoft.com/office/drawing/2014/main" id="{3CC292C5-C7D5-1619-0B83-B2D4F5C5897E}"/>
+                <a16:creationId xmlns:a16="http://schemas.microsoft.com/office/drawing/2014/main" id="{C9D0BDC8-634C-1AA8-7659-9E074A8D9899}"/>
               </a:ext>
             </a:extLst>
           </p:cNvPr>
@@ -7794,414 +7847,47 @@
           <a:lstStyle/>
           <a:p>
             <a:r>
-              <a:rPr lang="en-US" dirty="0" err="1"/>
-              <a:t>Comparatie</a:t>
-            </a:r>
-            <a:r>
-              <a:rPr lang="en-US" dirty="0"/>
-              <a:t> </a:t>
-            </a:r>
-            <a:r>
-              <a:rPr lang="en-US" dirty="0" err="1"/>
-              <a:t>intre</a:t>
-            </a:r>
-            <a:r>
-              <a:rPr lang="en-US" dirty="0"/>
-              <a:t> </a:t>
-            </a:r>
-            <a:r>
-              <a:rPr lang="en-US" dirty="0" err="1"/>
-              <a:t>baze</a:t>
-            </a:r>
-            <a:endParaRPr lang="en-US" dirty="0"/>
-          </a:p>
-        </p:txBody>
-      </p:sp>
-      <p:sp>
-        <p:nvSpPr>
-          <p:cNvPr id="3" name="Content Placeholder 2">
+              <a:rPr lang="en-US" dirty="0"/>
+              <a:t>Radix Sort</a:t>
+            </a:r>
+          </a:p>
+        </p:txBody>
+      </p:sp>
+      <p:graphicFrame>
+        <p:nvGraphicFramePr>
+          <p:cNvPr id="14" name="Content Placeholder 13">
             <a:extLst>
               <a:ext uri="{FF2B5EF4-FFF2-40B4-BE49-F238E27FC236}">
-                <a16:creationId xmlns:a16="http://schemas.microsoft.com/office/drawing/2014/main" id="{1619E774-33F8-4A30-4BF2-4889B9BC2BFD}"/>
+                <a16:creationId xmlns:a16="http://schemas.microsoft.com/office/drawing/2014/main" id="{F4FD3F8A-EFC3-5BBD-D255-4F823ED61B31}"/>
               </a:ext>
             </a:extLst>
           </p:cNvPr>
-          <p:cNvSpPr>
-            <a:spLocks noGrp="1"/>
-          </p:cNvSpPr>
+          <p:cNvGraphicFramePr>
+            <a:graphicFrameLocks noGrp="1"/>
+          </p:cNvGraphicFramePr>
           <p:nvPr>
             <p:ph idx="1"/>
-          </p:nvPr>
-        </p:nvSpPr>
-        <p:spPr>
-          <a:xfrm>
-            <a:off x="844826" y="1853248"/>
-            <a:ext cx="9205027" cy="4395151"/>
-          </a:xfrm>
-        </p:spPr>
-        <p:txBody>
-          <a:bodyPr/>
-          <a:lstStyle/>
-          <a:p>
-            <a:r>
-              <a:rPr lang="en-US" dirty="0"/>
-              <a:t>Pentru </a:t>
-            </a:r>
-            <a:r>
-              <a:rPr lang="en-US" dirty="0" err="1"/>
-              <a:t>valori</a:t>
-            </a:r>
-            <a:r>
-              <a:rPr lang="en-US" dirty="0"/>
-              <a:t> ale lui N mai </a:t>
-            </a:r>
-            <a:r>
-              <a:rPr lang="en-US" dirty="0" err="1"/>
-              <a:t>mici</a:t>
-            </a:r>
-            <a:r>
-              <a:rPr lang="en-US" dirty="0"/>
-              <a:t> sau </a:t>
-            </a:r>
-            <a:r>
-              <a:rPr lang="en-US" dirty="0" err="1"/>
-              <a:t>egale</a:t>
-            </a:r>
-            <a:r>
-              <a:rPr lang="en-US" dirty="0"/>
-              <a:t> cu 10^7, </a:t>
-            </a:r>
-            <a:r>
-              <a:rPr lang="en-US" dirty="0" err="1"/>
-              <a:t>diferentele</a:t>
-            </a:r>
-            <a:r>
-              <a:rPr lang="en-US" dirty="0"/>
-              <a:t> </a:t>
-            </a:r>
-            <a:r>
-              <a:rPr lang="en-US" dirty="0" err="1"/>
-              <a:t>intre</a:t>
-            </a:r>
-            <a:r>
-              <a:rPr lang="en-US" dirty="0"/>
-              <a:t> cele 4 </a:t>
-            </a:r>
-            <a:r>
-              <a:rPr lang="en-US" dirty="0" err="1"/>
-              <a:t>baze</a:t>
-            </a:r>
-            <a:r>
-              <a:rPr lang="en-US" dirty="0"/>
-              <a:t> </a:t>
-            </a:r>
-            <a:r>
-              <a:rPr lang="en-US" dirty="0" err="1"/>
-              <a:t>studiate</a:t>
-            </a:r>
-            <a:r>
-              <a:rPr lang="en-US" dirty="0"/>
-              <a:t> nu sunt </a:t>
-            </a:r>
-            <a:r>
-              <a:rPr lang="en-US" dirty="0" err="1"/>
-              <a:t>semnificative</a:t>
-            </a:r>
-            <a:r>
-              <a:rPr lang="en-US" dirty="0"/>
-              <a:t>, </a:t>
-            </a:r>
-            <a:r>
-              <a:rPr lang="en-US" dirty="0" err="1"/>
-              <a:t>baza</a:t>
-            </a:r>
-            <a:r>
-              <a:rPr lang="en-US" dirty="0"/>
-              <a:t> 2^10 </a:t>
-            </a:r>
-            <a:r>
-              <a:rPr lang="en-US" dirty="0" err="1"/>
-              <a:t>avand</a:t>
-            </a:r>
-            <a:r>
-              <a:rPr lang="en-US" dirty="0"/>
-              <a:t> </a:t>
-            </a:r>
-            <a:r>
-              <a:rPr lang="en-US" dirty="0" err="1"/>
-              <a:t>niste</a:t>
-            </a:r>
-            <a:r>
-              <a:rPr lang="en-US" dirty="0"/>
-              <a:t> </a:t>
-            </a:r>
-            <a:r>
-              <a:rPr lang="en-US" dirty="0" err="1"/>
-              <a:t>rezultate</a:t>
-            </a:r>
-            <a:r>
-              <a:rPr lang="en-US" dirty="0"/>
-              <a:t> </a:t>
-            </a:r>
-            <a:r>
-              <a:rPr lang="en-US" dirty="0" err="1"/>
-              <a:t>putin</a:t>
-            </a:r>
-            <a:r>
-              <a:rPr lang="en-US" dirty="0"/>
-              <a:t> mai </a:t>
-            </a:r>
-            <a:r>
-              <a:rPr lang="en-US" dirty="0" err="1"/>
-              <a:t>bune</a:t>
-            </a:r>
-            <a:r>
-              <a:rPr lang="en-US" dirty="0"/>
-              <a:t> </a:t>
-            </a:r>
-            <a:r>
-              <a:rPr lang="en-US" dirty="0" err="1"/>
-              <a:t>decat</a:t>
-            </a:r>
-            <a:r>
-              <a:rPr lang="en-US" dirty="0"/>
-              <a:t> celelalte.</a:t>
-            </a:r>
-          </a:p>
-          <a:p>
-            <a:r>
-              <a:rPr lang="en-US" dirty="0"/>
-              <a:t>Cand N se apropie de 10^8, </a:t>
-            </a:r>
-            <a:r>
-              <a:rPr lang="en-US" dirty="0" err="1"/>
-              <a:t>timpul</a:t>
-            </a:r>
-            <a:r>
-              <a:rPr lang="en-US" dirty="0"/>
-              <a:t> </a:t>
-            </a:r>
-            <a:r>
-              <a:rPr lang="en-US" dirty="0" err="1"/>
-              <a:t>necesar</a:t>
-            </a:r>
-            <a:r>
-              <a:rPr lang="en-US" dirty="0"/>
-              <a:t> </a:t>
-            </a:r>
-            <a:r>
-              <a:rPr lang="en-US" dirty="0" err="1"/>
-              <a:t>efectuarii</a:t>
-            </a:r>
-            <a:r>
-              <a:rPr lang="en-US" dirty="0"/>
-              <a:t> </a:t>
-            </a:r>
-            <a:r>
-              <a:rPr lang="en-US" dirty="0" err="1"/>
-              <a:t>sortarii</a:t>
-            </a:r>
-            <a:r>
-              <a:rPr lang="en-US" dirty="0"/>
-              <a:t> </a:t>
-            </a:r>
-            <a:r>
-              <a:rPr lang="en-US" dirty="0" err="1"/>
-              <a:t>creste</a:t>
-            </a:r>
-            <a:r>
-              <a:rPr lang="en-US" dirty="0"/>
-              <a:t> exponential, </a:t>
-            </a:r>
-            <a:r>
-              <a:rPr lang="en-US" dirty="0" err="1"/>
-              <a:t>pana</a:t>
-            </a:r>
-            <a:r>
-              <a:rPr lang="en-US" dirty="0"/>
-              <a:t> </a:t>
-            </a:r>
-            <a:r>
-              <a:rPr lang="en-US" dirty="0" err="1"/>
-              <a:t>atunci</a:t>
-            </a:r>
-            <a:r>
-              <a:rPr lang="en-US" dirty="0"/>
-              <a:t> </a:t>
-            </a:r>
-            <a:r>
-              <a:rPr lang="en-US" dirty="0" err="1"/>
-              <a:t>valorile</a:t>
-            </a:r>
-            <a:r>
-              <a:rPr lang="en-US" dirty="0"/>
-              <a:t> </a:t>
-            </a:r>
-            <a:r>
-              <a:rPr lang="en-US" dirty="0" err="1"/>
-              <a:t>pastrandu</a:t>
-            </a:r>
-            <a:r>
-              <a:rPr lang="en-US" dirty="0"/>
-              <a:t>-se sub 2 </a:t>
-            </a:r>
-            <a:r>
-              <a:rPr lang="en-US" dirty="0" err="1"/>
-              <a:t>secunde</a:t>
-            </a:r>
-            <a:r>
-              <a:rPr lang="en-US" dirty="0"/>
-              <a:t> indifferent de </a:t>
-            </a:r>
-            <a:r>
-              <a:rPr lang="en-US" dirty="0" err="1"/>
-              <a:t>valoarea</a:t>
-            </a:r>
-            <a:r>
-              <a:rPr lang="en-US" dirty="0"/>
-              <a:t> maxima e </a:t>
-            </a:r>
-            <a:r>
-              <a:rPr lang="en-US" dirty="0" err="1"/>
-              <a:t>elementelor</a:t>
-            </a:r>
-            <a:r>
-              <a:rPr lang="en-US" dirty="0"/>
-              <a:t> din vector. </a:t>
-            </a:r>
-          </a:p>
-          <a:p>
-            <a:r>
-              <a:rPr lang="en-US" dirty="0"/>
-              <a:t>Pentru N = 10^8 s-au </a:t>
-            </a:r>
-            <a:r>
-              <a:rPr lang="en-US" dirty="0" err="1"/>
-              <a:t>testat</a:t>
-            </a:r>
-            <a:r>
-              <a:rPr lang="en-US" dirty="0"/>
-              <a:t> 10^3 </a:t>
-            </a:r>
-            <a:r>
-              <a:rPr lang="en-US" dirty="0" err="1"/>
-              <a:t>si</a:t>
-            </a:r>
-            <a:r>
-              <a:rPr lang="en-US" dirty="0"/>
-              <a:t> 10^4 ca </a:t>
-            </a:r>
-            <a:r>
-              <a:rPr lang="en-US" dirty="0" err="1"/>
-              <a:t>valoare</a:t>
-            </a:r>
-            <a:r>
-              <a:rPr lang="en-US" dirty="0"/>
-              <a:t> maxima a </a:t>
-            </a:r>
-            <a:r>
-              <a:rPr lang="en-US" dirty="0" err="1"/>
-              <a:t>elementelor</a:t>
-            </a:r>
-            <a:r>
-              <a:rPr lang="en-US" dirty="0"/>
-              <a:t> din vector, </a:t>
-            </a:r>
-            <a:r>
-              <a:rPr lang="en-US" dirty="0" err="1"/>
-              <a:t>baza</a:t>
-            </a:r>
-            <a:r>
-              <a:rPr lang="en-US" dirty="0"/>
-              <a:t> 2^7 </a:t>
-            </a:r>
-            <a:r>
-              <a:rPr lang="en-US" dirty="0" err="1"/>
-              <a:t>obtinand</a:t>
-            </a:r>
-            <a:r>
-              <a:rPr lang="en-US" dirty="0"/>
-              <a:t> </a:t>
-            </a:r>
-            <a:r>
-              <a:rPr lang="en-US" dirty="0" err="1"/>
-              <a:t>timpi</a:t>
-            </a:r>
-            <a:r>
-              <a:rPr lang="en-US" dirty="0"/>
-              <a:t> destul de </a:t>
-            </a:r>
-            <a:r>
-              <a:rPr lang="en-US" dirty="0" err="1"/>
-              <a:t>apropiati</a:t>
-            </a:r>
-            <a:r>
-              <a:rPr lang="en-US" dirty="0"/>
-              <a:t> pentru cele 2. In comparative cu celelalte 3 </a:t>
-            </a:r>
-            <a:r>
-              <a:rPr lang="en-US" dirty="0" err="1"/>
-              <a:t>baze</a:t>
-            </a:r>
-            <a:r>
-              <a:rPr lang="en-US" dirty="0"/>
-              <a:t>, </a:t>
-            </a:r>
-            <a:r>
-              <a:rPr lang="en-US" dirty="0" err="1"/>
-              <a:t>sorteaza</a:t>
-            </a:r>
-            <a:r>
-              <a:rPr lang="en-US" dirty="0"/>
-              <a:t> </a:t>
-            </a:r>
-            <a:r>
-              <a:rPr lang="en-US" dirty="0" err="1"/>
-              <a:t>cel</a:t>
-            </a:r>
-            <a:r>
-              <a:rPr lang="en-US" dirty="0"/>
-              <a:t> mai </a:t>
-            </a:r>
-            <a:r>
-              <a:rPr lang="en-US" dirty="0" err="1"/>
-              <a:t>ineficient</a:t>
-            </a:r>
-            <a:r>
-              <a:rPr lang="en-US" dirty="0"/>
-              <a:t> pentru 10^3 </a:t>
-            </a:r>
-            <a:r>
-              <a:rPr lang="en-US" dirty="0" err="1"/>
-              <a:t>si</a:t>
-            </a:r>
-            <a:r>
-              <a:rPr lang="en-US" dirty="0"/>
-              <a:t> </a:t>
-            </a:r>
-            <a:r>
-              <a:rPr lang="en-US" dirty="0" err="1"/>
-              <a:t>cel</a:t>
-            </a:r>
-            <a:r>
-              <a:rPr lang="en-US" dirty="0"/>
-              <a:t> mai </a:t>
-            </a:r>
-            <a:r>
-              <a:rPr lang="en-US" dirty="0" err="1"/>
-              <a:t>eficient</a:t>
-            </a:r>
-            <a:r>
-              <a:rPr lang="en-US" dirty="0"/>
-              <a:t> pentru 10^4.</a:t>
-            </a:r>
-          </a:p>
-        </p:txBody>
-      </p:sp>
+            <p:extLst>
+              <p:ext uri="{D42A27DB-BD31-4B8C-83A1-F6EECF244321}">
+                <p14:modId xmlns:p14="http://schemas.microsoft.com/office/powerpoint/2010/main" val="743898628"/>
+              </p:ext>
+            </p:extLst>
+          </p:nvPr>
+        </p:nvGraphicFramePr>
+        <p:xfrm>
+          <a:off x="1103684" y="2072516"/>
+          <a:ext cx="8947150" cy="4195762"/>
+        </p:xfrm>
+        <a:graphic>
+          <a:graphicData uri="http://schemas.openxmlformats.org/drawingml/2006/chart">
+            <c:chart xmlns:c="http://schemas.openxmlformats.org/drawingml/2006/chart" xmlns:r="http://schemas.openxmlformats.org/officeDocument/2006/relationships" r:id="rId2"/>
+          </a:graphicData>
+        </a:graphic>
+      </p:graphicFrame>
     </p:spTree>
     <p:extLst>
       <p:ext uri="{BB962C8B-B14F-4D97-AF65-F5344CB8AC3E}">
-        <p14:creationId xmlns:p14="http://schemas.microsoft.com/office/powerpoint/2010/main" val="1276939263"/>
+        <p14:creationId xmlns:p14="http://schemas.microsoft.com/office/powerpoint/2010/main" val="676958718"/>
       </p:ext>
     </p:extLst>
   </p:cSld>
@@ -8233,6 +7919,965 @@
           <p:cNvPr id="2" name="Title 1">
             <a:extLst>
               <a:ext uri="{FF2B5EF4-FFF2-40B4-BE49-F238E27FC236}">
+                <a16:creationId xmlns:a16="http://schemas.microsoft.com/office/drawing/2014/main" id="{3CC292C5-C7D5-1619-0B83-B2D4F5C5897E}"/>
+              </a:ext>
+            </a:extLst>
+          </p:cNvPr>
+          <p:cNvSpPr>
+            <a:spLocks noGrp="1"/>
+          </p:cNvSpPr>
+          <p:nvPr>
+            <p:ph type="title"/>
+          </p:nvPr>
+        </p:nvSpPr>
+        <p:spPr/>
+        <p:txBody>
+          <a:bodyPr/>
+          <a:lstStyle/>
+          <a:p>
+            <a:r>
+              <a:rPr lang="en-US" dirty="0" err="1"/>
+              <a:t>Comparatie</a:t>
+            </a:r>
+            <a:r>
+              <a:rPr lang="en-US" dirty="0"/>
+              <a:t> </a:t>
+            </a:r>
+            <a:r>
+              <a:rPr lang="en-US" dirty="0" err="1"/>
+              <a:t>intre</a:t>
+            </a:r>
+            <a:r>
+              <a:rPr lang="en-US" dirty="0"/>
+              <a:t> </a:t>
+            </a:r>
+            <a:r>
+              <a:rPr lang="en-US" dirty="0" err="1"/>
+              <a:t>baze</a:t>
+            </a:r>
+            <a:endParaRPr lang="en-US" dirty="0"/>
+          </a:p>
+        </p:txBody>
+      </p:sp>
+      <p:sp>
+        <p:nvSpPr>
+          <p:cNvPr id="3" name="Content Placeholder 2">
+            <a:extLst>
+              <a:ext uri="{FF2B5EF4-FFF2-40B4-BE49-F238E27FC236}">
+                <a16:creationId xmlns:a16="http://schemas.microsoft.com/office/drawing/2014/main" id="{1619E774-33F8-4A30-4BF2-4889B9BC2BFD}"/>
+              </a:ext>
+            </a:extLst>
+          </p:cNvPr>
+          <p:cNvSpPr>
+            <a:spLocks noGrp="1"/>
+          </p:cNvSpPr>
+          <p:nvPr>
+            <p:ph idx="1"/>
+          </p:nvPr>
+        </p:nvSpPr>
+        <p:spPr>
+          <a:xfrm>
+            <a:off x="844826" y="1853248"/>
+            <a:ext cx="9205027" cy="4395151"/>
+          </a:xfrm>
+        </p:spPr>
+        <p:txBody>
+          <a:bodyPr/>
+          <a:lstStyle/>
+          <a:p>
+            <a:r>
+              <a:rPr lang="en-US" dirty="0"/>
+              <a:t>Pentru </a:t>
+            </a:r>
+            <a:r>
+              <a:rPr lang="en-US" dirty="0" err="1"/>
+              <a:t>valori</a:t>
+            </a:r>
+            <a:r>
+              <a:rPr lang="en-US" dirty="0"/>
+              <a:t> ale lui N mai </a:t>
+            </a:r>
+            <a:r>
+              <a:rPr lang="en-US" dirty="0" err="1"/>
+              <a:t>mici</a:t>
+            </a:r>
+            <a:r>
+              <a:rPr lang="en-US" dirty="0"/>
+              <a:t> sau </a:t>
+            </a:r>
+            <a:r>
+              <a:rPr lang="en-US" dirty="0" err="1"/>
+              <a:t>egale</a:t>
+            </a:r>
+            <a:r>
+              <a:rPr lang="en-US" dirty="0"/>
+              <a:t> cu 10^7, </a:t>
+            </a:r>
+            <a:r>
+              <a:rPr lang="en-US" dirty="0" err="1"/>
+              <a:t>diferentele</a:t>
+            </a:r>
+            <a:r>
+              <a:rPr lang="en-US" dirty="0"/>
+              <a:t> </a:t>
+            </a:r>
+            <a:r>
+              <a:rPr lang="en-US" dirty="0" err="1"/>
+              <a:t>intre</a:t>
+            </a:r>
+            <a:r>
+              <a:rPr lang="en-US" dirty="0"/>
+              <a:t> cele 4 </a:t>
+            </a:r>
+            <a:r>
+              <a:rPr lang="en-US" dirty="0" err="1"/>
+              <a:t>baze</a:t>
+            </a:r>
+            <a:r>
+              <a:rPr lang="en-US" dirty="0"/>
+              <a:t> </a:t>
+            </a:r>
+            <a:r>
+              <a:rPr lang="en-US" dirty="0" err="1"/>
+              <a:t>studiate</a:t>
+            </a:r>
+            <a:r>
+              <a:rPr lang="en-US" dirty="0"/>
+              <a:t> nu sunt </a:t>
+            </a:r>
+            <a:r>
+              <a:rPr lang="en-US" dirty="0" err="1"/>
+              <a:t>semnificative</a:t>
+            </a:r>
+            <a:r>
+              <a:rPr lang="en-US" dirty="0"/>
+              <a:t>, </a:t>
+            </a:r>
+            <a:r>
+              <a:rPr lang="en-US" dirty="0" err="1"/>
+              <a:t>baza</a:t>
+            </a:r>
+            <a:r>
+              <a:rPr lang="en-US" dirty="0"/>
+              <a:t> 2^10 </a:t>
+            </a:r>
+            <a:r>
+              <a:rPr lang="en-US" dirty="0" err="1"/>
+              <a:t>avand</a:t>
+            </a:r>
+            <a:r>
+              <a:rPr lang="en-US" dirty="0"/>
+              <a:t> </a:t>
+            </a:r>
+            <a:r>
+              <a:rPr lang="en-US" dirty="0" err="1"/>
+              <a:t>niste</a:t>
+            </a:r>
+            <a:r>
+              <a:rPr lang="en-US" dirty="0"/>
+              <a:t> </a:t>
+            </a:r>
+            <a:r>
+              <a:rPr lang="en-US" dirty="0" err="1"/>
+              <a:t>rezultate</a:t>
+            </a:r>
+            <a:r>
+              <a:rPr lang="en-US" dirty="0"/>
+              <a:t> </a:t>
+            </a:r>
+            <a:r>
+              <a:rPr lang="en-US" dirty="0" err="1"/>
+              <a:t>putin</a:t>
+            </a:r>
+            <a:r>
+              <a:rPr lang="en-US" dirty="0"/>
+              <a:t> mai </a:t>
+            </a:r>
+            <a:r>
+              <a:rPr lang="en-US" dirty="0" err="1"/>
+              <a:t>bune</a:t>
+            </a:r>
+            <a:r>
+              <a:rPr lang="en-US" dirty="0"/>
+              <a:t> </a:t>
+            </a:r>
+            <a:r>
+              <a:rPr lang="en-US" dirty="0" err="1"/>
+              <a:t>decat</a:t>
+            </a:r>
+            <a:r>
+              <a:rPr lang="en-US" dirty="0"/>
+              <a:t> celelalte.</a:t>
+            </a:r>
+          </a:p>
+          <a:p>
+            <a:r>
+              <a:rPr lang="en-US" dirty="0"/>
+              <a:t>Cand N se apropie de 10^8, </a:t>
+            </a:r>
+            <a:r>
+              <a:rPr lang="en-US" dirty="0" err="1"/>
+              <a:t>timpul</a:t>
+            </a:r>
+            <a:r>
+              <a:rPr lang="en-US" dirty="0"/>
+              <a:t> </a:t>
+            </a:r>
+            <a:r>
+              <a:rPr lang="en-US" dirty="0" err="1"/>
+              <a:t>necesar</a:t>
+            </a:r>
+            <a:r>
+              <a:rPr lang="en-US" dirty="0"/>
+              <a:t> </a:t>
+            </a:r>
+            <a:r>
+              <a:rPr lang="en-US" dirty="0" err="1"/>
+              <a:t>efectuarii</a:t>
+            </a:r>
+            <a:r>
+              <a:rPr lang="en-US" dirty="0"/>
+              <a:t> </a:t>
+            </a:r>
+            <a:r>
+              <a:rPr lang="en-US" dirty="0" err="1"/>
+              <a:t>sortarii</a:t>
+            </a:r>
+            <a:r>
+              <a:rPr lang="en-US" dirty="0"/>
+              <a:t> </a:t>
+            </a:r>
+            <a:r>
+              <a:rPr lang="en-US" dirty="0" err="1"/>
+              <a:t>creste</a:t>
+            </a:r>
+            <a:r>
+              <a:rPr lang="en-US" dirty="0"/>
+              <a:t> </a:t>
+            </a:r>
+            <a:r>
+              <a:rPr lang="en-US" dirty="0" err="1"/>
+              <a:t>accelerat</a:t>
+            </a:r>
+            <a:r>
+              <a:rPr lang="en-US" dirty="0"/>
+              <a:t>, </a:t>
+            </a:r>
+            <a:r>
+              <a:rPr lang="en-US" dirty="0" err="1"/>
+              <a:t>pana</a:t>
+            </a:r>
+            <a:r>
+              <a:rPr lang="en-US" dirty="0"/>
+              <a:t> </a:t>
+            </a:r>
+            <a:r>
+              <a:rPr lang="en-US" dirty="0" err="1"/>
+              <a:t>atunci</a:t>
+            </a:r>
+            <a:r>
+              <a:rPr lang="en-US" dirty="0"/>
+              <a:t> </a:t>
+            </a:r>
+            <a:r>
+              <a:rPr lang="en-US" dirty="0" err="1"/>
+              <a:t>valorile</a:t>
+            </a:r>
+            <a:r>
+              <a:rPr lang="en-US" dirty="0"/>
+              <a:t> </a:t>
+            </a:r>
+            <a:r>
+              <a:rPr lang="en-US" dirty="0" err="1"/>
+              <a:t>pastrandu</a:t>
+            </a:r>
+            <a:r>
+              <a:rPr lang="en-US" dirty="0"/>
+              <a:t>-se sub 2 </a:t>
+            </a:r>
+            <a:r>
+              <a:rPr lang="en-US" dirty="0" err="1"/>
+              <a:t>secunde</a:t>
+            </a:r>
+            <a:r>
+              <a:rPr lang="en-US" dirty="0"/>
+              <a:t> indifferent de </a:t>
+            </a:r>
+            <a:r>
+              <a:rPr lang="en-US" dirty="0" err="1"/>
+              <a:t>valoarea</a:t>
+            </a:r>
+            <a:r>
+              <a:rPr lang="en-US" dirty="0"/>
+              <a:t> maxima e </a:t>
+            </a:r>
+            <a:r>
+              <a:rPr lang="en-US" dirty="0" err="1"/>
+              <a:t>elementelor</a:t>
+            </a:r>
+            <a:r>
+              <a:rPr lang="en-US" dirty="0"/>
+              <a:t> din vector. </a:t>
+            </a:r>
+          </a:p>
+          <a:p>
+            <a:r>
+              <a:rPr lang="en-US" dirty="0"/>
+              <a:t>Pentru N = 10^8 s-au </a:t>
+            </a:r>
+            <a:r>
+              <a:rPr lang="en-US" dirty="0" err="1"/>
+              <a:t>testat</a:t>
+            </a:r>
+            <a:r>
+              <a:rPr lang="en-US" dirty="0"/>
+              <a:t> 10^3 </a:t>
+            </a:r>
+            <a:r>
+              <a:rPr lang="en-US" dirty="0" err="1"/>
+              <a:t>si</a:t>
+            </a:r>
+            <a:r>
+              <a:rPr lang="en-US" dirty="0"/>
+              <a:t> 10^4 ca </a:t>
+            </a:r>
+            <a:r>
+              <a:rPr lang="en-US" dirty="0" err="1"/>
+              <a:t>valoare</a:t>
+            </a:r>
+            <a:r>
+              <a:rPr lang="en-US" dirty="0"/>
+              <a:t> maxima a </a:t>
+            </a:r>
+            <a:r>
+              <a:rPr lang="en-US" dirty="0" err="1"/>
+              <a:t>elementelor</a:t>
+            </a:r>
+            <a:r>
+              <a:rPr lang="en-US" dirty="0"/>
+              <a:t> din vector, </a:t>
+            </a:r>
+            <a:r>
+              <a:rPr lang="en-US" dirty="0" err="1"/>
+              <a:t>baza</a:t>
+            </a:r>
+            <a:r>
+              <a:rPr lang="en-US" dirty="0"/>
+              <a:t> 2^7 </a:t>
+            </a:r>
+            <a:r>
+              <a:rPr lang="en-US" dirty="0" err="1"/>
+              <a:t>obtinand</a:t>
+            </a:r>
+            <a:r>
+              <a:rPr lang="en-US" dirty="0"/>
+              <a:t> </a:t>
+            </a:r>
+            <a:r>
+              <a:rPr lang="en-US" dirty="0" err="1"/>
+              <a:t>timpi</a:t>
+            </a:r>
+            <a:r>
+              <a:rPr lang="en-US" dirty="0"/>
+              <a:t> destul de </a:t>
+            </a:r>
+            <a:r>
+              <a:rPr lang="en-US" dirty="0" err="1"/>
+              <a:t>apropiati</a:t>
+            </a:r>
+            <a:r>
+              <a:rPr lang="en-US" dirty="0"/>
+              <a:t> pentru cele 2. In </a:t>
+            </a:r>
+            <a:r>
+              <a:rPr lang="en-US" dirty="0" err="1"/>
+              <a:t>comparatie</a:t>
+            </a:r>
+            <a:r>
+              <a:rPr lang="en-US" dirty="0"/>
+              <a:t> cu celelalte 3 </a:t>
+            </a:r>
+            <a:r>
+              <a:rPr lang="en-US" dirty="0" err="1"/>
+              <a:t>baze</a:t>
+            </a:r>
+            <a:r>
+              <a:rPr lang="en-US" dirty="0"/>
+              <a:t>, </a:t>
+            </a:r>
+            <a:r>
+              <a:rPr lang="en-US" dirty="0" err="1"/>
+              <a:t>sorteaza</a:t>
+            </a:r>
+            <a:r>
+              <a:rPr lang="en-US" dirty="0"/>
+              <a:t> </a:t>
+            </a:r>
+            <a:r>
+              <a:rPr lang="en-US" dirty="0" err="1"/>
+              <a:t>cel</a:t>
+            </a:r>
+            <a:r>
+              <a:rPr lang="en-US" dirty="0"/>
+              <a:t> mai </a:t>
+            </a:r>
+            <a:r>
+              <a:rPr lang="en-US" dirty="0" err="1"/>
+              <a:t>ineficient</a:t>
+            </a:r>
+            <a:r>
+              <a:rPr lang="en-US" dirty="0"/>
+              <a:t> pentru 10^3 </a:t>
+            </a:r>
+            <a:r>
+              <a:rPr lang="en-US" dirty="0" err="1"/>
+              <a:t>si</a:t>
+            </a:r>
+            <a:r>
+              <a:rPr lang="en-US" dirty="0"/>
+              <a:t> </a:t>
+            </a:r>
+            <a:r>
+              <a:rPr lang="en-US" dirty="0" err="1"/>
+              <a:t>cel</a:t>
+            </a:r>
+            <a:r>
+              <a:rPr lang="en-US" dirty="0"/>
+              <a:t> mai </a:t>
+            </a:r>
+            <a:r>
+              <a:rPr lang="en-US" dirty="0" err="1"/>
+              <a:t>eficient</a:t>
+            </a:r>
+            <a:r>
+              <a:rPr lang="en-US" dirty="0"/>
+              <a:t> pentru 10^4.</a:t>
+            </a:r>
+          </a:p>
+        </p:txBody>
+      </p:sp>
+    </p:spTree>
+    <p:extLst>
+      <p:ext uri="{BB962C8B-B14F-4D97-AF65-F5344CB8AC3E}">
+        <p14:creationId xmlns:p14="http://schemas.microsoft.com/office/powerpoint/2010/main" val="1276939263"/>
+      </p:ext>
+    </p:extLst>
+  </p:cSld>
+  <p:clrMapOvr>
+    <a:masterClrMapping/>
+  </p:clrMapOvr>
+</p:sld>
+</file>
+
+<file path=ppt/slides/slide6.xml><?xml version="1.0" encoding="utf-8"?>
+<p:sld xmlns:a="http://schemas.openxmlformats.org/drawingml/2006/main" xmlns:r="http://schemas.openxmlformats.org/officeDocument/2006/relationships" xmlns:p="http://schemas.openxmlformats.org/presentationml/2006/main">
+  <p:cSld>
+    <p:spTree>
+      <p:nvGrpSpPr>
+        <p:cNvPr id="1" name=""/>
+        <p:cNvGrpSpPr/>
+        <p:nvPr/>
+      </p:nvGrpSpPr>
+      <p:grpSpPr>
+        <a:xfrm>
+          <a:off x="0" y="0"/>
+          <a:ext cx="0" cy="0"/>
+          <a:chOff x="0" y="0"/>
+          <a:chExt cx="0" cy="0"/>
+        </a:xfrm>
+      </p:grpSpPr>
+      <p:sp>
+        <p:nvSpPr>
+          <p:cNvPr id="2" name="Title 1">
+            <a:extLst>
+              <a:ext uri="{FF2B5EF4-FFF2-40B4-BE49-F238E27FC236}">
+                <a16:creationId xmlns:a16="http://schemas.microsoft.com/office/drawing/2014/main" id="{D07553AC-FC67-A0FA-2DCE-E7F59A1B9251}"/>
+              </a:ext>
+            </a:extLst>
+          </p:cNvPr>
+          <p:cNvSpPr>
+            <a:spLocks noGrp="1"/>
+          </p:cNvSpPr>
+          <p:nvPr>
+            <p:ph type="title"/>
+          </p:nvPr>
+        </p:nvSpPr>
+        <p:spPr/>
+        <p:txBody>
+          <a:bodyPr/>
+          <a:lstStyle/>
+          <a:p>
+            <a:r>
+              <a:rPr lang="en-US" dirty="0" err="1"/>
+              <a:t>Compromis</a:t>
+            </a:r>
+            <a:r>
+              <a:rPr lang="en-US" dirty="0"/>
+              <a:t> </a:t>
+            </a:r>
+            <a:r>
+              <a:rPr lang="en-US" dirty="0" err="1"/>
+              <a:t>memorie</a:t>
+            </a:r>
+            <a:r>
+              <a:rPr lang="en-US" dirty="0"/>
+              <a:t> versus timp</a:t>
+            </a:r>
+          </a:p>
+        </p:txBody>
+      </p:sp>
+      <p:graphicFrame>
+        <p:nvGraphicFramePr>
+          <p:cNvPr id="16" name="Table 16">
+            <a:extLst>
+              <a:ext uri="{FF2B5EF4-FFF2-40B4-BE49-F238E27FC236}">
+                <a16:creationId xmlns:a16="http://schemas.microsoft.com/office/drawing/2014/main" id="{0F3721C8-93C6-A967-036D-47B3AE6CE420}"/>
+              </a:ext>
+            </a:extLst>
+          </p:cNvPr>
+          <p:cNvGraphicFramePr>
+            <a:graphicFrameLocks noGrp="1"/>
+          </p:cNvGraphicFramePr>
+          <p:nvPr>
+            <p:ph idx="1"/>
+            <p:extLst>
+              <p:ext uri="{D42A27DB-BD31-4B8C-83A1-F6EECF244321}">
+                <p14:modId xmlns:p14="http://schemas.microsoft.com/office/powerpoint/2010/main" val="281816008"/>
+              </p:ext>
+            </p:extLst>
+          </p:nvPr>
+        </p:nvGraphicFramePr>
+        <p:xfrm>
+          <a:off x="1103313" y="2052638"/>
+          <a:ext cx="8947149" cy="2595880"/>
+        </p:xfrm>
+        <a:graphic>
+          <a:graphicData uri="http://schemas.openxmlformats.org/drawingml/2006/table">
+            <a:tbl>
+              <a:tblPr firstRow="1" bandRow="1">
+                <a:tableStyleId>{5C22544A-7EE6-4342-B048-85BDC9FD1C3A}</a:tableStyleId>
+              </a:tblPr>
+              <a:tblGrid>
+                <a:gridCol w="2982383">
+                  <a:extLst>
+                    <a:ext uri="{9D8B030D-6E8A-4147-A177-3AD203B41FA5}">
+                      <a16:colId xmlns:a16="http://schemas.microsoft.com/office/drawing/2014/main" val="4157302944"/>
+                    </a:ext>
+                  </a:extLst>
+                </a:gridCol>
+                <a:gridCol w="2982383">
+                  <a:extLst>
+                    <a:ext uri="{9D8B030D-6E8A-4147-A177-3AD203B41FA5}">
+                      <a16:colId xmlns:a16="http://schemas.microsoft.com/office/drawing/2014/main" val="155834313"/>
+                    </a:ext>
+                  </a:extLst>
+                </a:gridCol>
+                <a:gridCol w="2982383">
+                  <a:extLst>
+                    <a:ext uri="{9D8B030D-6E8A-4147-A177-3AD203B41FA5}">
+                      <a16:colId xmlns:a16="http://schemas.microsoft.com/office/drawing/2014/main" val="1371684181"/>
+                    </a:ext>
+                  </a:extLst>
+                </a:gridCol>
+              </a:tblGrid>
+              <a:tr h="370840">
+                <a:tc>
+                  <a:txBody>
+                    <a:bodyPr/>
+                    <a:lstStyle/>
+                    <a:p>
+                      <a:r>
+                        <a:rPr lang="en-US" dirty="0"/>
+                        <a:t>Sort</a:t>
+                      </a:r>
+                    </a:p>
+                  </a:txBody>
+                  <a:tcPr/>
+                </a:tc>
+                <a:tc>
+                  <a:txBody>
+                    <a:bodyPr/>
+                    <a:lstStyle/>
+                    <a:p>
+                      <a:r>
+                        <a:rPr lang="en-US" dirty="0" err="1"/>
+                        <a:t>Memorie</a:t>
+                      </a:r>
+                      <a:r>
+                        <a:rPr lang="en-US" dirty="0"/>
+                        <a:t> </a:t>
+                      </a:r>
+                      <a:r>
+                        <a:rPr lang="en-US" dirty="0" err="1"/>
+                        <a:t>suplimentara</a:t>
+                      </a:r>
+                      <a:endParaRPr lang="en-US" dirty="0"/>
+                    </a:p>
+                  </a:txBody>
+                  <a:tcPr/>
+                </a:tc>
+                <a:tc>
+                  <a:txBody>
+                    <a:bodyPr/>
+                    <a:lstStyle/>
+                    <a:p>
+                      <a:r>
+                        <a:rPr lang="en-US" dirty="0" err="1"/>
+                        <a:t>Complexitate</a:t>
+                      </a:r>
+                      <a:r>
+                        <a:rPr lang="en-US" dirty="0"/>
+                        <a:t> timp</a:t>
+                      </a:r>
+                    </a:p>
+                  </a:txBody>
+                  <a:tcPr/>
+                </a:tc>
+                <a:extLst>
+                  <a:ext uri="{0D108BD9-81ED-4DB2-BD59-A6C34878D82A}">
+                    <a16:rowId xmlns:a16="http://schemas.microsoft.com/office/drawing/2014/main" val="1719784295"/>
+                  </a:ext>
+                </a:extLst>
+              </a:tr>
+              <a:tr h="370840">
+                <a:tc>
+                  <a:txBody>
+                    <a:bodyPr/>
+                    <a:lstStyle/>
+                    <a:p>
+                      <a:r>
+                        <a:rPr lang="en-US" dirty="0"/>
+                        <a:t>Merge </a:t>
+                      </a:r>
+                    </a:p>
+                  </a:txBody>
+                  <a:tcPr/>
+                </a:tc>
+                <a:tc>
+                  <a:txBody>
+                    <a:bodyPr/>
+                    <a:lstStyle/>
+                    <a:p>
+                      <a:r>
+                        <a:rPr lang="en-US" dirty="0"/>
+                        <a:t>N</a:t>
+                      </a:r>
+                    </a:p>
+                  </a:txBody>
+                  <a:tcPr/>
+                </a:tc>
+                <a:tc>
+                  <a:txBody>
+                    <a:bodyPr/>
+                    <a:lstStyle/>
+                    <a:p>
+                      <a:r>
+                        <a:rPr lang="en-US" dirty="0"/>
+                        <a:t>O(N </a:t>
+                      </a:r>
+                      <a:r>
+                        <a:rPr lang="en-US" dirty="0" err="1"/>
+                        <a:t>logN</a:t>
+                      </a:r>
+                      <a:r>
+                        <a:rPr lang="en-US" dirty="0"/>
+                        <a:t>)</a:t>
+                      </a:r>
+                    </a:p>
+                  </a:txBody>
+                  <a:tcPr/>
+                </a:tc>
+                <a:extLst>
+                  <a:ext uri="{0D108BD9-81ED-4DB2-BD59-A6C34878D82A}">
+                    <a16:rowId xmlns:a16="http://schemas.microsoft.com/office/drawing/2014/main" val="3045134205"/>
+                  </a:ext>
+                </a:extLst>
+              </a:tr>
+              <a:tr h="370840">
+                <a:tc>
+                  <a:txBody>
+                    <a:bodyPr/>
+                    <a:lstStyle/>
+                    <a:p>
+                      <a:r>
+                        <a:rPr lang="en-US" dirty="0"/>
+                        <a:t>Quick </a:t>
+                      </a:r>
+                    </a:p>
+                  </a:txBody>
+                  <a:tcPr/>
+                </a:tc>
+                <a:tc>
+                  <a:txBody>
+                    <a:bodyPr/>
+                    <a:lstStyle/>
+                    <a:p>
+                      <a:r>
+                        <a:rPr lang="en-US" dirty="0"/>
+                        <a:t>0</a:t>
+                      </a:r>
+                    </a:p>
+                  </a:txBody>
+                  <a:tcPr/>
+                </a:tc>
+                <a:tc>
+                  <a:txBody>
+                    <a:bodyPr/>
+                    <a:lstStyle/>
+                    <a:p>
+                      <a:r>
+                        <a:rPr lang="en-US" dirty="0"/>
+                        <a:t>O(N log N) -&gt;  O(N^2)</a:t>
+                      </a:r>
+                    </a:p>
+                  </a:txBody>
+                  <a:tcPr/>
+                </a:tc>
+                <a:extLst>
+                  <a:ext uri="{0D108BD9-81ED-4DB2-BD59-A6C34878D82A}">
+                    <a16:rowId xmlns:a16="http://schemas.microsoft.com/office/drawing/2014/main" val="2184364370"/>
+                  </a:ext>
+                </a:extLst>
+              </a:tr>
+              <a:tr h="370840">
+                <a:tc>
+                  <a:txBody>
+                    <a:bodyPr/>
+                    <a:lstStyle/>
+                    <a:p>
+                      <a:r>
+                        <a:rPr lang="en-US" dirty="0"/>
+                        <a:t>STL</a:t>
+                      </a:r>
+                    </a:p>
+                  </a:txBody>
+                  <a:tcPr/>
+                </a:tc>
+                <a:tc>
+                  <a:txBody>
+                    <a:bodyPr/>
+                    <a:lstStyle/>
+                    <a:p>
+                      <a:r>
+                        <a:rPr lang="en-US" dirty="0"/>
+                        <a:t>Log N</a:t>
+                      </a:r>
+                    </a:p>
+                  </a:txBody>
+                  <a:tcPr/>
+                </a:tc>
+                <a:tc>
+                  <a:txBody>
+                    <a:bodyPr/>
+                    <a:lstStyle/>
+                    <a:p>
+                      <a:r>
+                        <a:rPr lang="en-US" dirty="0"/>
+                        <a:t>O(N </a:t>
+                      </a:r>
+                      <a:r>
+                        <a:rPr lang="en-US" dirty="0" err="1"/>
+                        <a:t>logN</a:t>
+                      </a:r>
+                      <a:r>
+                        <a:rPr lang="en-US" dirty="0"/>
+                        <a:t>)</a:t>
+                      </a:r>
+                    </a:p>
+                  </a:txBody>
+                  <a:tcPr/>
+                </a:tc>
+                <a:extLst>
+                  <a:ext uri="{0D108BD9-81ED-4DB2-BD59-A6C34878D82A}">
+                    <a16:rowId xmlns:a16="http://schemas.microsoft.com/office/drawing/2014/main" val="477987035"/>
+                  </a:ext>
+                </a:extLst>
+              </a:tr>
+              <a:tr h="370840">
+                <a:tc>
+                  <a:txBody>
+                    <a:bodyPr/>
+                    <a:lstStyle/>
+                    <a:p>
+                      <a:r>
+                        <a:rPr lang="en-US" dirty="0"/>
+                        <a:t>Count</a:t>
+                      </a:r>
+                    </a:p>
+                  </a:txBody>
+                  <a:tcPr/>
+                </a:tc>
+                <a:tc>
+                  <a:txBody>
+                    <a:bodyPr/>
+                    <a:lstStyle/>
+                    <a:p>
+                      <a:r>
+                        <a:rPr lang="en-US" dirty="0"/>
+                        <a:t>MAX</a:t>
+                      </a:r>
+                    </a:p>
+                  </a:txBody>
+                  <a:tcPr/>
+                </a:tc>
+                <a:tc>
+                  <a:txBody>
+                    <a:bodyPr/>
+                    <a:lstStyle/>
+                    <a:p>
+                      <a:r>
+                        <a:rPr lang="en-US" dirty="0"/>
+                        <a:t>O(N + MAX)</a:t>
+                      </a:r>
+                    </a:p>
+                  </a:txBody>
+                  <a:tcPr/>
+                </a:tc>
+                <a:extLst>
+                  <a:ext uri="{0D108BD9-81ED-4DB2-BD59-A6C34878D82A}">
+                    <a16:rowId xmlns:a16="http://schemas.microsoft.com/office/drawing/2014/main" val="2461668270"/>
+                  </a:ext>
+                </a:extLst>
+              </a:tr>
+              <a:tr h="370840">
+                <a:tc>
+                  <a:txBody>
+                    <a:bodyPr/>
+                    <a:lstStyle/>
+                    <a:p>
+                      <a:r>
+                        <a:rPr lang="en-US" dirty="0"/>
+                        <a:t>Shell</a:t>
+                      </a:r>
+                    </a:p>
+                  </a:txBody>
+                  <a:tcPr/>
+                </a:tc>
+                <a:tc>
+                  <a:txBody>
+                    <a:bodyPr/>
+                    <a:lstStyle/>
+                    <a:p>
+                      <a:r>
+                        <a:rPr lang="en-US" dirty="0"/>
+                        <a:t>1</a:t>
+                      </a:r>
+                    </a:p>
+                  </a:txBody>
+                  <a:tcPr/>
+                </a:tc>
+                <a:tc>
+                  <a:txBody>
+                    <a:bodyPr/>
+                    <a:lstStyle/>
+                    <a:p>
+                      <a:r>
+                        <a:rPr lang="en-US" dirty="0"/>
+                        <a:t>O(N </a:t>
+                      </a:r>
+                      <a:r>
+                        <a:rPr lang="en-US" dirty="0" err="1"/>
+                        <a:t>logN</a:t>
+                      </a:r>
+                      <a:r>
+                        <a:rPr lang="en-US" dirty="0"/>
+                        <a:t>) -&gt; O(N^2)</a:t>
+                      </a:r>
+                    </a:p>
+                  </a:txBody>
+                  <a:tcPr/>
+                </a:tc>
+                <a:extLst>
+                  <a:ext uri="{0D108BD9-81ED-4DB2-BD59-A6C34878D82A}">
+                    <a16:rowId xmlns:a16="http://schemas.microsoft.com/office/drawing/2014/main" val="1770319599"/>
+                  </a:ext>
+                </a:extLst>
+              </a:tr>
+              <a:tr h="370840">
+                <a:tc>
+                  <a:txBody>
+                    <a:bodyPr/>
+                    <a:lstStyle/>
+                    <a:p>
+                      <a:r>
+                        <a:rPr lang="en-US" dirty="0"/>
+                        <a:t>Radix</a:t>
+                      </a:r>
+                    </a:p>
+                  </a:txBody>
+                  <a:tcPr/>
+                </a:tc>
+                <a:tc>
+                  <a:txBody>
+                    <a:bodyPr/>
+                    <a:lstStyle/>
+                    <a:p>
+                      <a:r>
+                        <a:rPr lang="en-US" dirty="0"/>
+                        <a:t>N log N</a:t>
+                      </a:r>
+                    </a:p>
+                  </a:txBody>
+                  <a:tcPr/>
+                </a:tc>
+                <a:tc>
+                  <a:txBody>
+                    <a:bodyPr/>
+                    <a:lstStyle/>
+                    <a:p>
+                      <a:r>
+                        <a:rPr lang="en-US" dirty="0"/>
+                        <a:t>O(4N)</a:t>
+                      </a:r>
+                    </a:p>
+                  </a:txBody>
+                  <a:tcPr/>
+                </a:tc>
+                <a:extLst>
+                  <a:ext uri="{0D108BD9-81ED-4DB2-BD59-A6C34878D82A}">
+                    <a16:rowId xmlns:a16="http://schemas.microsoft.com/office/drawing/2014/main" val="4192676303"/>
+                  </a:ext>
+                </a:extLst>
+              </a:tr>
+            </a:tbl>
+          </a:graphicData>
+        </a:graphic>
+      </p:graphicFrame>
+    </p:spTree>
+    <p:extLst>
+      <p:ext uri="{BB962C8B-B14F-4D97-AF65-F5344CB8AC3E}">
+        <p14:creationId xmlns:p14="http://schemas.microsoft.com/office/powerpoint/2010/main" val="1368262524"/>
+      </p:ext>
+    </p:extLst>
+  </p:cSld>
+  <p:clrMapOvr>
+    <a:masterClrMapping/>
+  </p:clrMapOvr>
+</p:sld>
+</file>
+
+<file path=ppt/slides/slide7.xml><?xml version="1.0" encoding="utf-8"?>
+<p:sld xmlns:a="http://schemas.openxmlformats.org/drawingml/2006/main" xmlns:r="http://schemas.openxmlformats.org/officeDocument/2006/relationships" xmlns:p="http://schemas.openxmlformats.org/presentationml/2006/main">
+  <p:cSld>
+    <p:spTree>
+      <p:nvGrpSpPr>
+        <p:cNvPr id="1" name=""/>
+        <p:cNvGrpSpPr/>
+        <p:nvPr/>
+      </p:nvGrpSpPr>
+      <p:grpSpPr>
+        <a:xfrm>
+          <a:off x="0" y="0"/>
+          <a:ext cx="0" cy="0"/>
+          <a:chOff x="0" y="0"/>
+          <a:chExt cx="0" cy="0"/>
+        </a:xfrm>
+      </p:grpSpPr>
+      <p:sp>
+        <p:nvSpPr>
+          <p:cNvPr id="2" name="Title 1">
+            <a:extLst>
+              <a:ext uri="{FF2B5EF4-FFF2-40B4-BE49-F238E27FC236}">
                 <a16:creationId xmlns:a16="http://schemas.microsoft.com/office/drawing/2014/main" id="{52552836-09A6-D53F-8216-3C1D418038D0}"/>
               </a:ext>
             </a:extLst>
@@ -8584,15 +9229,7 @@
             </a:pPr>
             <a:r>
               <a:rPr lang="en-US" dirty="0"/>
-              <a:t> Shell Sort este printre cele mai lente </a:t>
-            </a:r>
-            <a:r>
-              <a:rPr lang="en-US" dirty="0" err="1"/>
-              <a:t>si</a:t>
-            </a:r>
-            <a:r>
-              <a:rPr lang="en-US" dirty="0"/>
-              <a:t> nu </a:t>
+              <a:t> Shell Sort este printre cele mai lente, dar nu </a:t>
             </a:r>
             <a:r>
               <a:rPr lang="en-US" dirty="0" err="1"/>
@@ -8624,7 +9261,108 @@
             </a:r>
             <a:r>
               <a:rPr lang="en-US" dirty="0"/>
-              <a:t>. </a:t>
+              <a:t> in afara de </a:t>
+            </a:r>
+            <a:r>
+              <a:rPr lang="en-US" dirty="0" err="1"/>
+              <a:t>variabila</a:t>
+            </a:r>
+            <a:r>
+              <a:rPr lang="en-US" dirty="0"/>
+              <a:t> integer in care </a:t>
+            </a:r>
+            <a:r>
+              <a:rPr lang="en-US" dirty="0" err="1"/>
+              <a:t>stocam</a:t>
+            </a:r>
+            <a:r>
+              <a:rPr lang="en-US" dirty="0"/>
+              <a:t> </a:t>
+            </a:r>
+            <a:r>
+              <a:rPr lang="en-US" dirty="0" err="1"/>
+              <a:t>valoarea</a:t>
+            </a:r>
+            <a:r>
+              <a:rPr lang="en-US" dirty="0"/>
+              <a:t> </a:t>
+            </a:r>
+            <a:r>
+              <a:rPr lang="en-US" dirty="0" err="1"/>
+              <a:t>pasului</a:t>
+            </a:r>
+            <a:r>
+              <a:rPr lang="en-US" dirty="0"/>
+              <a:t> la </a:t>
+            </a:r>
+            <a:r>
+              <a:rPr lang="en-US" dirty="0" err="1"/>
+              <a:t>fiecare</a:t>
+            </a:r>
+            <a:r>
+              <a:rPr lang="en-US" dirty="0"/>
+              <a:t> </a:t>
+            </a:r>
+            <a:r>
+              <a:rPr lang="en-US" dirty="0" err="1"/>
+              <a:t>apelare</a:t>
+            </a:r>
+            <a:r>
+              <a:rPr lang="en-US" dirty="0"/>
+              <a:t> </a:t>
+            </a:r>
+            <a:r>
+              <a:rPr lang="en-US" dirty="0" err="1"/>
+              <a:t>recursiva</a:t>
+            </a:r>
+            <a:r>
+              <a:rPr lang="en-US" dirty="0"/>
+              <a:t> (de la N/2 la 1).</a:t>
+            </a:r>
+          </a:p>
+          <a:p>
+            <a:pPr marL="0" indent="0">
+              <a:buNone/>
+            </a:pPr>
+            <a:r>
+              <a:rPr lang="en-US" dirty="0" err="1"/>
+              <a:t>Totusi</a:t>
+            </a:r>
+            <a:r>
+              <a:rPr lang="en-US" dirty="0"/>
+              <a:t>, </a:t>
+            </a:r>
+            <a:r>
+              <a:rPr lang="en-US" dirty="0" err="1"/>
+              <a:t>complexitatea</a:t>
+            </a:r>
+            <a:r>
+              <a:rPr lang="en-US" dirty="0"/>
+              <a:t> </a:t>
+            </a:r>
+            <a:r>
+              <a:rPr lang="en-US" dirty="0" err="1"/>
+              <a:t>sa</a:t>
+            </a:r>
+            <a:r>
+              <a:rPr lang="en-US" dirty="0"/>
+              <a:t> </a:t>
+            </a:r>
+            <a:r>
+              <a:rPr lang="en-US" dirty="0" err="1"/>
+              <a:t>variaza</a:t>
+            </a:r>
+            <a:r>
+              <a:rPr lang="en-US" dirty="0"/>
+              <a:t> destul de mult, spre </a:t>
+            </a:r>
+            <a:r>
+              <a:rPr lang="en-US" dirty="0" err="1"/>
+              <a:t>deosebire</a:t>
+            </a:r>
+            <a:r>
+              <a:rPr lang="en-US" dirty="0"/>
+              <a:t> de Merge Sort sau Count Sort.</a:t>
             </a:r>
           </a:p>
         </p:txBody>
@@ -8642,7 +9380,7 @@
 </p:sld>
 </file>
 
-<file path=ppt/slides/slide6.xml><?xml version="1.0" encoding="utf-8"?>
+<file path=ppt/slides/slide8.xml><?xml version="1.0" encoding="utf-8"?>
 <p:sld xmlns:a="http://schemas.openxmlformats.org/drawingml/2006/main" xmlns:r="http://schemas.openxmlformats.org/officeDocument/2006/relationships" xmlns:p="http://schemas.openxmlformats.org/presentationml/2006/main">
   <p:cSld>
     <p:spTree>

--- a/proiect1SD/Prezentare.pptx
+++ b/proiect1SD/Prezentare.pptx
@@ -13,6 +13,7 @@
     <p:sldId id="262" r:id="rId7"/>
     <p:sldId id="260" r:id="rId8"/>
     <p:sldId id="261" r:id="rId9"/>
+    <p:sldId id="264" r:id="rId10"/>
   </p:sldIdLst>
   <p:sldSz cx="12192000" cy="6858000"/>
   <p:notesSz cx="6858000" cy="9144000"/>
@@ -191,16 +192,16 @@
                 <c:formatCode>General</c:formatCode>
                 <c:ptCount val="4"/>
                 <c:pt idx="0">
-                  <c:v>0.14000000000000001</c:v>
+                  <c:v>0.125</c:v>
                 </c:pt>
                 <c:pt idx="1">
-                  <c:v>9.4E-2</c:v>
+                  <c:v>9.5000000000000001E-2</c:v>
                 </c:pt>
                 <c:pt idx="2">
                   <c:v>0.11</c:v>
                 </c:pt>
                 <c:pt idx="3">
-                  <c:v>0.187</c:v>
+                  <c:v>0.22500000000000001</c:v>
                 </c:pt>
               </c:numCache>
             </c:numRef>
@@ -262,16 +263,16 @@
                 <c:formatCode>General</c:formatCode>
                 <c:ptCount val="4"/>
                 <c:pt idx="0">
-                  <c:v>0.84399999999999997</c:v>
+                  <c:v>0.99</c:v>
                 </c:pt>
                 <c:pt idx="1">
-                  <c:v>0.56299999999999994</c:v>
+                  <c:v>0.59699999999999998</c:v>
                 </c:pt>
                 <c:pt idx="2">
-                  <c:v>0.65600000000000003</c:v>
+                  <c:v>0.69099999999999995</c:v>
                 </c:pt>
                 <c:pt idx="3">
-                  <c:v>0.64100000000000001</c:v>
+                  <c:v>0.629</c:v>
                 </c:pt>
               </c:numCache>
             </c:numRef>
@@ -333,16 +334,16 @@
                 <c:formatCode>General</c:formatCode>
                 <c:ptCount val="4"/>
                 <c:pt idx="0">
-                  <c:v>1.3440000000000001</c:v>
+                  <c:v>1.272</c:v>
                 </c:pt>
                 <c:pt idx="1">
-                  <c:v>0.90700000000000003</c:v>
+                  <c:v>0.878</c:v>
                 </c:pt>
                 <c:pt idx="2">
-                  <c:v>1.2190000000000001</c:v>
+                  <c:v>1.1619999999999999</c:v>
                 </c:pt>
                 <c:pt idx="3">
-                  <c:v>1</c:v>
+                  <c:v>1.1559999999999999</c:v>
                 </c:pt>
               </c:numCache>
             </c:numRef>
@@ -404,16 +405,16 @@
                 <c:formatCode>General</c:formatCode>
                 <c:ptCount val="4"/>
                 <c:pt idx="0">
-                  <c:v>7.3920000000000003</c:v>
+                  <c:v>7.7110000000000003</c:v>
                 </c:pt>
                 <c:pt idx="1">
-                  <c:v>5.6420000000000003</c:v>
+                  <c:v>5.48</c:v>
                 </c:pt>
                 <c:pt idx="2">
-                  <c:v>5.5490000000000004</c:v>
+                  <c:v>5.3070000000000004</c:v>
                 </c:pt>
                 <c:pt idx="3">
-                  <c:v>5.36</c:v>
+                  <c:v>5.3849999999999998</c:v>
                 </c:pt>
               </c:numCache>
             </c:numRef>
@@ -475,16 +476,16 @@
                 <c:formatCode>General</c:formatCode>
                 <c:ptCount val="4"/>
                 <c:pt idx="0">
-                  <c:v>7.5720000000000001</c:v>
+                  <c:v>8.1539999999999999</c:v>
                 </c:pt>
                 <c:pt idx="1">
-                  <c:v>8.0790000000000006</c:v>
+                  <c:v>7.9240000000000004</c:v>
                 </c:pt>
                 <c:pt idx="2">
-                  <c:v>9.6820000000000004</c:v>
+                  <c:v>9.9499999999999993</c:v>
                 </c:pt>
                 <c:pt idx="3">
-                  <c:v>7.798</c:v>
+                  <c:v>8.2680000000000007</c:v>
                 </c:pt>
               </c:numCache>
             </c:numRef>
@@ -7869,7 +7870,7 @@
             <p:ph idx="1"/>
             <p:extLst>
               <p:ext uri="{D42A27DB-BD31-4B8C-83A1-F6EECF244321}">
-                <p14:modId xmlns:p14="http://schemas.microsoft.com/office/powerpoint/2010/main" val="743898628"/>
+                <p14:modId xmlns:p14="http://schemas.microsoft.com/office/powerpoint/2010/main" val="3321301232"/>
               </p:ext>
             </p:extLst>
           </p:nvPr>
@@ -8339,6 +8340,14 @@
             </a:r>
             <a:r>
               <a:rPr lang="en-US" dirty="0" err="1"/>
+              <a:t>aproape</a:t>
+            </a:r>
+            <a:r>
+              <a:rPr lang="en-US" dirty="0"/>
+              <a:t> </a:t>
+            </a:r>
+            <a:r>
+              <a:rPr lang="en-US" dirty="0" err="1"/>
               <a:t>cel</a:t>
             </a:r>
             <a:r>
@@ -8351,7 +8360,15 @@
             </a:r>
             <a:r>
               <a:rPr lang="en-US" dirty="0"/>
-              <a:t> pentru 10^4.</a:t>
+              <a:t> pentru 10^4, la </a:t>
+            </a:r>
+            <a:r>
+              <a:rPr lang="en-US" dirty="0" err="1"/>
+              <a:t>diferenta</a:t>
+            </a:r>
+            <a:r>
+              <a:rPr lang="en-US" dirty="0"/>
+              <a:t> mica fata de 2^10.</a:t>
             </a:r>
           </a:p>
         </p:txBody>
@@ -8426,423 +8443,903 @@
           </a:p>
         </p:txBody>
       </p:sp>
-      <p:graphicFrame>
-        <p:nvGraphicFramePr>
-          <p:cNvPr id="16" name="Table 16">
-            <a:extLst>
-              <a:ext uri="{FF2B5EF4-FFF2-40B4-BE49-F238E27FC236}">
-                <a16:creationId xmlns:a16="http://schemas.microsoft.com/office/drawing/2014/main" id="{0F3721C8-93C6-A967-036D-47B3AE6CE420}"/>
-              </a:ext>
-            </a:extLst>
-          </p:cNvPr>
-          <p:cNvGraphicFramePr>
-            <a:graphicFrameLocks noGrp="1"/>
-          </p:cNvGraphicFramePr>
-          <p:nvPr>
-            <p:ph idx="1"/>
-            <p:extLst>
-              <p:ext uri="{D42A27DB-BD31-4B8C-83A1-F6EECF244321}">
-                <p14:modId xmlns:p14="http://schemas.microsoft.com/office/powerpoint/2010/main" val="281816008"/>
-              </p:ext>
-            </p:extLst>
-          </p:nvPr>
-        </p:nvGraphicFramePr>
-        <p:xfrm>
-          <a:off x="1103313" y="2052638"/>
-          <a:ext cx="8947149" cy="2595880"/>
-        </p:xfrm>
-        <a:graphic>
-          <a:graphicData uri="http://schemas.openxmlformats.org/drawingml/2006/table">
-            <a:tbl>
-              <a:tblPr firstRow="1" bandRow="1">
-                <a:tableStyleId>{5C22544A-7EE6-4342-B048-85BDC9FD1C3A}</a:tableStyleId>
-              </a:tblPr>
-              <a:tblGrid>
-                <a:gridCol w="2982383">
-                  <a:extLst>
-                    <a:ext uri="{9D8B030D-6E8A-4147-A177-3AD203B41FA5}">
-                      <a16:colId xmlns:a16="http://schemas.microsoft.com/office/drawing/2014/main" val="4157302944"/>
-                    </a:ext>
-                  </a:extLst>
-                </a:gridCol>
-                <a:gridCol w="2982383">
-                  <a:extLst>
-                    <a:ext uri="{9D8B030D-6E8A-4147-A177-3AD203B41FA5}">
-                      <a16:colId xmlns:a16="http://schemas.microsoft.com/office/drawing/2014/main" val="155834313"/>
-                    </a:ext>
-                  </a:extLst>
-                </a:gridCol>
-                <a:gridCol w="2982383">
-                  <a:extLst>
-                    <a:ext uri="{9D8B030D-6E8A-4147-A177-3AD203B41FA5}">
-                      <a16:colId xmlns:a16="http://schemas.microsoft.com/office/drawing/2014/main" val="1371684181"/>
-                    </a:ext>
-                  </a:extLst>
-                </a:gridCol>
-              </a:tblGrid>
-              <a:tr h="370840">
-                <a:tc>
-                  <a:txBody>
-                    <a:bodyPr/>
-                    <a:lstStyle/>
-                    <a:p>
-                      <a:r>
-                        <a:rPr lang="en-US" dirty="0"/>
-                        <a:t>Sort</a:t>
-                      </a:r>
-                    </a:p>
-                  </a:txBody>
-                  <a:tcPr/>
-                </a:tc>
-                <a:tc>
-                  <a:txBody>
-                    <a:bodyPr/>
-                    <a:lstStyle/>
-                    <a:p>
-                      <a:r>
-                        <a:rPr lang="en-US" dirty="0" err="1"/>
-                        <a:t>Memorie</a:t>
-                      </a:r>
-                      <a:r>
-                        <a:rPr lang="en-US" dirty="0"/>
-                        <a:t> </a:t>
-                      </a:r>
-                      <a:r>
-                        <a:rPr lang="en-US" dirty="0" err="1"/>
-                        <a:t>suplimentara</a:t>
-                      </a:r>
-                      <a:endParaRPr lang="en-US" dirty="0"/>
-                    </a:p>
-                  </a:txBody>
-                  <a:tcPr/>
-                </a:tc>
-                <a:tc>
-                  <a:txBody>
-                    <a:bodyPr/>
-                    <a:lstStyle/>
-                    <a:p>
-                      <a:r>
-                        <a:rPr lang="en-US" dirty="0" err="1"/>
-                        <a:t>Complexitate</a:t>
-                      </a:r>
-                      <a:r>
-                        <a:rPr lang="en-US" dirty="0"/>
-                        <a:t> timp</a:t>
-                      </a:r>
-                    </a:p>
-                  </a:txBody>
-                  <a:tcPr/>
-                </a:tc>
+      <mc:AlternateContent xmlns:mc="http://schemas.openxmlformats.org/markup-compatibility/2006">
+        <mc:Choice xmlns:a14="http://schemas.microsoft.com/office/drawing/2010/main" Requires="a14">
+          <p:graphicFrame>
+            <p:nvGraphicFramePr>
+              <p:cNvPr id="16" name="Table 16">
                 <a:extLst>
-                  <a:ext uri="{0D108BD9-81ED-4DB2-BD59-A6C34878D82A}">
-                    <a16:rowId xmlns:a16="http://schemas.microsoft.com/office/drawing/2014/main" val="1719784295"/>
+                  <a:ext uri="{FF2B5EF4-FFF2-40B4-BE49-F238E27FC236}">
+                    <a16:creationId xmlns:a16="http://schemas.microsoft.com/office/drawing/2014/main" id="{0F3721C8-93C6-A967-036D-47B3AE6CE420}"/>
                   </a:ext>
                 </a:extLst>
-              </a:tr>
-              <a:tr h="370840">
-                <a:tc>
-                  <a:txBody>
-                    <a:bodyPr/>
-                    <a:lstStyle/>
-                    <a:p>
-                      <a:r>
-                        <a:rPr lang="en-US" dirty="0"/>
-                        <a:t>Merge </a:t>
-                      </a:r>
-                    </a:p>
-                  </a:txBody>
-                  <a:tcPr/>
-                </a:tc>
-                <a:tc>
-                  <a:txBody>
-                    <a:bodyPr/>
-                    <a:lstStyle/>
-                    <a:p>
-                      <a:r>
-                        <a:rPr lang="en-US" dirty="0"/>
-                        <a:t>N</a:t>
-                      </a:r>
-                    </a:p>
-                  </a:txBody>
-                  <a:tcPr/>
-                </a:tc>
-                <a:tc>
-                  <a:txBody>
-                    <a:bodyPr/>
-                    <a:lstStyle/>
-                    <a:p>
-                      <a:r>
-                        <a:rPr lang="en-US" dirty="0"/>
-                        <a:t>O(N </a:t>
-                      </a:r>
-                      <a:r>
-                        <a:rPr lang="en-US" dirty="0" err="1"/>
-                        <a:t>logN</a:t>
-                      </a:r>
-                      <a:r>
-                        <a:rPr lang="en-US" dirty="0"/>
-                        <a:t>)</a:t>
-                      </a:r>
-                    </a:p>
-                  </a:txBody>
-                  <a:tcPr/>
-                </a:tc>
+              </p:cNvPr>
+              <p:cNvGraphicFramePr>
+                <a:graphicFrameLocks noGrp="1"/>
+              </p:cNvGraphicFramePr>
+              <p:nvPr>
+                <p:ph idx="1"/>
+                <p:extLst>
+                  <p:ext uri="{D42A27DB-BD31-4B8C-83A1-F6EECF244321}">
+                    <p14:modId xmlns:p14="http://schemas.microsoft.com/office/powerpoint/2010/main" val="4127034621"/>
+                  </p:ext>
+                </p:extLst>
+              </p:nvPr>
+            </p:nvGraphicFramePr>
+            <p:xfrm>
+              <a:off x="1103313" y="2052638"/>
+              <a:ext cx="8947149" cy="2865120"/>
+            </p:xfrm>
+            <a:graphic>
+              <a:graphicData uri="http://schemas.openxmlformats.org/drawingml/2006/table">
+                <a:tbl>
+                  <a:tblPr firstRow="1" bandRow="1">
+                    <a:tableStyleId>{5C22544A-7EE6-4342-B048-85BDC9FD1C3A}</a:tableStyleId>
+                  </a:tblPr>
+                  <a:tblGrid>
+                    <a:gridCol w="2982383">
+                      <a:extLst>
+                        <a:ext uri="{9D8B030D-6E8A-4147-A177-3AD203B41FA5}">
+                          <a16:colId xmlns:a16="http://schemas.microsoft.com/office/drawing/2014/main" val="4157302944"/>
+                        </a:ext>
+                      </a:extLst>
+                    </a:gridCol>
+                    <a:gridCol w="2982383">
+                      <a:extLst>
+                        <a:ext uri="{9D8B030D-6E8A-4147-A177-3AD203B41FA5}">
+                          <a16:colId xmlns:a16="http://schemas.microsoft.com/office/drawing/2014/main" val="155834313"/>
+                        </a:ext>
+                      </a:extLst>
+                    </a:gridCol>
+                    <a:gridCol w="2982383">
+                      <a:extLst>
+                        <a:ext uri="{9D8B030D-6E8A-4147-A177-3AD203B41FA5}">
+                          <a16:colId xmlns:a16="http://schemas.microsoft.com/office/drawing/2014/main" val="1371684181"/>
+                        </a:ext>
+                      </a:extLst>
+                    </a:gridCol>
+                  </a:tblGrid>
+                  <a:tr h="370840">
+                    <a:tc>
+                      <a:txBody>
+                        <a:bodyPr/>
+                        <a:lstStyle/>
+                        <a:p>
+                          <a:r>
+                            <a:rPr lang="en-US" dirty="0"/>
+                            <a:t>Sort</a:t>
+                          </a:r>
+                        </a:p>
+                      </a:txBody>
+                      <a:tcPr/>
+                    </a:tc>
+                    <a:tc>
+                      <a:txBody>
+                        <a:bodyPr/>
+                        <a:lstStyle/>
+                        <a:p>
+                          <a:r>
+                            <a:rPr lang="en-US" dirty="0" err="1"/>
+                            <a:t>Memorie</a:t>
+                          </a:r>
+                          <a:r>
+                            <a:rPr lang="en-US" dirty="0"/>
+                            <a:t> </a:t>
+                          </a:r>
+                          <a:r>
+                            <a:rPr lang="en-US" dirty="0" err="1"/>
+                            <a:t>suplimentara</a:t>
+                          </a:r>
+                          <a:endParaRPr lang="en-US" dirty="0"/>
+                        </a:p>
+                      </a:txBody>
+                      <a:tcPr/>
+                    </a:tc>
+                    <a:tc>
+                      <a:txBody>
+                        <a:bodyPr/>
+                        <a:lstStyle/>
+                        <a:p>
+                          <a:r>
+                            <a:rPr lang="en-US" dirty="0" err="1"/>
+                            <a:t>Complexitate</a:t>
+                          </a:r>
+                          <a:r>
+                            <a:rPr lang="en-US" dirty="0"/>
+                            <a:t> timp</a:t>
+                          </a:r>
+                        </a:p>
+                      </a:txBody>
+                      <a:tcPr/>
+                    </a:tc>
+                    <a:extLst>
+                      <a:ext uri="{0D108BD9-81ED-4DB2-BD59-A6C34878D82A}">
+                        <a16:rowId xmlns:a16="http://schemas.microsoft.com/office/drawing/2014/main" val="1719784295"/>
+                      </a:ext>
+                    </a:extLst>
+                  </a:tr>
+                  <a:tr h="370840">
+                    <a:tc>
+                      <a:txBody>
+                        <a:bodyPr/>
+                        <a:lstStyle/>
+                        <a:p>
+                          <a:r>
+                            <a:rPr lang="en-US" dirty="0"/>
+                            <a:t>Merge </a:t>
+                          </a:r>
+                        </a:p>
+                      </a:txBody>
+                      <a:tcPr/>
+                    </a:tc>
+                    <a:tc>
+                      <a:txBody>
+                        <a:bodyPr/>
+                        <a:lstStyle/>
+                        <a:p>
+                          <a:r>
+                            <a:rPr lang="en-US" dirty="0"/>
+                            <a:t>N</a:t>
+                          </a:r>
+                        </a:p>
+                      </a:txBody>
+                      <a:tcPr/>
+                    </a:tc>
+                    <a:tc>
+                      <a:txBody>
+                        <a:bodyPr/>
+                        <a:lstStyle/>
+                        <a:p>
+                          <a:r>
+                            <a:rPr lang="en-US" dirty="0"/>
+                            <a:t>O(N </a:t>
+                          </a:r>
+                          <a:r>
+                            <a:rPr lang="en-US" dirty="0" err="1"/>
+                            <a:t>logN</a:t>
+                          </a:r>
+                          <a:r>
+                            <a:rPr lang="en-US" dirty="0"/>
+                            <a:t>)</a:t>
+                          </a:r>
+                        </a:p>
+                      </a:txBody>
+                      <a:tcPr/>
+                    </a:tc>
+                    <a:extLst>
+                      <a:ext uri="{0D108BD9-81ED-4DB2-BD59-A6C34878D82A}">
+                        <a16:rowId xmlns:a16="http://schemas.microsoft.com/office/drawing/2014/main" val="3045134205"/>
+                      </a:ext>
+                    </a:extLst>
+                  </a:tr>
+                  <a:tr h="370840">
+                    <a:tc>
+                      <a:txBody>
+                        <a:bodyPr/>
+                        <a:lstStyle/>
+                        <a:p>
+                          <a:r>
+                            <a:rPr lang="en-US" dirty="0"/>
+                            <a:t>Quick </a:t>
+                          </a:r>
+                        </a:p>
+                      </a:txBody>
+                      <a:tcPr/>
+                    </a:tc>
+                    <a:tc>
+                      <a:txBody>
+                        <a:bodyPr/>
+                        <a:lstStyle/>
+                        <a:p>
+                          <a:r>
+                            <a:rPr lang="en-US" dirty="0"/>
+                            <a:t>0</a:t>
+                          </a:r>
+                        </a:p>
+                      </a:txBody>
+                      <a:tcPr/>
+                    </a:tc>
+                    <a:tc>
+                      <a:txBody>
+                        <a:bodyPr/>
+                        <a:lstStyle/>
+                        <a:p>
+                          <a:r>
+                            <a:rPr lang="en-US" dirty="0"/>
+                            <a:t>O(N log N) -&gt;  O(N^2)</a:t>
+                          </a:r>
+                        </a:p>
+                      </a:txBody>
+                      <a:tcPr/>
+                    </a:tc>
+                    <a:extLst>
+                      <a:ext uri="{0D108BD9-81ED-4DB2-BD59-A6C34878D82A}">
+                        <a16:rowId xmlns:a16="http://schemas.microsoft.com/office/drawing/2014/main" val="2184364370"/>
+                      </a:ext>
+                    </a:extLst>
+                  </a:tr>
+                  <a:tr h="370840">
+                    <a:tc>
+                      <a:txBody>
+                        <a:bodyPr/>
+                        <a:lstStyle/>
+                        <a:p>
+                          <a:r>
+                            <a:rPr lang="en-US" dirty="0"/>
+                            <a:t>STL</a:t>
+                          </a:r>
+                        </a:p>
+                      </a:txBody>
+                      <a:tcPr/>
+                    </a:tc>
+                    <a:tc>
+                      <a:txBody>
+                        <a:bodyPr/>
+                        <a:lstStyle/>
+                        <a:p>
+                          <a:r>
+                            <a:rPr lang="en-US" dirty="0"/>
+                            <a:t>Log N</a:t>
+                          </a:r>
+                        </a:p>
+                      </a:txBody>
+                      <a:tcPr/>
+                    </a:tc>
+                    <a:tc>
+                      <a:txBody>
+                        <a:bodyPr/>
+                        <a:lstStyle/>
+                        <a:p>
+                          <a:r>
+                            <a:rPr lang="en-US" dirty="0"/>
+                            <a:t>O(N </a:t>
+                          </a:r>
+                          <a:r>
+                            <a:rPr lang="en-US" dirty="0" err="1"/>
+                            <a:t>logN</a:t>
+                          </a:r>
+                          <a:r>
+                            <a:rPr lang="en-US" dirty="0"/>
+                            <a:t>)</a:t>
+                          </a:r>
+                        </a:p>
+                      </a:txBody>
+                      <a:tcPr/>
+                    </a:tc>
+                    <a:extLst>
+                      <a:ext uri="{0D108BD9-81ED-4DB2-BD59-A6C34878D82A}">
+                        <a16:rowId xmlns:a16="http://schemas.microsoft.com/office/drawing/2014/main" val="477987035"/>
+                      </a:ext>
+                    </a:extLst>
+                  </a:tr>
+                  <a:tr h="370840">
+                    <a:tc>
+                      <a:txBody>
+                        <a:bodyPr/>
+                        <a:lstStyle/>
+                        <a:p>
+                          <a:r>
+                            <a:rPr lang="en-US" dirty="0"/>
+                            <a:t>Count</a:t>
+                          </a:r>
+                        </a:p>
+                      </a:txBody>
+                      <a:tcPr/>
+                    </a:tc>
+                    <a:tc>
+                      <a:txBody>
+                        <a:bodyPr/>
+                        <a:lstStyle/>
+                        <a:p>
+                          <a:r>
+                            <a:rPr lang="en-US" dirty="0"/>
+                            <a:t>MAX</a:t>
+                          </a:r>
+                        </a:p>
+                      </a:txBody>
+                      <a:tcPr/>
+                    </a:tc>
+                    <a:tc>
+                      <a:txBody>
+                        <a:bodyPr/>
+                        <a:lstStyle/>
+                        <a:p>
+                          <a:r>
+                            <a:rPr lang="en-US" dirty="0"/>
+                            <a:t>O(N + MAX)</a:t>
+                          </a:r>
+                        </a:p>
+                      </a:txBody>
+                      <a:tcPr/>
+                    </a:tc>
+                    <a:extLst>
+                      <a:ext uri="{0D108BD9-81ED-4DB2-BD59-A6C34878D82A}">
+                        <a16:rowId xmlns:a16="http://schemas.microsoft.com/office/drawing/2014/main" val="2461668270"/>
+                      </a:ext>
+                    </a:extLst>
+                  </a:tr>
+                  <a:tr h="370840">
+                    <a:tc>
+                      <a:txBody>
+                        <a:bodyPr/>
+                        <a:lstStyle/>
+                        <a:p>
+                          <a:r>
+                            <a:rPr lang="en-US" dirty="0"/>
+                            <a:t>Shell</a:t>
+                          </a:r>
+                        </a:p>
+                      </a:txBody>
+                      <a:tcPr/>
+                    </a:tc>
+                    <a:tc>
+                      <a:txBody>
+                        <a:bodyPr/>
+                        <a:lstStyle/>
+                        <a:p>
+                          <a:r>
+                            <a:rPr lang="en-US" dirty="0"/>
+                            <a:t>1</a:t>
+                          </a:r>
+                        </a:p>
+                      </a:txBody>
+                      <a:tcPr/>
+                    </a:tc>
+                    <a:tc>
+                      <a:txBody>
+                        <a:bodyPr/>
+                        <a:lstStyle/>
+                        <a:p>
+                          <a:r>
+                            <a:rPr lang="en-US" dirty="0"/>
+                            <a:t>O(N </a:t>
+                          </a:r>
+                          <a:r>
+                            <a:rPr lang="en-US" dirty="0" err="1"/>
+                            <a:t>logN</a:t>
+                          </a:r>
+                          <a:r>
+                            <a:rPr lang="en-US" dirty="0"/>
+                            <a:t>) -&gt; O(N^2)</a:t>
+                          </a:r>
+                        </a:p>
+                      </a:txBody>
+                      <a:tcPr/>
+                    </a:tc>
+                    <a:extLst>
+                      <a:ext uri="{0D108BD9-81ED-4DB2-BD59-A6C34878D82A}">
+                        <a16:rowId xmlns:a16="http://schemas.microsoft.com/office/drawing/2014/main" val="1770319599"/>
+                      </a:ext>
+                    </a:extLst>
+                  </a:tr>
+                  <a:tr h="370840">
+                    <a:tc>
+                      <a:txBody>
+                        <a:bodyPr/>
+                        <a:lstStyle/>
+                        <a:p>
+                          <a:r>
+                            <a:rPr lang="en-US" dirty="0"/>
+                            <a:t>Radix</a:t>
+                          </a:r>
+                        </a:p>
+                      </a:txBody>
+                      <a:tcPr/>
+                    </a:tc>
+                    <a:tc>
+                      <a:txBody>
+                        <a:bodyPr/>
+                        <a:lstStyle/>
+                        <a:p>
+                          <a:r>
+                            <a:rPr lang="en-US" dirty="0"/>
+                            <a:t>O(N) -&gt; O(4N) </a:t>
+                          </a:r>
+                        </a:p>
+                      </a:txBody>
+                      <a:tcPr/>
+                    </a:tc>
+                    <a:tc>
+                      <a:txBody>
+                        <a:bodyPr/>
+                        <a:lstStyle/>
+                        <a:p>
+                          <a:pPr marL="0" marR="0" lvl="0" indent="0" algn="l" defTabSz="457200" rtl="0" eaLnBrk="1" fontAlgn="auto" latinLnBrk="0" hangingPunct="1">
+                            <a:lnSpc>
+                              <a:spcPct val="100000"/>
+                            </a:lnSpc>
+                            <a:spcBef>
+                              <a:spcPts val="0"/>
+                            </a:spcBef>
+                            <a:spcAft>
+                              <a:spcPts val="0"/>
+                            </a:spcAft>
+                            <a:buClrTx/>
+                            <a:buSzTx/>
+                            <a:buFontTx/>
+                            <a:buNone/>
+                            <a:tabLst/>
+                            <a:defRPr/>
+                          </a:pPr>
+                          <a:r>
+                            <a:rPr lang="en-US" dirty="0"/>
+                            <a:t>N </a:t>
+                          </a:r>
+                          <a14:m>
+                            <m:oMath xmlns:m="http://schemas.openxmlformats.org/officeDocument/2006/math">
+                              <m:sSub>
+                                <m:sSubPr>
+                                  <m:ctrlPr>
+                                    <a:rPr lang="en-US" i="1" smtClean="0">
+                                      <a:latin typeface="Cambria Math" panose="02040503050406030204" pitchFamily="18" charset="0"/>
+                                    </a:rPr>
+                                  </m:ctrlPr>
+                                </m:sSubPr>
+                                <m:e>
+                                  <m:r>
+                                    <a:rPr lang="en-US" b="0" i="1" smtClean="0">
+                                      <a:latin typeface="Cambria Math" panose="02040503050406030204" pitchFamily="18" charset="0"/>
+                                    </a:rPr>
+                                    <m:t>𝐿𝑂𝐺</m:t>
+                                  </m:r>
+                                </m:e>
+                                <m:sub>
+                                  <m:r>
+                                    <a:rPr lang="en-US" b="0" i="1" smtClean="0">
+                                      <a:latin typeface="Cambria Math" panose="02040503050406030204" pitchFamily="18" charset="0"/>
+                                    </a:rPr>
+                                    <m:t>𝐵𝐴𝑍𝐴</m:t>
+                                  </m:r>
+                                </m:sub>
+                              </m:sSub>
+                            </m:oMath>
+                          </a14:m>
+                          <a:r>
+                            <a:rPr lang="en-US" dirty="0"/>
+                            <a:t> MAX</a:t>
+                          </a:r>
+                        </a:p>
+                        <a:p>
+                          <a:endParaRPr lang="en-US" dirty="0"/>
+                        </a:p>
+                      </a:txBody>
+                      <a:tcPr/>
+                    </a:tc>
+                    <a:extLst>
+                      <a:ext uri="{0D108BD9-81ED-4DB2-BD59-A6C34878D82A}">
+                        <a16:rowId xmlns:a16="http://schemas.microsoft.com/office/drawing/2014/main" val="4192676303"/>
+                      </a:ext>
+                    </a:extLst>
+                  </a:tr>
+                </a:tbl>
+              </a:graphicData>
+            </a:graphic>
+          </p:graphicFrame>
+        </mc:Choice>
+        <mc:Fallback>
+          <p:graphicFrame>
+            <p:nvGraphicFramePr>
+              <p:cNvPr id="16" name="Table 16">
                 <a:extLst>
-                  <a:ext uri="{0D108BD9-81ED-4DB2-BD59-A6C34878D82A}">
-                    <a16:rowId xmlns:a16="http://schemas.microsoft.com/office/drawing/2014/main" val="3045134205"/>
+                  <a:ext uri="{FF2B5EF4-FFF2-40B4-BE49-F238E27FC236}">
+                    <a16:creationId xmlns:a16="http://schemas.microsoft.com/office/drawing/2014/main" id="{0F3721C8-93C6-A967-036D-47B3AE6CE420}"/>
                   </a:ext>
                 </a:extLst>
-              </a:tr>
-              <a:tr h="370840">
-                <a:tc>
-                  <a:txBody>
-                    <a:bodyPr/>
-                    <a:lstStyle/>
-                    <a:p>
-                      <a:r>
-                        <a:rPr lang="en-US" dirty="0"/>
-                        <a:t>Quick </a:t>
-                      </a:r>
-                    </a:p>
-                  </a:txBody>
-                  <a:tcPr/>
-                </a:tc>
-                <a:tc>
-                  <a:txBody>
-                    <a:bodyPr/>
-                    <a:lstStyle/>
-                    <a:p>
-                      <a:r>
-                        <a:rPr lang="en-US" dirty="0"/>
-                        <a:t>0</a:t>
-                      </a:r>
-                    </a:p>
-                  </a:txBody>
-                  <a:tcPr/>
-                </a:tc>
-                <a:tc>
-                  <a:txBody>
-                    <a:bodyPr/>
-                    <a:lstStyle/>
-                    <a:p>
-                      <a:r>
-                        <a:rPr lang="en-US" dirty="0"/>
-                        <a:t>O(N log N) -&gt;  O(N^2)</a:t>
-                      </a:r>
-                    </a:p>
-                  </a:txBody>
-                  <a:tcPr/>
-                </a:tc>
-                <a:extLst>
-                  <a:ext uri="{0D108BD9-81ED-4DB2-BD59-A6C34878D82A}">
-                    <a16:rowId xmlns:a16="http://schemas.microsoft.com/office/drawing/2014/main" val="2184364370"/>
-                  </a:ext>
-                </a:extLst>
-              </a:tr>
-              <a:tr h="370840">
-                <a:tc>
-                  <a:txBody>
-                    <a:bodyPr/>
-                    <a:lstStyle/>
-                    <a:p>
-                      <a:r>
-                        <a:rPr lang="en-US" dirty="0"/>
-                        <a:t>STL</a:t>
-                      </a:r>
-                    </a:p>
-                  </a:txBody>
-                  <a:tcPr/>
-                </a:tc>
-                <a:tc>
-                  <a:txBody>
-                    <a:bodyPr/>
-                    <a:lstStyle/>
-                    <a:p>
-                      <a:r>
-                        <a:rPr lang="en-US" dirty="0"/>
-                        <a:t>Log N</a:t>
-                      </a:r>
-                    </a:p>
-                  </a:txBody>
-                  <a:tcPr/>
-                </a:tc>
-                <a:tc>
-                  <a:txBody>
-                    <a:bodyPr/>
-                    <a:lstStyle/>
-                    <a:p>
-                      <a:r>
-                        <a:rPr lang="en-US" dirty="0"/>
-                        <a:t>O(N </a:t>
-                      </a:r>
-                      <a:r>
-                        <a:rPr lang="en-US" dirty="0" err="1"/>
-                        <a:t>logN</a:t>
-                      </a:r>
-                      <a:r>
-                        <a:rPr lang="en-US" dirty="0"/>
-                        <a:t>)</a:t>
-                      </a:r>
-                    </a:p>
-                  </a:txBody>
-                  <a:tcPr/>
-                </a:tc>
-                <a:extLst>
-                  <a:ext uri="{0D108BD9-81ED-4DB2-BD59-A6C34878D82A}">
-                    <a16:rowId xmlns:a16="http://schemas.microsoft.com/office/drawing/2014/main" val="477987035"/>
-                  </a:ext>
-                </a:extLst>
-              </a:tr>
-              <a:tr h="370840">
-                <a:tc>
-                  <a:txBody>
-                    <a:bodyPr/>
-                    <a:lstStyle/>
-                    <a:p>
-                      <a:r>
-                        <a:rPr lang="en-US" dirty="0"/>
-                        <a:t>Count</a:t>
-                      </a:r>
-                    </a:p>
-                  </a:txBody>
-                  <a:tcPr/>
-                </a:tc>
-                <a:tc>
-                  <a:txBody>
-                    <a:bodyPr/>
-                    <a:lstStyle/>
-                    <a:p>
-                      <a:r>
-                        <a:rPr lang="en-US" dirty="0"/>
-                        <a:t>MAX</a:t>
-                      </a:r>
-                    </a:p>
-                  </a:txBody>
-                  <a:tcPr/>
-                </a:tc>
-                <a:tc>
-                  <a:txBody>
-                    <a:bodyPr/>
-                    <a:lstStyle/>
-                    <a:p>
-                      <a:r>
-                        <a:rPr lang="en-US" dirty="0"/>
-                        <a:t>O(N + MAX)</a:t>
-                      </a:r>
-                    </a:p>
-                  </a:txBody>
-                  <a:tcPr/>
-                </a:tc>
-                <a:extLst>
-                  <a:ext uri="{0D108BD9-81ED-4DB2-BD59-A6C34878D82A}">
-                    <a16:rowId xmlns:a16="http://schemas.microsoft.com/office/drawing/2014/main" val="2461668270"/>
-                  </a:ext>
-                </a:extLst>
-              </a:tr>
-              <a:tr h="370840">
-                <a:tc>
-                  <a:txBody>
-                    <a:bodyPr/>
-                    <a:lstStyle/>
-                    <a:p>
-                      <a:r>
-                        <a:rPr lang="en-US" dirty="0"/>
-                        <a:t>Shell</a:t>
-                      </a:r>
-                    </a:p>
-                  </a:txBody>
-                  <a:tcPr/>
-                </a:tc>
-                <a:tc>
-                  <a:txBody>
-                    <a:bodyPr/>
-                    <a:lstStyle/>
-                    <a:p>
-                      <a:r>
-                        <a:rPr lang="en-US" dirty="0"/>
-                        <a:t>1</a:t>
-                      </a:r>
-                    </a:p>
-                  </a:txBody>
-                  <a:tcPr/>
-                </a:tc>
-                <a:tc>
-                  <a:txBody>
-                    <a:bodyPr/>
-                    <a:lstStyle/>
-                    <a:p>
-                      <a:r>
-                        <a:rPr lang="en-US" dirty="0"/>
-                        <a:t>O(N </a:t>
-                      </a:r>
-                      <a:r>
-                        <a:rPr lang="en-US" dirty="0" err="1"/>
-                        <a:t>logN</a:t>
-                      </a:r>
-                      <a:r>
-                        <a:rPr lang="en-US" dirty="0"/>
-                        <a:t>) -&gt; O(N^2)</a:t>
-                      </a:r>
-                    </a:p>
-                  </a:txBody>
-                  <a:tcPr/>
-                </a:tc>
-                <a:extLst>
-                  <a:ext uri="{0D108BD9-81ED-4DB2-BD59-A6C34878D82A}">
-                    <a16:rowId xmlns:a16="http://schemas.microsoft.com/office/drawing/2014/main" val="1770319599"/>
-                  </a:ext>
-                </a:extLst>
-              </a:tr>
-              <a:tr h="370840">
-                <a:tc>
-                  <a:txBody>
-                    <a:bodyPr/>
-                    <a:lstStyle/>
-                    <a:p>
-                      <a:r>
-                        <a:rPr lang="en-US" dirty="0"/>
-                        <a:t>Radix</a:t>
-                      </a:r>
-                    </a:p>
-                  </a:txBody>
-                  <a:tcPr/>
-                </a:tc>
-                <a:tc>
-                  <a:txBody>
-                    <a:bodyPr/>
-                    <a:lstStyle/>
-                    <a:p>
-                      <a:r>
-                        <a:rPr lang="en-US" dirty="0"/>
-                        <a:t>N log N</a:t>
-                      </a:r>
-                    </a:p>
-                  </a:txBody>
-                  <a:tcPr/>
-                </a:tc>
-                <a:tc>
-                  <a:txBody>
-                    <a:bodyPr/>
-                    <a:lstStyle/>
-                    <a:p>
-                      <a:r>
-                        <a:rPr lang="en-US" dirty="0"/>
-                        <a:t>O(4N)</a:t>
-                      </a:r>
-                    </a:p>
-                  </a:txBody>
-                  <a:tcPr/>
-                </a:tc>
-                <a:extLst>
-                  <a:ext uri="{0D108BD9-81ED-4DB2-BD59-A6C34878D82A}">
-                    <a16:rowId xmlns:a16="http://schemas.microsoft.com/office/drawing/2014/main" val="4192676303"/>
-                  </a:ext>
-                </a:extLst>
-              </a:tr>
-            </a:tbl>
-          </a:graphicData>
-        </a:graphic>
-      </p:graphicFrame>
+              </p:cNvPr>
+              <p:cNvGraphicFramePr>
+                <a:graphicFrameLocks noGrp="1"/>
+              </p:cNvGraphicFramePr>
+              <p:nvPr>
+                <p:ph idx="1"/>
+                <p:extLst>
+                  <p:ext uri="{D42A27DB-BD31-4B8C-83A1-F6EECF244321}">
+                    <p14:modId xmlns:p14="http://schemas.microsoft.com/office/powerpoint/2010/main" val="4127034621"/>
+                  </p:ext>
+                </p:extLst>
+              </p:nvPr>
+            </p:nvGraphicFramePr>
+            <p:xfrm>
+              <a:off x="1103313" y="2052638"/>
+              <a:ext cx="8947149" cy="2865120"/>
+            </p:xfrm>
+            <a:graphic>
+              <a:graphicData uri="http://schemas.openxmlformats.org/drawingml/2006/table">
+                <a:tbl>
+                  <a:tblPr firstRow="1" bandRow="1">
+                    <a:tableStyleId>{5C22544A-7EE6-4342-B048-85BDC9FD1C3A}</a:tableStyleId>
+                  </a:tblPr>
+                  <a:tblGrid>
+                    <a:gridCol w="2982383">
+                      <a:extLst>
+                        <a:ext uri="{9D8B030D-6E8A-4147-A177-3AD203B41FA5}">
+                          <a16:colId xmlns:a16="http://schemas.microsoft.com/office/drawing/2014/main" val="4157302944"/>
+                        </a:ext>
+                      </a:extLst>
+                    </a:gridCol>
+                    <a:gridCol w="2982383">
+                      <a:extLst>
+                        <a:ext uri="{9D8B030D-6E8A-4147-A177-3AD203B41FA5}">
+                          <a16:colId xmlns:a16="http://schemas.microsoft.com/office/drawing/2014/main" val="155834313"/>
+                        </a:ext>
+                      </a:extLst>
+                    </a:gridCol>
+                    <a:gridCol w="2982383">
+                      <a:extLst>
+                        <a:ext uri="{9D8B030D-6E8A-4147-A177-3AD203B41FA5}">
+                          <a16:colId xmlns:a16="http://schemas.microsoft.com/office/drawing/2014/main" val="1371684181"/>
+                        </a:ext>
+                      </a:extLst>
+                    </a:gridCol>
+                  </a:tblGrid>
+                  <a:tr h="370840">
+                    <a:tc>
+                      <a:txBody>
+                        <a:bodyPr/>
+                        <a:lstStyle/>
+                        <a:p>
+                          <a:r>
+                            <a:rPr lang="en-US" dirty="0"/>
+                            <a:t>Sort</a:t>
+                          </a:r>
+                        </a:p>
+                      </a:txBody>
+                      <a:tcPr/>
+                    </a:tc>
+                    <a:tc>
+                      <a:txBody>
+                        <a:bodyPr/>
+                        <a:lstStyle/>
+                        <a:p>
+                          <a:r>
+                            <a:rPr lang="en-US" dirty="0" err="1"/>
+                            <a:t>Memorie</a:t>
+                          </a:r>
+                          <a:r>
+                            <a:rPr lang="en-US" dirty="0"/>
+                            <a:t> </a:t>
+                          </a:r>
+                          <a:r>
+                            <a:rPr lang="en-US" dirty="0" err="1"/>
+                            <a:t>suplimentara</a:t>
+                          </a:r>
+                          <a:endParaRPr lang="en-US" dirty="0"/>
+                        </a:p>
+                      </a:txBody>
+                      <a:tcPr/>
+                    </a:tc>
+                    <a:tc>
+                      <a:txBody>
+                        <a:bodyPr/>
+                        <a:lstStyle/>
+                        <a:p>
+                          <a:r>
+                            <a:rPr lang="en-US" dirty="0" err="1"/>
+                            <a:t>Complexitate</a:t>
+                          </a:r>
+                          <a:r>
+                            <a:rPr lang="en-US" dirty="0"/>
+                            <a:t> timp</a:t>
+                          </a:r>
+                        </a:p>
+                      </a:txBody>
+                      <a:tcPr/>
+                    </a:tc>
+                    <a:extLst>
+                      <a:ext uri="{0D108BD9-81ED-4DB2-BD59-A6C34878D82A}">
+                        <a16:rowId xmlns:a16="http://schemas.microsoft.com/office/drawing/2014/main" val="1719784295"/>
+                      </a:ext>
+                    </a:extLst>
+                  </a:tr>
+                  <a:tr h="370840">
+                    <a:tc>
+                      <a:txBody>
+                        <a:bodyPr/>
+                        <a:lstStyle/>
+                        <a:p>
+                          <a:r>
+                            <a:rPr lang="en-US" dirty="0"/>
+                            <a:t>Merge </a:t>
+                          </a:r>
+                        </a:p>
+                      </a:txBody>
+                      <a:tcPr/>
+                    </a:tc>
+                    <a:tc>
+                      <a:txBody>
+                        <a:bodyPr/>
+                        <a:lstStyle/>
+                        <a:p>
+                          <a:r>
+                            <a:rPr lang="en-US" dirty="0"/>
+                            <a:t>N</a:t>
+                          </a:r>
+                        </a:p>
+                      </a:txBody>
+                      <a:tcPr/>
+                    </a:tc>
+                    <a:tc>
+                      <a:txBody>
+                        <a:bodyPr/>
+                        <a:lstStyle/>
+                        <a:p>
+                          <a:r>
+                            <a:rPr lang="en-US" dirty="0"/>
+                            <a:t>O(N </a:t>
+                          </a:r>
+                          <a:r>
+                            <a:rPr lang="en-US" dirty="0" err="1"/>
+                            <a:t>logN</a:t>
+                          </a:r>
+                          <a:r>
+                            <a:rPr lang="en-US" dirty="0"/>
+                            <a:t>)</a:t>
+                          </a:r>
+                        </a:p>
+                      </a:txBody>
+                      <a:tcPr/>
+                    </a:tc>
+                    <a:extLst>
+                      <a:ext uri="{0D108BD9-81ED-4DB2-BD59-A6C34878D82A}">
+                        <a16:rowId xmlns:a16="http://schemas.microsoft.com/office/drawing/2014/main" val="3045134205"/>
+                      </a:ext>
+                    </a:extLst>
+                  </a:tr>
+                  <a:tr h="370840">
+                    <a:tc>
+                      <a:txBody>
+                        <a:bodyPr/>
+                        <a:lstStyle/>
+                        <a:p>
+                          <a:r>
+                            <a:rPr lang="en-US" dirty="0"/>
+                            <a:t>Quick </a:t>
+                          </a:r>
+                        </a:p>
+                      </a:txBody>
+                      <a:tcPr/>
+                    </a:tc>
+                    <a:tc>
+                      <a:txBody>
+                        <a:bodyPr/>
+                        <a:lstStyle/>
+                        <a:p>
+                          <a:r>
+                            <a:rPr lang="en-US" dirty="0"/>
+                            <a:t>0</a:t>
+                          </a:r>
+                        </a:p>
+                      </a:txBody>
+                      <a:tcPr/>
+                    </a:tc>
+                    <a:tc>
+                      <a:txBody>
+                        <a:bodyPr/>
+                        <a:lstStyle/>
+                        <a:p>
+                          <a:r>
+                            <a:rPr lang="en-US" dirty="0"/>
+                            <a:t>O(N log N) -&gt;  O(N^2)</a:t>
+                          </a:r>
+                        </a:p>
+                      </a:txBody>
+                      <a:tcPr/>
+                    </a:tc>
+                    <a:extLst>
+                      <a:ext uri="{0D108BD9-81ED-4DB2-BD59-A6C34878D82A}">
+                        <a16:rowId xmlns:a16="http://schemas.microsoft.com/office/drawing/2014/main" val="2184364370"/>
+                      </a:ext>
+                    </a:extLst>
+                  </a:tr>
+                  <a:tr h="370840">
+                    <a:tc>
+                      <a:txBody>
+                        <a:bodyPr/>
+                        <a:lstStyle/>
+                        <a:p>
+                          <a:r>
+                            <a:rPr lang="en-US" dirty="0"/>
+                            <a:t>STL</a:t>
+                          </a:r>
+                        </a:p>
+                      </a:txBody>
+                      <a:tcPr/>
+                    </a:tc>
+                    <a:tc>
+                      <a:txBody>
+                        <a:bodyPr/>
+                        <a:lstStyle/>
+                        <a:p>
+                          <a:r>
+                            <a:rPr lang="en-US" dirty="0"/>
+                            <a:t>Log N</a:t>
+                          </a:r>
+                        </a:p>
+                      </a:txBody>
+                      <a:tcPr/>
+                    </a:tc>
+                    <a:tc>
+                      <a:txBody>
+                        <a:bodyPr/>
+                        <a:lstStyle/>
+                        <a:p>
+                          <a:r>
+                            <a:rPr lang="en-US" dirty="0"/>
+                            <a:t>O(N </a:t>
+                          </a:r>
+                          <a:r>
+                            <a:rPr lang="en-US" dirty="0" err="1"/>
+                            <a:t>logN</a:t>
+                          </a:r>
+                          <a:r>
+                            <a:rPr lang="en-US" dirty="0"/>
+                            <a:t>)</a:t>
+                          </a:r>
+                        </a:p>
+                      </a:txBody>
+                      <a:tcPr/>
+                    </a:tc>
+                    <a:extLst>
+                      <a:ext uri="{0D108BD9-81ED-4DB2-BD59-A6C34878D82A}">
+                        <a16:rowId xmlns:a16="http://schemas.microsoft.com/office/drawing/2014/main" val="477987035"/>
+                      </a:ext>
+                    </a:extLst>
+                  </a:tr>
+                  <a:tr h="370840">
+                    <a:tc>
+                      <a:txBody>
+                        <a:bodyPr/>
+                        <a:lstStyle/>
+                        <a:p>
+                          <a:r>
+                            <a:rPr lang="en-US" dirty="0"/>
+                            <a:t>Count</a:t>
+                          </a:r>
+                        </a:p>
+                      </a:txBody>
+                      <a:tcPr/>
+                    </a:tc>
+                    <a:tc>
+                      <a:txBody>
+                        <a:bodyPr/>
+                        <a:lstStyle/>
+                        <a:p>
+                          <a:r>
+                            <a:rPr lang="en-US" dirty="0"/>
+                            <a:t>MAX</a:t>
+                          </a:r>
+                        </a:p>
+                      </a:txBody>
+                      <a:tcPr/>
+                    </a:tc>
+                    <a:tc>
+                      <a:txBody>
+                        <a:bodyPr/>
+                        <a:lstStyle/>
+                        <a:p>
+                          <a:r>
+                            <a:rPr lang="en-US" dirty="0"/>
+                            <a:t>O(N + MAX)</a:t>
+                          </a:r>
+                        </a:p>
+                      </a:txBody>
+                      <a:tcPr/>
+                    </a:tc>
+                    <a:extLst>
+                      <a:ext uri="{0D108BD9-81ED-4DB2-BD59-A6C34878D82A}">
+                        <a16:rowId xmlns:a16="http://schemas.microsoft.com/office/drawing/2014/main" val="2461668270"/>
+                      </a:ext>
+                    </a:extLst>
+                  </a:tr>
+                  <a:tr h="370840">
+                    <a:tc>
+                      <a:txBody>
+                        <a:bodyPr/>
+                        <a:lstStyle/>
+                        <a:p>
+                          <a:r>
+                            <a:rPr lang="en-US" dirty="0"/>
+                            <a:t>Shell</a:t>
+                          </a:r>
+                        </a:p>
+                      </a:txBody>
+                      <a:tcPr/>
+                    </a:tc>
+                    <a:tc>
+                      <a:txBody>
+                        <a:bodyPr/>
+                        <a:lstStyle/>
+                        <a:p>
+                          <a:r>
+                            <a:rPr lang="en-US" dirty="0"/>
+                            <a:t>1</a:t>
+                          </a:r>
+                        </a:p>
+                      </a:txBody>
+                      <a:tcPr/>
+                    </a:tc>
+                    <a:tc>
+                      <a:txBody>
+                        <a:bodyPr/>
+                        <a:lstStyle/>
+                        <a:p>
+                          <a:r>
+                            <a:rPr lang="en-US" dirty="0"/>
+                            <a:t>O(N </a:t>
+                          </a:r>
+                          <a:r>
+                            <a:rPr lang="en-US" dirty="0" err="1"/>
+                            <a:t>logN</a:t>
+                          </a:r>
+                          <a:r>
+                            <a:rPr lang="en-US" dirty="0"/>
+                            <a:t>) -&gt; O(N^2)</a:t>
+                          </a:r>
+                        </a:p>
+                      </a:txBody>
+                      <a:tcPr/>
+                    </a:tc>
+                    <a:extLst>
+                      <a:ext uri="{0D108BD9-81ED-4DB2-BD59-A6C34878D82A}">
+                        <a16:rowId xmlns:a16="http://schemas.microsoft.com/office/drawing/2014/main" val="1770319599"/>
+                      </a:ext>
+                    </a:extLst>
+                  </a:tr>
+                  <a:tr h="640080">
+                    <a:tc>
+                      <a:txBody>
+                        <a:bodyPr/>
+                        <a:lstStyle/>
+                        <a:p>
+                          <a:r>
+                            <a:rPr lang="en-US" dirty="0"/>
+                            <a:t>Radix</a:t>
+                          </a:r>
+                        </a:p>
+                      </a:txBody>
+                      <a:tcPr/>
+                    </a:tc>
+                    <a:tc>
+                      <a:txBody>
+                        <a:bodyPr/>
+                        <a:lstStyle/>
+                        <a:p>
+                          <a:r>
+                            <a:rPr lang="en-US" dirty="0"/>
+                            <a:t>O(N) -&gt; O(4N) </a:t>
+                          </a:r>
+                        </a:p>
+                      </a:txBody>
+                      <a:tcPr/>
+                    </a:tc>
+                    <a:tc>
+                      <a:txBody>
+                        <a:bodyPr/>
+                        <a:lstStyle/>
+                        <a:p>
+                          <a:endParaRPr lang="en-US"/>
+                        </a:p>
+                      </a:txBody>
+                      <a:tcPr>
+                        <a:blipFill>
+                          <a:blip r:embed="rId2"/>
+                          <a:stretch>
+                            <a:fillRect l="-200000" t="-353333" r="-816" b="-1905"/>
+                          </a:stretch>
+                        </a:blipFill>
+                      </a:tcPr>
+                    </a:tc>
+                    <a:extLst>
+                      <a:ext uri="{0D108BD9-81ED-4DB2-BD59-A6C34878D82A}">
+                        <a16:rowId xmlns:a16="http://schemas.microsoft.com/office/drawing/2014/main" val="4192676303"/>
+                      </a:ext>
+                    </a:extLst>
+                  </a:tr>
+                </a:tbl>
+              </a:graphicData>
+            </a:graphic>
+          </p:graphicFrame>
+        </mc:Fallback>
+      </mc:AlternateContent>
     </p:spTree>
     <p:extLst>
       <p:ext uri="{BB962C8B-B14F-4D97-AF65-F5344CB8AC3E}">
@@ -9164,7 +9661,7 @@
             </a:r>
             <a:r>
               <a:rPr lang="en-US" dirty="0"/>
-              <a:t> 3 ori mai </a:t>
+              <a:t> 2 ori mai </a:t>
             </a:r>
             <a:r>
               <a:rPr lang="en-US" dirty="0" err="1"/>
@@ -9863,6 +10360,252 @@
     <p:extLst>
       <p:ext uri="{BB962C8B-B14F-4D97-AF65-F5344CB8AC3E}">
         <p14:creationId xmlns:p14="http://schemas.microsoft.com/office/powerpoint/2010/main" val="1189066330"/>
+      </p:ext>
+    </p:extLst>
+  </p:cSld>
+  <p:clrMapOvr>
+    <a:masterClrMapping/>
+  </p:clrMapOvr>
+</p:sld>
+</file>
+
+<file path=ppt/slides/slide9.xml><?xml version="1.0" encoding="utf-8"?>
+<p:sld xmlns:a="http://schemas.openxmlformats.org/drawingml/2006/main" xmlns:r="http://schemas.openxmlformats.org/officeDocument/2006/relationships" xmlns:p="http://schemas.openxmlformats.org/presentationml/2006/main">
+  <p:cSld>
+    <p:spTree>
+      <p:nvGrpSpPr>
+        <p:cNvPr id="1" name=""/>
+        <p:cNvGrpSpPr/>
+        <p:nvPr/>
+      </p:nvGrpSpPr>
+      <p:grpSpPr>
+        <a:xfrm>
+          <a:off x="0" y="0"/>
+          <a:ext cx="0" cy="0"/>
+          <a:chOff x="0" y="0"/>
+          <a:chExt cx="0" cy="0"/>
+        </a:xfrm>
+      </p:grpSpPr>
+      <p:sp>
+        <p:nvSpPr>
+          <p:cNvPr id="2" name="Title 1">
+            <a:extLst>
+              <a:ext uri="{FF2B5EF4-FFF2-40B4-BE49-F238E27FC236}">
+                <a16:creationId xmlns:a16="http://schemas.microsoft.com/office/drawing/2014/main" id="{5EF049D3-FE99-D54D-BEFC-3CEF316894EF}"/>
+              </a:ext>
+            </a:extLst>
+          </p:cNvPr>
+          <p:cNvSpPr>
+            <a:spLocks noGrp="1"/>
+          </p:cNvSpPr>
+          <p:nvPr>
+            <p:ph type="title"/>
+          </p:nvPr>
+        </p:nvSpPr>
+        <p:spPr/>
+        <p:txBody>
+          <a:bodyPr/>
+          <a:lstStyle/>
+          <a:p>
+            <a:r>
+              <a:rPr lang="en-US" dirty="0"/>
+              <a:t>Alte </a:t>
+            </a:r>
+            <a:r>
+              <a:rPr lang="en-US" dirty="0" err="1"/>
+              <a:t>observatii</a:t>
+            </a:r>
+            <a:endParaRPr lang="en-US" dirty="0"/>
+          </a:p>
+        </p:txBody>
+      </p:sp>
+      <p:sp>
+        <p:nvSpPr>
+          <p:cNvPr id="3" name="Content Placeholder 2">
+            <a:extLst>
+              <a:ext uri="{FF2B5EF4-FFF2-40B4-BE49-F238E27FC236}">
+                <a16:creationId xmlns:a16="http://schemas.microsoft.com/office/drawing/2014/main" id="{58D6E5C1-48D0-4BE1-B991-A0C605EDC6F4}"/>
+              </a:ext>
+            </a:extLst>
+          </p:cNvPr>
+          <p:cNvSpPr>
+            <a:spLocks noGrp="1"/>
+          </p:cNvSpPr>
+          <p:nvPr>
+            <p:ph idx="1"/>
+          </p:nvPr>
+        </p:nvSpPr>
+        <p:spPr/>
+        <p:txBody>
+          <a:bodyPr/>
+          <a:lstStyle/>
+          <a:p>
+            <a:r>
+              <a:rPr lang="en-US" dirty="0"/>
+              <a:t>STL obţine </a:t>
+            </a:r>
+            <a:r>
+              <a:rPr lang="en-US" dirty="0" err="1"/>
+              <a:t>timpi</a:t>
+            </a:r>
+            <a:r>
+              <a:rPr lang="en-US" dirty="0"/>
+              <a:t> foarte </a:t>
+            </a:r>
+            <a:r>
+              <a:rPr lang="en-US" dirty="0" err="1"/>
+              <a:t>asemanatori</a:t>
+            </a:r>
+            <a:r>
+              <a:rPr lang="en-US" dirty="0"/>
+              <a:t> cu Merge Sort pentru toate </a:t>
+            </a:r>
+            <a:r>
+              <a:rPr lang="en-US" dirty="0" err="1"/>
+              <a:t>cazurile</a:t>
+            </a:r>
+            <a:r>
+              <a:rPr lang="en-US" dirty="0"/>
+              <a:t>, dar cea din </a:t>
+            </a:r>
+            <a:r>
+              <a:rPr lang="en-US" dirty="0" err="1"/>
+              <a:t>urma</a:t>
+            </a:r>
+            <a:r>
+              <a:rPr lang="en-US" dirty="0"/>
+              <a:t> </a:t>
+            </a:r>
+            <a:r>
+              <a:rPr lang="en-US" dirty="0" err="1"/>
+              <a:t>ocupa</a:t>
+            </a:r>
+            <a:r>
+              <a:rPr lang="en-US" dirty="0"/>
+              <a:t> mai </a:t>
+            </a:r>
+            <a:r>
+              <a:rPr lang="en-US" dirty="0" err="1"/>
+              <a:t>putin</a:t>
+            </a:r>
+            <a:r>
+              <a:rPr lang="en-US" dirty="0"/>
+              <a:t> </a:t>
+            </a:r>
+            <a:r>
+              <a:rPr lang="en-US" dirty="0" err="1"/>
+              <a:t>spatiu</a:t>
+            </a:r>
+            <a:r>
+              <a:rPr lang="en-US" dirty="0"/>
+              <a:t> de </a:t>
+            </a:r>
+            <a:r>
+              <a:rPr lang="en-US" dirty="0" err="1"/>
+              <a:t>stocare</a:t>
+            </a:r>
+            <a:r>
+              <a:rPr lang="en-US" dirty="0"/>
+              <a:t> </a:t>
+            </a:r>
+            <a:r>
+              <a:rPr lang="en-US" dirty="0" err="1"/>
+              <a:t>suplimentar</a:t>
+            </a:r>
+            <a:endParaRPr lang="en-US" dirty="0"/>
+          </a:p>
+          <a:p>
+            <a:r>
+              <a:rPr lang="en-US" dirty="0"/>
+              <a:t>Pentru N &lt;=10^5, quick sort este cea mai </a:t>
+            </a:r>
+            <a:r>
+              <a:rPr lang="en-US" dirty="0" err="1"/>
+              <a:t>rapida</a:t>
+            </a:r>
+            <a:r>
+              <a:rPr lang="en-US" dirty="0"/>
+              <a:t> indifferent de </a:t>
+            </a:r>
+            <a:r>
+              <a:rPr lang="en-US" dirty="0" err="1"/>
+              <a:t>valoarea</a:t>
+            </a:r>
+            <a:r>
+              <a:rPr lang="en-US" dirty="0"/>
+              <a:t> maxima din vector </a:t>
+            </a:r>
+            <a:r>
+              <a:rPr lang="en-US" dirty="0" err="1"/>
+              <a:t>si</a:t>
+            </a:r>
+            <a:r>
+              <a:rPr lang="en-US" dirty="0"/>
+              <a:t>, pentru ca nu </a:t>
+            </a:r>
+            <a:r>
+              <a:rPr lang="en-US" dirty="0" err="1"/>
+              <a:t>foloseste</a:t>
+            </a:r>
+            <a:r>
+              <a:rPr lang="en-US" dirty="0"/>
+              <a:t> </a:t>
+            </a:r>
+            <a:r>
+              <a:rPr lang="en-US" dirty="0" err="1"/>
+              <a:t>memorie</a:t>
+            </a:r>
+            <a:r>
+              <a:rPr lang="en-US" dirty="0"/>
+              <a:t> </a:t>
+            </a:r>
+            <a:r>
+              <a:rPr lang="en-US" dirty="0" err="1"/>
+              <a:t>suplimentara</a:t>
+            </a:r>
+            <a:r>
+              <a:rPr lang="en-US" dirty="0"/>
+              <a:t> este </a:t>
+            </a:r>
+            <a:r>
+              <a:rPr lang="en-US" dirty="0" err="1"/>
+              <a:t>si</a:t>
+            </a:r>
+            <a:r>
+              <a:rPr lang="en-US" dirty="0"/>
+              <a:t> cea mai </a:t>
+            </a:r>
+            <a:r>
+              <a:rPr lang="en-US" dirty="0" err="1"/>
+              <a:t>eficienta</a:t>
+            </a:r>
+            <a:r>
+              <a:rPr lang="en-US" dirty="0"/>
+              <a:t> in </a:t>
+            </a:r>
+            <a:r>
+              <a:rPr lang="en-US" dirty="0" err="1"/>
+              <a:t>aceste</a:t>
+            </a:r>
+            <a:r>
+              <a:rPr lang="en-US" dirty="0"/>
+              <a:t> </a:t>
+            </a:r>
+            <a:r>
+              <a:rPr lang="en-US" dirty="0" err="1"/>
+              <a:t>cazuri</a:t>
+            </a:r>
+            <a:r>
+              <a:rPr lang="en-US" dirty="0"/>
+              <a:t>.</a:t>
+            </a:r>
+          </a:p>
+        </p:txBody>
+      </p:sp>
+    </p:spTree>
+    <p:extLst>
+      <p:ext uri="{BB962C8B-B14F-4D97-AF65-F5344CB8AC3E}">
+        <p14:creationId xmlns:p14="http://schemas.microsoft.com/office/powerpoint/2010/main" val="552496325"/>
       </p:ext>
     </p:extLst>
   </p:cSld>

--- a/proiect1SD/Prezentare.pptx
+++ b/proiect1SD/Prezentare.pptx
@@ -12,8 +12,10 @@
     <p:sldId id="259" r:id="rId6"/>
     <p:sldId id="262" r:id="rId7"/>
     <p:sldId id="260" r:id="rId8"/>
-    <p:sldId id="261" r:id="rId9"/>
-    <p:sldId id="264" r:id="rId10"/>
+    <p:sldId id="266" r:id="rId9"/>
+    <p:sldId id="261" r:id="rId10"/>
+    <p:sldId id="265" r:id="rId11"/>
+    <p:sldId id="264" r:id="rId12"/>
   </p:sldIdLst>
   <p:sldSz cx="12192000" cy="6858000"/>
   <p:notesSz cx="6858000" cy="9144000"/>
@@ -1415,7 +1417,7 @@
           <a:p>
             <a:fld id="{F42E648E-7B44-4565-9FBB-344473D93B5F}" type="datetimeFigureOut">
               <a:rPr lang="en-US" smtClean="0"/>
-              <a:t>3/15/2023</a:t>
+              <a:t>3/17/2023</a:t>
             </a:fld>
             <a:endParaRPr lang="en-US"/>
           </a:p>
@@ -1690,7 +1692,7 @@
           <a:p>
             <a:fld id="{F42E648E-7B44-4565-9FBB-344473D93B5F}" type="datetimeFigureOut">
               <a:rPr lang="en-US" smtClean="0"/>
-              <a:t>3/15/2023</a:t>
+              <a:t>3/17/2023</a:t>
             </a:fld>
             <a:endParaRPr lang="en-US"/>
           </a:p>
@@ -1884,7 +1886,7 @@
           <a:p>
             <a:fld id="{F42E648E-7B44-4565-9FBB-344473D93B5F}" type="datetimeFigureOut">
               <a:rPr lang="en-US" smtClean="0"/>
-              <a:t>3/15/2023</a:t>
+              <a:t>3/17/2023</a:t>
             </a:fld>
             <a:endParaRPr lang="en-US"/>
           </a:p>
@@ -2152,7 +2154,7 @@
           <a:p>
             <a:fld id="{F42E648E-7B44-4565-9FBB-344473D93B5F}" type="datetimeFigureOut">
               <a:rPr lang="en-US" smtClean="0"/>
-              <a:t>3/15/2023</a:t>
+              <a:t>3/17/2023</a:t>
             </a:fld>
             <a:endParaRPr lang="en-US"/>
           </a:p>
@@ -2484,7 +2486,7 @@
           <a:p>
             <a:fld id="{F42E648E-7B44-4565-9FBB-344473D93B5F}" type="datetimeFigureOut">
               <a:rPr lang="en-US" smtClean="0"/>
-              <a:t>3/15/2023</a:t>
+              <a:t>3/17/2023</a:t>
             </a:fld>
             <a:endParaRPr lang="en-US"/>
           </a:p>
@@ -3094,7 +3096,7 @@
           <a:p>
             <a:fld id="{F42E648E-7B44-4565-9FBB-344473D93B5F}" type="datetimeFigureOut">
               <a:rPr lang="en-US" smtClean="0"/>
-              <a:t>3/15/2023</a:t>
+              <a:t>3/17/2023</a:t>
             </a:fld>
             <a:endParaRPr lang="en-US"/>
           </a:p>
@@ -3941,7 +3943,7 @@
           <a:p>
             <a:fld id="{F42E648E-7B44-4565-9FBB-344473D93B5F}" type="datetimeFigureOut">
               <a:rPr lang="en-US" smtClean="0"/>
-              <a:t>3/15/2023</a:t>
+              <a:t>3/17/2023</a:t>
             </a:fld>
             <a:endParaRPr lang="en-US"/>
           </a:p>
@@ -4111,7 +4113,7 @@
           <a:p>
             <a:fld id="{F42E648E-7B44-4565-9FBB-344473D93B5F}" type="datetimeFigureOut">
               <a:rPr lang="en-US" smtClean="0"/>
-              <a:t>3/15/2023</a:t>
+              <a:t>3/17/2023</a:t>
             </a:fld>
             <a:endParaRPr lang="en-US"/>
           </a:p>
@@ -4291,7 +4293,7 @@
           <a:p>
             <a:fld id="{F42E648E-7B44-4565-9FBB-344473D93B5F}" type="datetimeFigureOut">
               <a:rPr lang="en-US" smtClean="0"/>
-              <a:t>3/15/2023</a:t>
+              <a:t>3/17/2023</a:t>
             </a:fld>
             <a:endParaRPr lang="en-US"/>
           </a:p>
@@ -4461,7 +4463,7 @@
           <a:p>
             <a:fld id="{F42E648E-7B44-4565-9FBB-344473D93B5F}" type="datetimeFigureOut">
               <a:rPr lang="en-US" smtClean="0"/>
-              <a:t>3/15/2023</a:t>
+              <a:t>3/17/2023</a:t>
             </a:fld>
             <a:endParaRPr lang="en-US"/>
           </a:p>
@@ -4705,7 +4707,7 @@
           <a:p>
             <a:fld id="{F42E648E-7B44-4565-9FBB-344473D93B5F}" type="datetimeFigureOut">
               <a:rPr lang="en-US" smtClean="0"/>
-              <a:t>3/15/2023</a:t>
+              <a:t>3/17/2023</a:t>
             </a:fld>
             <a:endParaRPr lang="en-US"/>
           </a:p>
@@ -4997,7 +4999,7 @@
           <a:p>
             <a:fld id="{F42E648E-7B44-4565-9FBB-344473D93B5F}" type="datetimeFigureOut">
               <a:rPr lang="en-US" smtClean="0"/>
-              <a:t>3/15/2023</a:t>
+              <a:t>3/17/2023</a:t>
             </a:fld>
             <a:endParaRPr lang="en-US"/>
           </a:p>
@@ -5435,7 +5437,7 @@
           <a:p>
             <a:fld id="{F42E648E-7B44-4565-9FBB-344473D93B5F}" type="datetimeFigureOut">
               <a:rPr lang="en-US" smtClean="0"/>
-              <a:t>3/15/2023</a:t>
+              <a:t>3/17/2023</a:t>
             </a:fld>
             <a:endParaRPr lang="en-US"/>
           </a:p>
@@ -5553,7 +5555,7 @@
           <a:p>
             <a:fld id="{F42E648E-7B44-4565-9FBB-344473D93B5F}" type="datetimeFigureOut">
               <a:rPr lang="en-US" smtClean="0"/>
-              <a:t>3/15/2023</a:t>
+              <a:t>3/17/2023</a:t>
             </a:fld>
             <a:endParaRPr lang="en-US"/>
           </a:p>
@@ -5648,7 +5650,7 @@
           <a:p>
             <a:fld id="{F42E648E-7B44-4565-9FBB-344473D93B5F}" type="datetimeFigureOut">
               <a:rPr lang="en-US" smtClean="0"/>
-              <a:t>3/15/2023</a:t>
+              <a:t>3/17/2023</a:t>
             </a:fld>
             <a:endParaRPr lang="en-US"/>
           </a:p>
@@ -5927,7 +5929,7 @@
           <a:p>
             <a:fld id="{F42E648E-7B44-4565-9FBB-344473D93B5F}" type="datetimeFigureOut">
               <a:rPr lang="en-US" smtClean="0"/>
-              <a:t>3/15/2023</a:t>
+              <a:t>3/17/2023</a:t>
             </a:fld>
             <a:endParaRPr lang="en-US"/>
           </a:p>
@@ -6202,7 +6204,7 @@
           <a:p>
             <a:fld id="{F42E648E-7B44-4565-9FBB-344473D93B5F}" type="datetimeFigureOut">
               <a:rPr lang="en-US" smtClean="0"/>
-              <a:t>3/15/2023</a:t>
+              <a:t>3/17/2023</a:t>
             </a:fld>
             <a:endParaRPr lang="en-US"/>
           </a:p>
@@ -6631,7 +6633,7 @@
           <a:p>
             <a:fld id="{F42E648E-7B44-4565-9FBB-344473D93B5F}" type="datetimeFigureOut">
               <a:rPr lang="en-US" smtClean="0"/>
-              <a:t>3/15/2023</a:t>
+              <a:t>3/17/2023</a:t>
             </a:fld>
             <a:endParaRPr lang="en-US"/>
           </a:p>
@@ -7220,6 +7222,1622 @@
 </p:sld>
 </file>
 
+<file path=ppt/slides/slide10.xml><?xml version="1.0" encoding="utf-8"?>
+<p:sld xmlns:a="http://schemas.openxmlformats.org/drawingml/2006/main" xmlns:r="http://schemas.openxmlformats.org/officeDocument/2006/relationships" xmlns:p="http://schemas.openxmlformats.org/presentationml/2006/main">
+  <p:cSld>
+    <p:spTree>
+      <p:nvGrpSpPr>
+        <p:cNvPr id="1" name=""/>
+        <p:cNvGrpSpPr/>
+        <p:nvPr/>
+      </p:nvGrpSpPr>
+      <p:grpSpPr>
+        <a:xfrm>
+          <a:off x="0" y="0"/>
+          <a:ext cx="0" cy="0"/>
+          <a:chOff x="0" y="0"/>
+          <a:chExt cx="0" cy="0"/>
+        </a:xfrm>
+      </p:grpSpPr>
+      <p:sp>
+        <p:nvSpPr>
+          <p:cNvPr id="2" name="Title 1">
+            <a:extLst>
+              <a:ext uri="{FF2B5EF4-FFF2-40B4-BE49-F238E27FC236}">
+                <a16:creationId xmlns:a16="http://schemas.microsoft.com/office/drawing/2014/main" id="{73502D96-AC3F-AF27-05C5-30D7C727F824}"/>
+              </a:ext>
+            </a:extLst>
+          </p:cNvPr>
+          <p:cNvSpPr>
+            <a:spLocks noGrp="1"/>
+          </p:cNvSpPr>
+          <p:nvPr>
+            <p:ph type="title"/>
+          </p:nvPr>
+        </p:nvSpPr>
+        <p:spPr/>
+        <p:txBody>
+          <a:bodyPr/>
+          <a:lstStyle/>
+          <a:p>
+            <a:r>
+              <a:rPr lang="en-US" dirty="0" err="1"/>
+              <a:t>Timpi</a:t>
+            </a:r>
+            <a:r>
+              <a:rPr lang="en-US" dirty="0"/>
+              <a:t> de </a:t>
+            </a:r>
+            <a:r>
+              <a:rPr lang="en-US" dirty="0" err="1"/>
+              <a:t>executie</a:t>
+            </a:r>
+            <a:r>
+              <a:rPr lang="en-US" dirty="0"/>
+              <a:t> (in </a:t>
+            </a:r>
+            <a:r>
+              <a:rPr lang="en-US" dirty="0" err="1"/>
+              <a:t>secunde</a:t>
+            </a:r>
+            <a:r>
+              <a:rPr lang="en-US" dirty="0"/>
+              <a:t>)</a:t>
+            </a:r>
+          </a:p>
+        </p:txBody>
+      </p:sp>
+      <p:graphicFrame>
+        <p:nvGraphicFramePr>
+          <p:cNvPr id="7" name="Table 7">
+            <a:extLst>
+              <a:ext uri="{FF2B5EF4-FFF2-40B4-BE49-F238E27FC236}">
+                <a16:creationId xmlns:a16="http://schemas.microsoft.com/office/drawing/2014/main" id="{EF147CF2-43A3-AF3F-F2AD-21DF68302D76}"/>
+              </a:ext>
+            </a:extLst>
+          </p:cNvPr>
+          <p:cNvGraphicFramePr>
+            <a:graphicFrameLocks noGrp="1"/>
+          </p:cNvGraphicFramePr>
+          <p:nvPr>
+            <p:ph idx="1"/>
+            <p:extLst>
+              <p:ext uri="{D42A27DB-BD31-4B8C-83A1-F6EECF244321}">
+                <p14:modId xmlns:p14="http://schemas.microsoft.com/office/powerpoint/2010/main" val="2317329292"/>
+              </p:ext>
+            </p:extLst>
+          </p:nvPr>
+        </p:nvGraphicFramePr>
+        <p:xfrm>
+          <a:off x="646111" y="1396654"/>
+          <a:ext cx="10552293" cy="4815840"/>
+        </p:xfrm>
+        <a:graphic>
+          <a:graphicData uri="http://schemas.openxmlformats.org/drawingml/2006/table">
+            <a:tbl>
+              <a:tblPr firstRow="1" bandRow="1">
+                <a:tableStyleId>{5C22544A-7EE6-4342-B048-85BDC9FD1C3A}</a:tableStyleId>
+              </a:tblPr>
+              <a:tblGrid>
+                <a:gridCol w="2599055">
+                  <a:extLst>
+                    <a:ext uri="{9D8B030D-6E8A-4147-A177-3AD203B41FA5}">
+                      <a16:colId xmlns:a16="http://schemas.microsoft.com/office/drawing/2014/main" val="1550331228"/>
+                    </a:ext>
+                  </a:extLst>
+                </a:gridCol>
+                <a:gridCol w="1278164">
+                  <a:extLst>
+                    <a:ext uri="{9D8B030D-6E8A-4147-A177-3AD203B41FA5}">
+                      <a16:colId xmlns:a16="http://schemas.microsoft.com/office/drawing/2014/main" val="1935492260"/>
+                    </a:ext>
+                  </a:extLst>
+                </a:gridCol>
+                <a:gridCol w="1278164">
+                  <a:extLst>
+                    <a:ext uri="{9D8B030D-6E8A-4147-A177-3AD203B41FA5}">
+                      <a16:colId xmlns:a16="http://schemas.microsoft.com/office/drawing/2014/main" val="3527415434"/>
+                    </a:ext>
+                  </a:extLst>
+                </a:gridCol>
+                <a:gridCol w="1278164">
+                  <a:extLst>
+                    <a:ext uri="{9D8B030D-6E8A-4147-A177-3AD203B41FA5}">
+                      <a16:colId xmlns:a16="http://schemas.microsoft.com/office/drawing/2014/main" val="1759638750"/>
+                    </a:ext>
+                  </a:extLst>
+                </a:gridCol>
+                <a:gridCol w="1278164">
+                  <a:extLst>
+                    <a:ext uri="{9D8B030D-6E8A-4147-A177-3AD203B41FA5}">
+                      <a16:colId xmlns:a16="http://schemas.microsoft.com/office/drawing/2014/main" val="1527337262"/>
+                    </a:ext>
+                  </a:extLst>
+                </a:gridCol>
+                <a:gridCol w="1562418">
+                  <a:extLst>
+                    <a:ext uri="{9D8B030D-6E8A-4147-A177-3AD203B41FA5}">
+                      <a16:colId xmlns:a16="http://schemas.microsoft.com/office/drawing/2014/main" val="3545161430"/>
+                    </a:ext>
+                  </a:extLst>
+                </a:gridCol>
+                <a:gridCol w="1278164">
+                  <a:extLst>
+                    <a:ext uri="{9D8B030D-6E8A-4147-A177-3AD203B41FA5}">
+                      <a16:colId xmlns:a16="http://schemas.microsoft.com/office/drawing/2014/main" val="2036983925"/>
+                    </a:ext>
+                  </a:extLst>
+                </a:gridCol>
+              </a:tblGrid>
+              <a:tr h="370840">
+                <a:tc>
+                  <a:txBody>
+                    <a:bodyPr/>
+                    <a:lstStyle/>
+                    <a:p>
+                      <a:r>
+                        <a:rPr lang="en-US" dirty="0"/>
+                        <a:t>Teste/</a:t>
+                      </a:r>
+                      <a:r>
+                        <a:rPr lang="en-US" dirty="0" err="1"/>
+                        <a:t>Sortare</a:t>
+                      </a:r>
+                      <a:endParaRPr lang="en-US" dirty="0"/>
+                    </a:p>
+                  </a:txBody>
+                  <a:tcPr/>
+                </a:tc>
+                <a:tc>
+                  <a:txBody>
+                    <a:bodyPr/>
+                    <a:lstStyle/>
+                    <a:p>
+                      <a:r>
+                        <a:rPr lang="en-US" dirty="0"/>
+                        <a:t>STL</a:t>
+                      </a:r>
+                    </a:p>
+                  </a:txBody>
+                  <a:tcPr/>
+                </a:tc>
+                <a:tc>
+                  <a:txBody>
+                    <a:bodyPr/>
+                    <a:lstStyle/>
+                    <a:p>
+                      <a:r>
+                        <a:rPr lang="en-US" dirty="0"/>
+                        <a:t>Shell</a:t>
+                      </a:r>
+                    </a:p>
+                  </a:txBody>
+                  <a:tcPr/>
+                </a:tc>
+                <a:tc>
+                  <a:txBody>
+                    <a:bodyPr/>
+                    <a:lstStyle/>
+                    <a:p>
+                      <a:r>
+                        <a:rPr lang="en-US" dirty="0"/>
+                        <a:t>Count</a:t>
+                      </a:r>
+                    </a:p>
+                  </a:txBody>
+                  <a:tcPr/>
+                </a:tc>
+                <a:tc>
+                  <a:txBody>
+                    <a:bodyPr/>
+                    <a:lstStyle/>
+                    <a:p>
+                      <a:r>
+                        <a:rPr lang="en-US" dirty="0"/>
+                        <a:t>Merge</a:t>
+                      </a:r>
+                    </a:p>
+                  </a:txBody>
+                  <a:tcPr/>
+                </a:tc>
+                <a:tc>
+                  <a:txBody>
+                    <a:bodyPr/>
+                    <a:lstStyle/>
+                    <a:p>
+                      <a:r>
+                        <a:rPr lang="en-US" dirty="0"/>
+                        <a:t>Radix(2^10)</a:t>
+                      </a:r>
+                    </a:p>
+                  </a:txBody>
+                  <a:tcPr/>
+                </a:tc>
+                <a:tc>
+                  <a:txBody>
+                    <a:bodyPr/>
+                    <a:lstStyle/>
+                    <a:p>
+                      <a:r>
+                        <a:rPr lang="en-US" dirty="0"/>
+                        <a:t>Quick</a:t>
+                      </a:r>
+                    </a:p>
+                  </a:txBody>
+                  <a:tcPr/>
+                </a:tc>
+                <a:extLst>
+                  <a:ext uri="{0D108BD9-81ED-4DB2-BD59-A6C34878D82A}">
+                    <a16:rowId xmlns:a16="http://schemas.microsoft.com/office/drawing/2014/main" val="2047991637"/>
+                  </a:ext>
+                </a:extLst>
+              </a:tr>
+              <a:tr h="370840">
+                <a:tc>
+                  <a:txBody>
+                    <a:bodyPr/>
+                    <a:lstStyle/>
+                    <a:p>
+                      <a:pPr marL="0" marR="0" lvl="0" indent="0" algn="l" defTabSz="457200" rtl="0" eaLnBrk="1" fontAlgn="auto" latinLnBrk="0" hangingPunct="1">
+                        <a:lnSpc>
+                          <a:spcPct val="100000"/>
+                        </a:lnSpc>
+                        <a:spcBef>
+                          <a:spcPts val="0"/>
+                        </a:spcBef>
+                        <a:spcAft>
+                          <a:spcPts val="0"/>
+                        </a:spcAft>
+                        <a:buClrTx/>
+                        <a:buSzTx/>
+                        <a:buFontTx/>
+                        <a:buNone/>
+                        <a:tabLst/>
+                        <a:defRPr/>
+                      </a:pPr>
+                      <a:r>
+                        <a:rPr lang="en-US" dirty="0"/>
+                        <a:t>10^4,10^4</a:t>
+                      </a:r>
+                    </a:p>
+                  </a:txBody>
+                  <a:tcPr/>
+                </a:tc>
+                <a:tc>
+                  <a:txBody>
+                    <a:bodyPr/>
+                    <a:lstStyle/>
+                    <a:p>
+                      <a:r>
+                        <a:rPr lang="en-US" dirty="0"/>
+                        <a:t>&lt; 0.001</a:t>
+                      </a:r>
+                    </a:p>
+                  </a:txBody>
+                  <a:tcPr/>
+                </a:tc>
+                <a:tc>
+                  <a:txBody>
+                    <a:bodyPr/>
+                    <a:lstStyle/>
+                    <a:p>
+                      <a:r>
+                        <a:rPr lang="en-US" dirty="0"/>
+                        <a:t>&lt; 0.001</a:t>
+                      </a:r>
+                    </a:p>
+                  </a:txBody>
+                  <a:tcPr/>
+                </a:tc>
+                <a:tc>
+                  <a:txBody>
+                    <a:bodyPr/>
+                    <a:lstStyle/>
+                    <a:p>
+                      <a:pPr marL="0" marR="0" lvl="0" indent="0" algn="l" defTabSz="457200" rtl="0" eaLnBrk="1" fontAlgn="auto" latinLnBrk="0" hangingPunct="1">
+                        <a:lnSpc>
+                          <a:spcPct val="100000"/>
+                        </a:lnSpc>
+                        <a:spcBef>
+                          <a:spcPts val="0"/>
+                        </a:spcBef>
+                        <a:spcAft>
+                          <a:spcPts val="0"/>
+                        </a:spcAft>
+                        <a:buClrTx/>
+                        <a:buSzTx/>
+                        <a:buFontTx/>
+                        <a:buNone/>
+                        <a:tabLst/>
+                        <a:defRPr/>
+                      </a:pPr>
+                      <a:r>
+                        <a:rPr lang="en-US" dirty="0"/>
+                        <a:t>&lt; 0.001</a:t>
+                      </a:r>
+                    </a:p>
+                  </a:txBody>
+                  <a:tcPr/>
+                </a:tc>
+                <a:tc>
+                  <a:txBody>
+                    <a:bodyPr/>
+                    <a:lstStyle/>
+                    <a:p>
+                      <a:pPr marL="0" marR="0" lvl="0" indent="0" algn="l" defTabSz="457200" rtl="0" eaLnBrk="1" fontAlgn="auto" latinLnBrk="0" hangingPunct="1">
+                        <a:lnSpc>
+                          <a:spcPct val="100000"/>
+                        </a:lnSpc>
+                        <a:spcBef>
+                          <a:spcPts val="0"/>
+                        </a:spcBef>
+                        <a:spcAft>
+                          <a:spcPts val="0"/>
+                        </a:spcAft>
+                        <a:buClrTx/>
+                        <a:buSzTx/>
+                        <a:buFontTx/>
+                        <a:buNone/>
+                        <a:tabLst/>
+                        <a:defRPr/>
+                      </a:pPr>
+                      <a:r>
+                        <a:rPr lang="en-US" dirty="0"/>
+                        <a:t>&lt; 0.001</a:t>
+                      </a:r>
+                    </a:p>
+                  </a:txBody>
+                  <a:tcPr/>
+                </a:tc>
+                <a:tc>
+                  <a:txBody>
+                    <a:bodyPr/>
+                    <a:lstStyle/>
+                    <a:p>
+                      <a:r>
+                        <a:rPr lang="en-US" dirty="0"/>
+                        <a:t>0.016</a:t>
+                      </a:r>
+                    </a:p>
+                  </a:txBody>
+                  <a:tcPr/>
+                </a:tc>
+                <a:tc>
+                  <a:txBody>
+                    <a:bodyPr/>
+                    <a:lstStyle/>
+                    <a:p>
+                      <a:r>
+                        <a:rPr lang="en-US" dirty="0"/>
+                        <a:t>&lt; 0.001</a:t>
+                      </a:r>
+                    </a:p>
+                  </a:txBody>
+                  <a:tcPr/>
+                </a:tc>
+                <a:extLst>
+                  <a:ext uri="{0D108BD9-81ED-4DB2-BD59-A6C34878D82A}">
+                    <a16:rowId xmlns:a16="http://schemas.microsoft.com/office/drawing/2014/main" val="408700953"/>
+                  </a:ext>
+                </a:extLst>
+              </a:tr>
+              <a:tr h="370840">
+                <a:tc>
+                  <a:txBody>
+                    <a:bodyPr/>
+                    <a:lstStyle/>
+                    <a:p>
+                      <a:r>
+                        <a:rPr lang="en-US" dirty="0"/>
+                        <a:t>10^4,10^8</a:t>
+                      </a:r>
+                    </a:p>
+                  </a:txBody>
+                  <a:tcPr/>
+                </a:tc>
+                <a:tc>
+                  <a:txBody>
+                    <a:bodyPr/>
+                    <a:lstStyle/>
+                    <a:p>
+                      <a:r>
+                        <a:rPr lang="en-US" dirty="0"/>
+                        <a:t>&lt;0.001</a:t>
+                      </a:r>
+                    </a:p>
+                  </a:txBody>
+                  <a:tcPr/>
+                </a:tc>
+                <a:tc>
+                  <a:txBody>
+                    <a:bodyPr/>
+                    <a:lstStyle/>
+                    <a:p>
+                      <a:r>
+                        <a:rPr lang="en-US" dirty="0"/>
+                        <a:t>0.016</a:t>
+                      </a:r>
+                    </a:p>
+                  </a:txBody>
+                  <a:tcPr/>
+                </a:tc>
+                <a:tc>
+                  <a:txBody>
+                    <a:bodyPr/>
+                    <a:lstStyle/>
+                    <a:p>
+                      <a:r>
+                        <a:rPr lang="en-US" dirty="0"/>
+                        <a:t>0.252</a:t>
+                      </a:r>
+                    </a:p>
+                  </a:txBody>
+                  <a:tcPr/>
+                </a:tc>
+                <a:tc>
+                  <a:txBody>
+                    <a:bodyPr/>
+                    <a:lstStyle/>
+                    <a:p>
+                      <a:r>
+                        <a:rPr lang="en-US" dirty="0"/>
+                        <a:t>&lt;0.001</a:t>
+                      </a:r>
+                    </a:p>
+                  </a:txBody>
+                  <a:tcPr/>
+                </a:tc>
+                <a:tc>
+                  <a:txBody>
+                    <a:bodyPr/>
+                    <a:lstStyle/>
+                    <a:p>
+                      <a:r>
+                        <a:rPr lang="en-US" dirty="0"/>
+                        <a:t>&lt;0.001</a:t>
+                      </a:r>
+                    </a:p>
+                  </a:txBody>
+                  <a:tcPr/>
+                </a:tc>
+                <a:tc>
+                  <a:txBody>
+                    <a:bodyPr/>
+                    <a:lstStyle/>
+                    <a:p>
+                      <a:r>
+                        <a:rPr lang="en-US" dirty="0"/>
+                        <a:t>&lt;0.001</a:t>
+                      </a:r>
+                    </a:p>
+                  </a:txBody>
+                  <a:tcPr/>
+                </a:tc>
+                <a:extLst>
+                  <a:ext uri="{0D108BD9-81ED-4DB2-BD59-A6C34878D82A}">
+                    <a16:rowId xmlns:a16="http://schemas.microsoft.com/office/drawing/2014/main" val="339418505"/>
+                  </a:ext>
+                </a:extLst>
+              </a:tr>
+              <a:tr h="370840">
+                <a:tc>
+                  <a:txBody>
+                    <a:bodyPr/>
+                    <a:lstStyle/>
+                    <a:p>
+                      <a:r>
+                        <a:rPr lang="en-US" dirty="0"/>
+                        <a:t>10^5, 10^4</a:t>
+                      </a:r>
+                    </a:p>
+                  </a:txBody>
+                  <a:tcPr/>
+                </a:tc>
+                <a:tc>
+                  <a:txBody>
+                    <a:bodyPr/>
+                    <a:lstStyle/>
+                    <a:p>
+                      <a:r>
+                        <a:rPr lang="en-US" dirty="0"/>
+                        <a:t>0.023</a:t>
+                      </a:r>
+                    </a:p>
+                  </a:txBody>
+                  <a:tcPr/>
+                </a:tc>
+                <a:tc>
+                  <a:txBody>
+                    <a:bodyPr/>
+                    <a:lstStyle/>
+                    <a:p>
+                      <a:r>
+                        <a:rPr lang="en-US" dirty="0"/>
+                        <a:t>0.04</a:t>
+                      </a:r>
+                    </a:p>
+                  </a:txBody>
+                  <a:tcPr/>
+                </a:tc>
+                <a:tc>
+                  <a:txBody>
+                    <a:bodyPr/>
+                    <a:lstStyle/>
+                    <a:p>
+                      <a:r>
+                        <a:rPr lang="en-US" dirty="0"/>
+                        <a:t>&lt;0.001</a:t>
+                      </a:r>
+                    </a:p>
+                  </a:txBody>
+                  <a:tcPr/>
+                </a:tc>
+                <a:tc>
+                  <a:txBody>
+                    <a:bodyPr/>
+                    <a:lstStyle/>
+                    <a:p>
+                      <a:r>
+                        <a:rPr lang="en-US" dirty="0"/>
+                        <a:t>0.016</a:t>
+                      </a:r>
+                    </a:p>
+                  </a:txBody>
+                  <a:tcPr/>
+                </a:tc>
+                <a:tc>
+                  <a:txBody>
+                    <a:bodyPr/>
+                    <a:lstStyle/>
+                    <a:p>
+                      <a:r>
+                        <a:rPr lang="en-US" dirty="0"/>
+                        <a:t>&lt;0.001</a:t>
+                      </a:r>
+                    </a:p>
+                  </a:txBody>
+                  <a:tcPr/>
+                </a:tc>
+                <a:tc>
+                  <a:txBody>
+                    <a:bodyPr/>
+                    <a:lstStyle/>
+                    <a:p>
+                      <a:r>
+                        <a:rPr lang="en-US" dirty="0"/>
+                        <a:t>0.031</a:t>
+                      </a:r>
+                    </a:p>
+                  </a:txBody>
+                  <a:tcPr/>
+                </a:tc>
+                <a:extLst>
+                  <a:ext uri="{0D108BD9-81ED-4DB2-BD59-A6C34878D82A}">
+                    <a16:rowId xmlns:a16="http://schemas.microsoft.com/office/drawing/2014/main" val="4037802996"/>
+                  </a:ext>
+                </a:extLst>
+              </a:tr>
+              <a:tr h="370840">
+                <a:tc>
+                  <a:txBody>
+                    <a:bodyPr/>
+                    <a:lstStyle/>
+                    <a:p>
+                      <a:r>
+                        <a:rPr lang="en-US" dirty="0"/>
+                        <a:t>10^5, 10^8</a:t>
+                      </a:r>
+                    </a:p>
+                  </a:txBody>
+                  <a:tcPr/>
+                </a:tc>
+                <a:tc>
+                  <a:txBody>
+                    <a:bodyPr/>
+                    <a:lstStyle/>
+                    <a:p>
+                      <a:r>
+                        <a:rPr lang="en-US" dirty="0"/>
+                        <a:t>0.015</a:t>
+                      </a:r>
+                    </a:p>
+                  </a:txBody>
+                  <a:tcPr/>
+                </a:tc>
+                <a:tc>
+                  <a:txBody>
+                    <a:bodyPr/>
+                    <a:lstStyle/>
+                    <a:p>
+                      <a:r>
+                        <a:rPr lang="en-US" dirty="0"/>
+                        <a:t>0.063</a:t>
+                      </a:r>
+                    </a:p>
+                  </a:txBody>
+                  <a:tcPr/>
+                </a:tc>
+                <a:tc>
+                  <a:txBody>
+                    <a:bodyPr/>
+                    <a:lstStyle/>
+                    <a:p>
+                      <a:r>
+                        <a:rPr lang="en-US" dirty="0"/>
+                        <a:t>0.251</a:t>
+                      </a:r>
+                    </a:p>
+                  </a:txBody>
+                  <a:tcPr/>
+                </a:tc>
+                <a:tc>
+                  <a:txBody>
+                    <a:bodyPr/>
+                    <a:lstStyle/>
+                    <a:p>
+                      <a:r>
+                        <a:rPr lang="en-US" dirty="0"/>
+                        <a:t>0.016</a:t>
+                      </a:r>
+                    </a:p>
+                  </a:txBody>
+                  <a:tcPr/>
+                </a:tc>
+                <a:tc>
+                  <a:txBody>
+                    <a:bodyPr/>
+                    <a:lstStyle/>
+                    <a:p>
+                      <a:r>
+                        <a:rPr lang="en-US" dirty="0"/>
+                        <a:t>0.015</a:t>
+                      </a:r>
+                    </a:p>
+                  </a:txBody>
+                  <a:tcPr/>
+                </a:tc>
+                <a:tc>
+                  <a:txBody>
+                    <a:bodyPr/>
+                    <a:lstStyle/>
+                    <a:p>
+                      <a:r>
+                        <a:rPr lang="en-US" dirty="0"/>
+                        <a:t>0.016</a:t>
+                      </a:r>
+                    </a:p>
+                  </a:txBody>
+                  <a:tcPr/>
+                </a:tc>
+                <a:extLst>
+                  <a:ext uri="{0D108BD9-81ED-4DB2-BD59-A6C34878D82A}">
+                    <a16:rowId xmlns:a16="http://schemas.microsoft.com/office/drawing/2014/main" val="3339512471"/>
+                  </a:ext>
+                </a:extLst>
+              </a:tr>
+              <a:tr h="370840">
+                <a:tc>
+                  <a:txBody>
+                    <a:bodyPr/>
+                    <a:lstStyle/>
+                    <a:p>
+                      <a:pPr marL="0" marR="0" lvl="0" indent="0" algn="l" defTabSz="457200" rtl="0" eaLnBrk="1" fontAlgn="auto" latinLnBrk="0" hangingPunct="1">
+                        <a:lnSpc>
+                          <a:spcPct val="100000"/>
+                        </a:lnSpc>
+                        <a:spcBef>
+                          <a:spcPts val="0"/>
+                        </a:spcBef>
+                        <a:spcAft>
+                          <a:spcPts val="0"/>
+                        </a:spcAft>
+                        <a:buClrTx/>
+                        <a:buSzTx/>
+                        <a:buFontTx/>
+                        <a:buNone/>
+                        <a:tabLst/>
+                        <a:defRPr/>
+                      </a:pPr>
+                      <a:r>
+                        <a:rPr lang="en-US" dirty="0"/>
+                        <a:t>10^6, 10^3</a:t>
+                      </a:r>
+                    </a:p>
+                  </a:txBody>
+                  <a:tcPr/>
+                </a:tc>
+                <a:tc>
+                  <a:txBody>
+                    <a:bodyPr/>
+                    <a:lstStyle/>
+                    <a:p>
+                      <a:r>
+                        <a:rPr lang="en-US" dirty="0"/>
+                        <a:t>0.173</a:t>
+                      </a:r>
+                    </a:p>
+                  </a:txBody>
+                  <a:tcPr/>
+                </a:tc>
+                <a:tc>
+                  <a:txBody>
+                    <a:bodyPr/>
+                    <a:lstStyle/>
+                    <a:p>
+                      <a:r>
+                        <a:rPr lang="en-US" dirty="0"/>
+                        <a:t>0.534</a:t>
+                      </a:r>
+                    </a:p>
+                  </a:txBody>
+                  <a:tcPr/>
+                </a:tc>
+                <a:tc>
+                  <a:txBody>
+                    <a:bodyPr/>
+                    <a:lstStyle/>
+                    <a:p>
+                      <a:r>
+                        <a:rPr lang="en-US" dirty="0"/>
+                        <a:t>&lt;0.001</a:t>
+                      </a:r>
+                    </a:p>
+                  </a:txBody>
+                  <a:tcPr/>
+                </a:tc>
+                <a:tc>
+                  <a:txBody>
+                    <a:bodyPr/>
+                    <a:lstStyle/>
+                    <a:p>
+                      <a:r>
+                        <a:rPr lang="en-US" dirty="0"/>
+                        <a:t>0.157</a:t>
+                      </a:r>
+                    </a:p>
+                  </a:txBody>
+                  <a:tcPr/>
+                </a:tc>
+                <a:tc>
+                  <a:txBody>
+                    <a:bodyPr/>
+                    <a:lstStyle/>
+                    <a:p>
+                      <a:r>
+                        <a:rPr lang="en-US" dirty="0"/>
+                        <a:t>0.062</a:t>
+                      </a:r>
+                    </a:p>
+                  </a:txBody>
+                  <a:tcPr/>
+                </a:tc>
+                <a:tc>
+                  <a:txBody>
+                    <a:bodyPr/>
+                    <a:lstStyle/>
+                    <a:p>
+                      <a:r>
+                        <a:rPr lang="en-US" dirty="0"/>
+                        <a:t>1.38</a:t>
+                      </a:r>
+                    </a:p>
+                  </a:txBody>
+                  <a:tcPr/>
+                </a:tc>
+                <a:extLst>
+                  <a:ext uri="{0D108BD9-81ED-4DB2-BD59-A6C34878D82A}">
+                    <a16:rowId xmlns:a16="http://schemas.microsoft.com/office/drawing/2014/main" val="1193343425"/>
+                  </a:ext>
+                </a:extLst>
+              </a:tr>
+              <a:tr h="370840">
+                <a:tc>
+                  <a:txBody>
+                    <a:bodyPr/>
+                    <a:lstStyle/>
+                    <a:p>
+                      <a:r>
+                        <a:rPr lang="en-US" dirty="0"/>
+                        <a:t>10^6, 10^5</a:t>
+                      </a:r>
+                    </a:p>
+                  </a:txBody>
+                  <a:tcPr/>
+                </a:tc>
+                <a:tc>
+                  <a:txBody>
+                    <a:bodyPr/>
+                    <a:lstStyle/>
+                    <a:p>
+                      <a:r>
+                        <a:rPr lang="en-US" dirty="0"/>
+                        <a:t>0.188</a:t>
+                      </a:r>
+                    </a:p>
+                  </a:txBody>
+                  <a:tcPr/>
+                </a:tc>
+                <a:tc>
+                  <a:txBody>
+                    <a:bodyPr/>
+                    <a:lstStyle/>
+                    <a:p>
+                      <a:r>
+                        <a:rPr lang="en-US" dirty="0"/>
+                        <a:t>0.754</a:t>
+                      </a:r>
+                    </a:p>
+                  </a:txBody>
+                  <a:tcPr/>
+                </a:tc>
+                <a:tc>
+                  <a:txBody>
+                    <a:bodyPr/>
+                    <a:lstStyle/>
+                    <a:p>
+                      <a:r>
+                        <a:rPr lang="en-US" dirty="0"/>
+                        <a:t>0.006</a:t>
+                      </a:r>
+                    </a:p>
+                  </a:txBody>
+                  <a:tcPr/>
+                </a:tc>
+                <a:tc>
+                  <a:txBody>
+                    <a:bodyPr/>
+                    <a:lstStyle/>
+                    <a:p>
+                      <a:r>
+                        <a:rPr lang="en-US" dirty="0"/>
+                        <a:t>0.189</a:t>
+                      </a:r>
+                    </a:p>
+                  </a:txBody>
+                  <a:tcPr/>
+                </a:tc>
+                <a:tc>
+                  <a:txBody>
+                    <a:bodyPr/>
+                    <a:lstStyle/>
+                    <a:p>
+                      <a:r>
+                        <a:rPr lang="en-US" dirty="0"/>
+                        <a:t>0.079</a:t>
+                      </a:r>
+                    </a:p>
+                  </a:txBody>
+                  <a:tcPr/>
+                </a:tc>
+                <a:tc>
+                  <a:txBody>
+                    <a:bodyPr/>
+                    <a:lstStyle/>
+                    <a:p>
+                      <a:r>
+                        <a:rPr lang="en-US" dirty="0"/>
+                        <a:t>0.235</a:t>
+                      </a:r>
+                    </a:p>
+                  </a:txBody>
+                  <a:tcPr/>
+                </a:tc>
+                <a:extLst>
+                  <a:ext uri="{0D108BD9-81ED-4DB2-BD59-A6C34878D82A}">
+                    <a16:rowId xmlns:a16="http://schemas.microsoft.com/office/drawing/2014/main" val="1758416854"/>
+                  </a:ext>
+                </a:extLst>
+              </a:tr>
+              <a:tr h="360805">
+                <a:tc>
+                  <a:txBody>
+                    <a:bodyPr/>
+                    <a:lstStyle/>
+                    <a:p>
+                      <a:r>
+                        <a:rPr lang="en-US" dirty="0"/>
+                        <a:t>10^6, 10^8</a:t>
+                      </a:r>
+                    </a:p>
+                  </a:txBody>
+                  <a:tcPr/>
+                </a:tc>
+                <a:tc>
+                  <a:txBody>
+                    <a:bodyPr/>
+                    <a:lstStyle/>
+                    <a:p>
+                      <a:r>
+                        <a:rPr lang="en-US" dirty="0"/>
+                        <a:t>0.22</a:t>
+                      </a:r>
+                    </a:p>
+                  </a:txBody>
+                  <a:tcPr/>
+                </a:tc>
+                <a:tc>
+                  <a:txBody>
+                    <a:bodyPr/>
+                    <a:lstStyle/>
+                    <a:p>
+                      <a:r>
+                        <a:rPr lang="en-US" dirty="0"/>
+                        <a:t>0.769</a:t>
+                      </a:r>
+                    </a:p>
+                  </a:txBody>
+                  <a:tcPr/>
+                </a:tc>
+                <a:tc>
+                  <a:txBody>
+                    <a:bodyPr/>
+                    <a:lstStyle/>
+                    <a:p>
+                      <a:r>
+                        <a:rPr lang="en-US" dirty="0"/>
+                        <a:t>0.236</a:t>
+                      </a:r>
+                    </a:p>
+                  </a:txBody>
+                  <a:tcPr/>
+                </a:tc>
+                <a:tc>
+                  <a:txBody>
+                    <a:bodyPr/>
+                    <a:lstStyle/>
+                    <a:p>
+                      <a:r>
+                        <a:rPr lang="en-US" dirty="0"/>
+                        <a:t>0.188</a:t>
+                      </a:r>
+                    </a:p>
+                  </a:txBody>
+                  <a:tcPr/>
+                </a:tc>
+                <a:tc>
+                  <a:txBody>
+                    <a:bodyPr/>
+                    <a:lstStyle/>
+                    <a:p>
+                      <a:r>
+                        <a:rPr lang="en-US" dirty="0"/>
+                        <a:t>0.095</a:t>
+                      </a:r>
+                    </a:p>
+                  </a:txBody>
+                  <a:tcPr/>
+                </a:tc>
+                <a:tc>
+                  <a:txBody>
+                    <a:bodyPr/>
+                    <a:lstStyle/>
+                    <a:p>
+                      <a:r>
+                        <a:rPr lang="en-US" dirty="0"/>
+                        <a:t>0.301</a:t>
+                      </a:r>
+                    </a:p>
+                  </a:txBody>
+                  <a:tcPr/>
+                </a:tc>
+                <a:extLst>
+                  <a:ext uri="{0D108BD9-81ED-4DB2-BD59-A6C34878D82A}">
+                    <a16:rowId xmlns:a16="http://schemas.microsoft.com/office/drawing/2014/main" val="1283815078"/>
+                  </a:ext>
+                </a:extLst>
+              </a:tr>
+              <a:tr h="370840">
+                <a:tc>
+                  <a:txBody>
+                    <a:bodyPr/>
+                    <a:lstStyle/>
+                    <a:p>
+                      <a:r>
+                        <a:rPr lang="en-US" dirty="0"/>
+                        <a:t>10^7, 10^4</a:t>
+                      </a:r>
+                    </a:p>
+                  </a:txBody>
+                  <a:tcPr/>
+                </a:tc>
+                <a:tc>
+                  <a:txBody>
+                    <a:bodyPr/>
+                    <a:lstStyle/>
+                    <a:p>
+                      <a:r>
+                        <a:rPr lang="en-US" dirty="0"/>
+                        <a:t>2.074</a:t>
+                      </a:r>
+                    </a:p>
+                  </a:txBody>
+                  <a:tcPr/>
+                </a:tc>
+                <a:tc>
+                  <a:txBody>
+                    <a:bodyPr/>
+                    <a:lstStyle/>
+                    <a:p>
+                      <a:r>
+                        <a:rPr lang="en-US" dirty="0"/>
+                        <a:t>10.49</a:t>
+                      </a:r>
+                    </a:p>
+                  </a:txBody>
+                  <a:tcPr/>
+                </a:tc>
+                <a:tc>
+                  <a:txBody>
+                    <a:bodyPr/>
+                    <a:lstStyle/>
+                    <a:p>
+                      <a:r>
+                        <a:rPr lang="en-US" dirty="0"/>
+                        <a:t>0.125</a:t>
+                      </a:r>
+                    </a:p>
+                  </a:txBody>
+                  <a:tcPr/>
+                </a:tc>
+                <a:tc>
+                  <a:txBody>
+                    <a:bodyPr/>
+                    <a:lstStyle/>
+                    <a:p>
+                      <a:r>
+                        <a:rPr lang="en-US" dirty="0"/>
+                        <a:t>2.047</a:t>
+                      </a:r>
+                    </a:p>
+                  </a:txBody>
+                  <a:tcPr/>
+                </a:tc>
+                <a:tc>
+                  <a:txBody>
+                    <a:bodyPr/>
+                    <a:lstStyle/>
+                    <a:p>
+                      <a:r>
+                        <a:rPr lang="en-US" dirty="0"/>
+                        <a:t>0.927</a:t>
+                      </a:r>
+                    </a:p>
+                  </a:txBody>
+                  <a:tcPr/>
+                </a:tc>
+                <a:tc>
+                  <a:txBody>
+                    <a:bodyPr/>
+                    <a:lstStyle/>
+                    <a:p>
+                      <a:r>
+                        <a:rPr lang="en-US" dirty="0"/>
+                        <a:t>12.906</a:t>
+                      </a:r>
+                    </a:p>
+                  </a:txBody>
+                  <a:tcPr/>
+                </a:tc>
+                <a:extLst>
+                  <a:ext uri="{0D108BD9-81ED-4DB2-BD59-A6C34878D82A}">
+                    <a16:rowId xmlns:a16="http://schemas.microsoft.com/office/drawing/2014/main" val="752193180"/>
+                  </a:ext>
+                </a:extLst>
+              </a:tr>
+              <a:tr h="370840">
+                <a:tc>
+                  <a:txBody>
+                    <a:bodyPr/>
+                    <a:lstStyle/>
+                    <a:p>
+                      <a:pPr marL="0" marR="0" lvl="0" indent="0" algn="l" defTabSz="457200" rtl="0" eaLnBrk="1" fontAlgn="auto" latinLnBrk="0" hangingPunct="1">
+                        <a:lnSpc>
+                          <a:spcPct val="100000"/>
+                        </a:lnSpc>
+                        <a:spcBef>
+                          <a:spcPts val="0"/>
+                        </a:spcBef>
+                        <a:spcAft>
+                          <a:spcPts val="0"/>
+                        </a:spcAft>
+                        <a:buClrTx/>
+                        <a:buSzTx/>
+                        <a:buFontTx/>
+                        <a:buNone/>
+                        <a:tabLst/>
+                        <a:defRPr/>
+                      </a:pPr>
+                      <a:r>
+                        <a:rPr lang="en-US" dirty="0"/>
+                        <a:t>10^7, 10^6</a:t>
+                      </a:r>
+                    </a:p>
+                  </a:txBody>
+                  <a:tcPr/>
+                </a:tc>
+                <a:tc>
+                  <a:txBody>
+                    <a:bodyPr/>
+                    <a:lstStyle/>
+                    <a:p>
+                      <a:r>
+                        <a:rPr lang="en-US" dirty="0"/>
+                        <a:t>2.121</a:t>
+                      </a:r>
+                    </a:p>
+                  </a:txBody>
+                  <a:tcPr/>
+                </a:tc>
+                <a:tc>
+                  <a:txBody>
+                    <a:bodyPr/>
+                    <a:lstStyle/>
+                    <a:p>
+                      <a:r>
+                        <a:rPr lang="en-US" dirty="0"/>
+                        <a:t>11.633</a:t>
+                      </a:r>
+                    </a:p>
+                  </a:txBody>
+                  <a:tcPr/>
+                </a:tc>
+                <a:tc>
+                  <a:txBody>
+                    <a:bodyPr/>
+                    <a:lstStyle/>
+                    <a:p>
+                      <a:r>
+                        <a:rPr lang="en-US" dirty="0"/>
+                        <a:t>0.235</a:t>
+                      </a:r>
+                    </a:p>
+                  </a:txBody>
+                  <a:tcPr/>
+                </a:tc>
+                <a:tc>
+                  <a:txBody>
+                    <a:bodyPr/>
+                    <a:lstStyle/>
+                    <a:p>
+                      <a:r>
+                        <a:rPr lang="en-US" dirty="0"/>
+                        <a:t>2.197</a:t>
+                      </a:r>
+                    </a:p>
+                  </a:txBody>
+                  <a:tcPr/>
+                </a:tc>
+                <a:tc>
+                  <a:txBody>
+                    <a:bodyPr/>
+                    <a:lstStyle/>
+                    <a:p>
+                      <a:r>
+                        <a:rPr lang="en-US" dirty="0"/>
+                        <a:t>0.895</a:t>
+                      </a:r>
+                    </a:p>
+                  </a:txBody>
+                  <a:tcPr/>
+                </a:tc>
+                <a:tc>
+                  <a:txBody>
+                    <a:bodyPr/>
+                    <a:lstStyle/>
+                    <a:p>
+                      <a:r>
+                        <a:rPr lang="en-US" dirty="0"/>
+                        <a:t>6.075</a:t>
+                      </a:r>
+                    </a:p>
+                  </a:txBody>
+                  <a:tcPr/>
+                </a:tc>
+                <a:extLst>
+                  <a:ext uri="{0D108BD9-81ED-4DB2-BD59-A6C34878D82A}">
+                    <a16:rowId xmlns:a16="http://schemas.microsoft.com/office/drawing/2014/main" val="1060415005"/>
+                  </a:ext>
+                </a:extLst>
+              </a:tr>
+              <a:tr h="370840">
+                <a:tc>
+                  <a:txBody>
+                    <a:bodyPr/>
+                    <a:lstStyle/>
+                    <a:p>
+                      <a:r>
+                        <a:rPr lang="en-US" dirty="0"/>
+                        <a:t>10^7, 10^8</a:t>
+                      </a:r>
+                    </a:p>
+                  </a:txBody>
+                  <a:tcPr/>
+                </a:tc>
+                <a:tc>
+                  <a:txBody>
+                    <a:bodyPr/>
+                    <a:lstStyle/>
+                    <a:p>
+                      <a:r>
+                        <a:rPr lang="en-US" dirty="0"/>
+                        <a:t>2.041</a:t>
+                      </a:r>
+                    </a:p>
+                  </a:txBody>
+                  <a:tcPr/>
+                </a:tc>
+                <a:tc>
+                  <a:txBody>
+                    <a:bodyPr/>
+                    <a:lstStyle/>
+                    <a:p>
+                      <a:r>
+                        <a:rPr lang="en-US" dirty="0"/>
+                        <a:t>11.719</a:t>
+                      </a:r>
+                    </a:p>
+                  </a:txBody>
+                  <a:tcPr/>
+                </a:tc>
+                <a:tc>
+                  <a:txBody>
+                    <a:bodyPr/>
+                    <a:lstStyle/>
+                    <a:p>
+                      <a:r>
+                        <a:rPr lang="en-US" dirty="0"/>
+                        <a:t>0.564</a:t>
+                      </a:r>
+                    </a:p>
+                  </a:txBody>
+                  <a:tcPr/>
+                </a:tc>
+                <a:tc>
+                  <a:txBody>
+                    <a:bodyPr/>
+                    <a:lstStyle/>
+                    <a:p>
+                      <a:r>
+                        <a:rPr lang="en-US" dirty="0"/>
+                        <a:t>2.264</a:t>
+                      </a:r>
+                    </a:p>
+                  </a:txBody>
+                  <a:tcPr/>
+                </a:tc>
+                <a:tc>
+                  <a:txBody>
+                    <a:bodyPr/>
+                    <a:lstStyle/>
+                    <a:p>
+                      <a:r>
+                        <a:rPr lang="en-US" dirty="0"/>
+                        <a:t>0.878</a:t>
+                      </a:r>
+                    </a:p>
+                  </a:txBody>
+                  <a:tcPr/>
+                </a:tc>
+                <a:tc>
+                  <a:txBody>
+                    <a:bodyPr/>
+                    <a:lstStyle/>
+                    <a:p>
+                      <a:r>
+                        <a:rPr lang="en-US" dirty="0"/>
+                        <a:t>5.413</a:t>
+                      </a:r>
+                    </a:p>
+                  </a:txBody>
+                  <a:tcPr/>
+                </a:tc>
+                <a:extLst>
+                  <a:ext uri="{0D108BD9-81ED-4DB2-BD59-A6C34878D82A}">
+                    <a16:rowId xmlns:a16="http://schemas.microsoft.com/office/drawing/2014/main" val="1547510732"/>
+                  </a:ext>
+                </a:extLst>
+              </a:tr>
+              <a:tr h="370840">
+                <a:tc>
+                  <a:txBody>
+                    <a:bodyPr/>
+                    <a:lstStyle/>
+                    <a:p>
+                      <a:r>
+                        <a:rPr lang="en-US" dirty="0"/>
+                        <a:t>10^8, 10^3</a:t>
+                      </a:r>
+                    </a:p>
+                  </a:txBody>
+                  <a:tcPr/>
+                </a:tc>
+                <a:tc>
+                  <a:txBody>
+                    <a:bodyPr/>
+                    <a:lstStyle/>
+                    <a:p>
+                      <a:r>
+                        <a:rPr lang="en-US" dirty="0"/>
+                        <a:t>25.902</a:t>
+                      </a:r>
+                    </a:p>
+                  </a:txBody>
+                  <a:tcPr/>
+                </a:tc>
+                <a:tc>
+                  <a:txBody>
+                    <a:bodyPr/>
+                    <a:lstStyle/>
+                    <a:p>
+                      <a:r>
+                        <a:rPr lang="en-US" dirty="0"/>
+                        <a:t>90.9993</a:t>
+                      </a:r>
+                    </a:p>
+                  </a:txBody>
+                  <a:tcPr/>
+                </a:tc>
+                <a:tc>
+                  <a:txBody>
+                    <a:bodyPr/>
+                    <a:lstStyle/>
+                    <a:p>
+                      <a:r>
+                        <a:rPr lang="en-US" dirty="0"/>
+                        <a:t>0.643</a:t>
+                      </a:r>
+                    </a:p>
+                  </a:txBody>
+                  <a:tcPr/>
+                </a:tc>
+                <a:tc>
+                  <a:txBody>
+                    <a:bodyPr/>
+                    <a:lstStyle/>
+                    <a:p>
+                      <a:r>
+                        <a:rPr lang="en-US" dirty="0"/>
+                        <a:t>20.474</a:t>
+                      </a:r>
+                    </a:p>
+                  </a:txBody>
+                  <a:tcPr/>
+                </a:tc>
+                <a:tc>
+                  <a:txBody>
+                    <a:bodyPr/>
+                    <a:lstStyle/>
+                    <a:p>
+                      <a:r>
+                        <a:rPr lang="en-US" dirty="0"/>
+                        <a:t>5.48</a:t>
+                      </a:r>
+                    </a:p>
+                  </a:txBody>
+                  <a:tcPr/>
+                </a:tc>
+                <a:tc>
+                  <a:txBody>
+                    <a:bodyPr/>
+                    <a:lstStyle/>
+                    <a:p>
+                      <a:r>
+                        <a:rPr lang="en-US" dirty="0"/>
+                        <a:t>x</a:t>
+                      </a:r>
+                    </a:p>
+                  </a:txBody>
+                  <a:tcPr/>
+                </a:tc>
+                <a:extLst>
+                  <a:ext uri="{0D108BD9-81ED-4DB2-BD59-A6C34878D82A}">
+                    <a16:rowId xmlns:a16="http://schemas.microsoft.com/office/drawing/2014/main" val="728637699"/>
+                  </a:ext>
+                </a:extLst>
+              </a:tr>
+              <a:tr h="370840">
+                <a:tc>
+                  <a:txBody>
+                    <a:bodyPr/>
+                    <a:lstStyle/>
+                    <a:p>
+                      <a:r>
+                        <a:rPr lang="en-US" dirty="0"/>
+                        <a:t>10^8, 10^4</a:t>
+                      </a:r>
+                    </a:p>
+                  </a:txBody>
+                  <a:tcPr/>
+                </a:tc>
+                <a:tc>
+                  <a:txBody>
+                    <a:bodyPr/>
+                    <a:lstStyle/>
+                    <a:p>
+                      <a:r>
+                        <a:rPr lang="en-US" dirty="0"/>
+                        <a:t>23.59</a:t>
+                      </a:r>
+                    </a:p>
+                  </a:txBody>
+                  <a:tcPr/>
+                </a:tc>
+                <a:tc>
+                  <a:txBody>
+                    <a:bodyPr/>
+                    <a:lstStyle/>
+                    <a:p>
+                      <a:r>
+                        <a:rPr lang="en-US" dirty="0"/>
+                        <a:t>162.845</a:t>
+                      </a:r>
+                    </a:p>
+                  </a:txBody>
+                  <a:tcPr/>
+                </a:tc>
+                <a:tc>
+                  <a:txBody>
+                    <a:bodyPr/>
+                    <a:lstStyle/>
+                    <a:p>
+                      <a:r>
+                        <a:rPr lang="en-US" dirty="0"/>
+                        <a:t>0.753</a:t>
+                      </a:r>
+                    </a:p>
+                  </a:txBody>
+                  <a:tcPr/>
+                </a:tc>
+                <a:tc>
+                  <a:txBody>
+                    <a:bodyPr/>
+                    <a:lstStyle/>
+                    <a:p>
+                      <a:r>
+                        <a:rPr lang="en-US" dirty="0"/>
+                        <a:t>23.26</a:t>
+                      </a:r>
+                    </a:p>
+                  </a:txBody>
+                  <a:tcPr/>
+                </a:tc>
+                <a:tc>
+                  <a:txBody>
+                    <a:bodyPr/>
+                    <a:lstStyle/>
+                    <a:p>
+                      <a:r>
+                        <a:rPr lang="en-US" dirty="0"/>
+                        <a:t>7.924</a:t>
+                      </a:r>
+                    </a:p>
+                  </a:txBody>
+                  <a:tcPr/>
+                </a:tc>
+                <a:tc>
+                  <a:txBody>
+                    <a:bodyPr/>
+                    <a:lstStyle/>
+                    <a:p>
+                      <a:r>
+                        <a:rPr lang="en-US" dirty="0"/>
+                        <a:t>&gt;20 min</a:t>
+                      </a:r>
+                    </a:p>
+                  </a:txBody>
+                  <a:tcPr/>
+                </a:tc>
+                <a:extLst>
+                  <a:ext uri="{0D108BD9-81ED-4DB2-BD59-A6C34878D82A}">
+                    <a16:rowId xmlns:a16="http://schemas.microsoft.com/office/drawing/2014/main" val="528472991"/>
+                  </a:ext>
+                </a:extLst>
+              </a:tr>
+            </a:tbl>
+          </a:graphicData>
+        </a:graphic>
+      </p:graphicFrame>
+    </p:spTree>
+    <p:extLst>
+      <p:ext uri="{BB962C8B-B14F-4D97-AF65-F5344CB8AC3E}">
+        <p14:creationId xmlns:p14="http://schemas.microsoft.com/office/powerpoint/2010/main" val="2618161134"/>
+      </p:ext>
+    </p:extLst>
+  </p:cSld>
+  <p:clrMapOvr>
+    <a:masterClrMapping/>
+  </p:clrMapOvr>
+</p:sld>
+</file>
+
+<file path=ppt/slides/slide11.xml><?xml version="1.0" encoding="utf-8"?>
+<p:sld xmlns:a="http://schemas.openxmlformats.org/drawingml/2006/main" xmlns:r="http://schemas.openxmlformats.org/officeDocument/2006/relationships" xmlns:p="http://schemas.openxmlformats.org/presentationml/2006/main">
+  <p:cSld>
+    <p:spTree>
+      <p:nvGrpSpPr>
+        <p:cNvPr id="1" name=""/>
+        <p:cNvGrpSpPr/>
+        <p:nvPr/>
+      </p:nvGrpSpPr>
+      <p:grpSpPr>
+        <a:xfrm>
+          <a:off x="0" y="0"/>
+          <a:ext cx="0" cy="0"/>
+          <a:chOff x="0" y="0"/>
+          <a:chExt cx="0" cy="0"/>
+        </a:xfrm>
+      </p:grpSpPr>
+      <p:sp>
+        <p:nvSpPr>
+          <p:cNvPr id="2" name="Title 1">
+            <a:extLst>
+              <a:ext uri="{FF2B5EF4-FFF2-40B4-BE49-F238E27FC236}">
+                <a16:creationId xmlns:a16="http://schemas.microsoft.com/office/drawing/2014/main" id="{5EF049D3-FE99-D54D-BEFC-3CEF316894EF}"/>
+              </a:ext>
+            </a:extLst>
+          </p:cNvPr>
+          <p:cNvSpPr>
+            <a:spLocks noGrp="1"/>
+          </p:cNvSpPr>
+          <p:nvPr>
+            <p:ph type="title"/>
+          </p:nvPr>
+        </p:nvSpPr>
+        <p:spPr/>
+        <p:txBody>
+          <a:bodyPr/>
+          <a:lstStyle/>
+          <a:p>
+            <a:r>
+              <a:rPr lang="en-US" dirty="0"/>
+              <a:t>Alte </a:t>
+            </a:r>
+            <a:r>
+              <a:rPr lang="en-US" dirty="0" err="1"/>
+              <a:t>observatii</a:t>
+            </a:r>
+            <a:endParaRPr lang="en-US" dirty="0"/>
+          </a:p>
+        </p:txBody>
+      </p:sp>
+      <p:sp>
+        <p:nvSpPr>
+          <p:cNvPr id="3" name="Content Placeholder 2">
+            <a:extLst>
+              <a:ext uri="{FF2B5EF4-FFF2-40B4-BE49-F238E27FC236}">
+                <a16:creationId xmlns:a16="http://schemas.microsoft.com/office/drawing/2014/main" id="{58D6E5C1-48D0-4BE1-B991-A0C605EDC6F4}"/>
+              </a:ext>
+            </a:extLst>
+          </p:cNvPr>
+          <p:cNvSpPr>
+            <a:spLocks noGrp="1"/>
+          </p:cNvSpPr>
+          <p:nvPr>
+            <p:ph idx="1"/>
+          </p:nvPr>
+        </p:nvSpPr>
+        <p:spPr/>
+        <p:txBody>
+          <a:bodyPr/>
+          <a:lstStyle/>
+          <a:p>
+            <a:endParaRPr lang="en-US" dirty="0"/>
+          </a:p>
+        </p:txBody>
+      </p:sp>
+    </p:spTree>
+    <p:extLst>
+      <p:ext uri="{BB962C8B-B14F-4D97-AF65-F5344CB8AC3E}">
+        <p14:creationId xmlns:p14="http://schemas.microsoft.com/office/powerpoint/2010/main" val="552496325"/>
+      </p:ext>
+    </p:extLst>
+  </p:cSld>
+  <p:clrMapOvr>
+    <a:masterClrMapping/>
+  </p:clrMapOvr>
+</p:sld>
+</file>
+
 <file path=ppt/slides/slide2.xml><?xml version="1.0" encoding="utf-8"?>
 <p:sld xmlns:a="http://schemas.openxmlformats.org/drawingml/2006/main" xmlns:r="http://schemas.openxmlformats.org/officeDocument/2006/relationships" xmlns:p="http://schemas.openxmlformats.org/presentationml/2006/main">
   <p:cSld>
@@ -8443,8 +10061,8 @@
           </a:p>
         </p:txBody>
       </p:sp>
-      <mc:AlternateContent xmlns:mc="http://schemas.openxmlformats.org/markup-compatibility/2006">
-        <mc:Choice xmlns:a14="http://schemas.microsoft.com/office/drawing/2010/main" Requires="a14">
+      <mc:AlternateContent xmlns:mc="http://schemas.openxmlformats.org/markup-compatibility/2006" xmlns:a14="http://schemas.microsoft.com/office/drawing/2010/main">
+        <mc:Choice Requires="a14">
           <p:graphicFrame>
             <p:nvGraphicFramePr>
               <p:cNvPr id="16" name="Table 16">
@@ -8916,7 +10534,7 @@
             </a:graphic>
           </p:graphicFrame>
         </mc:Choice>
-        <mc:Fallback>
+        <mc:Fallback xmlns="">
           <p:graphicFrame>
             <p:nvGraphicFramePr>
               <p:cNvPr id="16" name="Table 16">
@@ -9426,100 +11044,115 @@
             <p:ph idx="1"/>
           </p:nvPr>
         </p:nvSpPr>
-        <p:spPr/>
-        <p:txBody>
-          <a:bodyPr/>
+        <p:spPr>
+          <a:xfrm>
+            <a:off x="645132" y="1461052"/>
+            <a:ext cx="10218338" cy="4787347"/>
+          </a:xfrm>
+        </p:spPr>
+        <p:txBody>
+          <a:bodyPr>
+            <a:normAutofit/>
+          </a:bodyPr>
           <a:lstStyle/>
           <a:p>
             <a:pPr marL="0" indent="0">
               <a:buNone/>
             </a:pPr>
             <a:r>
-              <a:rPr lang="en-US" dirty="0" err="1"/>
+              <a:rPr lang="en-US" sz="2400" dirty="0" err="1"/>
               <a:t>Countsort</a:t>
             </a:r>
             <a:r>
-              <a:rPr lang="en-US" dirty="0"/>
+              <a:rPr lang="en-US" sz="2400" dirty="0"/>
               <a:t> este cea mai </a:t>
             </a:r>
             <a:r>
-              <a:rPr lang="en-US" dirty="0" err="1"/>
+              <a:rPr lang="en-US" sz="2400" dirty="0" err="1"/>
               <a:t>rapida</a:t>
             </a:r>
             <a:r>
-              <a:rPr lang="en-US" dirty="0"/>
+              <a:rPr lang="en-US" sz="2400" dirty="0"/>
               <a:t> </a:t>
             </a:r>
             <a:r>
-              <a:rPr lang="en-US" dirty="0" err="1"/>
+              <a:rPr lang="en-US" sz="2400" dirty="0" err="1"/>
               <a:t>sortare</a:t>
             </a:r>
             <a:r>
-              <a:rPr lang="en-US" dirty="0"/>
+              <a:rPr lang="en-US" sz="2400" dirty="0"/>
+              <a:t> in toate </a:t>
+            </a:r>
+            <a:r>
+              <a:rPr lang="en-US" sz="2400" dirty="0" err="1"/>
+              <a:t>cazurile</a:t>
+            </a:r>
+            <a:r>
+              <a:rPr lang="en-US" sz="2400" dirty="0"/>
               <a:t>, </a:t>
             </a:r>
             <a:r>
-              <a:rPr lang="en-US" dirty="0" err="1"/>
-              <a:t>timpul</a:t>
-            </a:r>
-            <a:r>
-              <a:rPr lang="en-US" dirty="0"/>
+              <a:rPr lang="en-US" sz="2400" dirty="0" err="1"/>
+              <a:t>timpii</a:t>
+            </a:r>
+            <a:r>
+              <a:rPr lang="en-US" sz="2400" dirty="0"/>
               <a:t> de </a:t>
             </a:r>
             <a:r>
-              <a:rPr lang="en-US" dirty="0" err="1"/>
+              <a:rPr lang="en-US" sz="2400" dirty="0" err="1"/>
               <a:t>executie</a:t>
             </a:r>
             <a:r>
-              <a:rPr lang="en-US" dirty="0"/>
+              <a:rPr lang="en-US" sz="2400" dirty="0"/>
               <a:t> </a:t>
             </a:r>
             <a:r>
-              <a:rPr lang="en-US" dirty="0" err="1"/>
+              <a:rPr lang="en-US" sz="2400" dirty="0" err="1"/>
               <a:t>pastrandu</a:t>
             </a:r>
             <a:r>
-              <a:rPr lang="en-US" dirty="0"/>
+              <a:rPr lang="en-US" sz="2400" dirty="0"/>
               <a:t>-se sub 2 </a:t>
             </a:r>
             <a:r>
-              <a:rPr lang="en-US" dirty="0" err="1"/>
+              <a:rPr lang="en-US" sz="2400" dirty="0" err="1"/>
               <a:t>secunde</a:t>
             </a:r>
             <a:r>
-              <a:rPr lang="en-US" dirty="0"/>
+              <a:rPr lang="en-US" sz="2400" dirty="0"/>
               <a:t> </a:t>
             </a:r>
             <a:r>
-              <a:rPr lang="en-US" dirty="0" err="1"/>
+              <a:rPr lang="en-US" sz="2400" dirty="0" err="1"/>
               <a:t>chiar</a:t>
             </a:r>
             <a:r>
-              <a:rPr lang="en-US" dirty="0"/>
+              <a:rPr lang="en-US" sz="2400" dirty="0"/>
               <a:t> </a:t>
             </a:r>
             <a:r>
-              <a:rPr lang="en-US" dirty="0" err="1"/>
+              <a:rPr lang="en-US" sz="2400" dirty="0" err="1"/>
               <a:t>si</a:t>
             </a:r>
             <a:r>
-              <a:rPr lang="en-US" dirty="0"/>
+              <a:rPr lang="en-US" sz="2400" dirty="0"/>
               <a:t> pentru </a:t>
             </a:r>
             <a:r>
-              <a:rPr lang="en-US" dirty="0" err="1"/>
+              <a:rPr lang="en-US" sz="2400" dirty="0" err="1"/>
               <a:t>valori</a:t>
             </a:r>
             <a:r>
-              <a:rPr lang="en-US" dirty="0"/>
+              <a:rPr lang="en-US" sz="2400" dirty="0"/>
               <a:t> foarte </a:t>
             </a:r>
             <a:r>
-              <a:rPr lang="en-US" dirty="0" err="1"/>
+              <a:rPr lang="en-US" sz="2400" dirty="0" err="1"/>
               <a:t>mari</a:t>
             </a:r>
             <a:r>
-              <a:rPr lang="en-US" dirty="0"/>
+              <a:rPr lang="en-US" sz="2400" dirty="0"/>
               <a:t>. </a:t>
             </a:r>
           </a:p>
@@ -9528,339 +11161,269 @@
               <a:buNone/>
             </a:pPr>
             <a:r>
-              <a:rPr lang="en-US" dirty="0" err="1"/>
+              <a:rPr lang="en-US" sz="2400" dirty="0" err="1"/>
               <a:t>Totusi</a:t>
             </a:r>
             <a:r>
-              <a:rPr lang="en-US" dirty="0"/>
+              <a:rPr lang="en-US" sz="2400" dirty="0"/>
+              <a:t>, cand </a:t>
+            </a:r>
+            <a:r>
+              <a:rPr lang="en-US" sz="2400" dirty="0" err="1"/>
+              <a:t>lucreaza</a:t>
+            </a:r>
+            <a:r>
+              <a:rPr lang="en-US" sz="2400" dirty="0"/>
+              <a:t> cu </a:t>
+            </a:r>
+            <a:r>
+              <a:rPr lang="en-US" sz="2400" dirty="0" err="1"/>
+              <a:t>vectori</a:t>
+            </a:r>
+            <a:r>
+              <a:rPr lang="en-US" sz="2400" dirty="0"/>
+              <a:t> care au </a:t>
+            </a:r>
+            <a:r>
+              <a:rPr lang="en-US" sz="2400" dirty="0" err="1"/>
+              <a:t>elemente</a:t>
+            </a:r>
+            <a:r>
+              <a:rPr lang="en-US" sz="2400" dirty="0"/>
+              <a:t> </a:t>
+            </a:r>
+            <a:r>
+              <a:rPr lang="en-US" sz="2400" dirty="0" err="1"/>
+              <a:t>mari</a:t>
+            </a:r>
+            <a:r>
+              <a:rPr lang="en-US" sz="2400" dirty="0"/>
+              <a:t> este </a:t>
+            </a:r>
+            <a:r>
+              <a:rPr lang="en-US" sz="2400" dirty="0" err="1"/>
+              <a:t>ineficienta</a:t>
+            </a:r>
+            <a:r>
+              <a:rPr lang="en-US" sz="2400" dirty="0"/>
+              <a:t> din </a:t>
+            </a:r>
+            <a:r>
+              <a:rPr lang="en-US" sz="2400" dirty="0" err="1"/>
+              <a:t>punct</a:t>
+            </a:r>
+            <a:r>
+              <a:rPr lang="en-US" sz="2400" dirty="0"/>
+              <a:t> de </a:t>
+            </a:r>
+            <a:r>
+              <a:rPr lang="en-US" sz="2400" dirty="0" err="1"/>
+              <a:t>vedere</a:t>
+            </a:r>
+            <a:r>
+              <a:rPr lang="en-US" sz="2400" dirty="0"/>
+              <a:t> al </a:t>
+            </a:r>
+            <a:r>
+              <a:rPr lang="en-US" sz="2400" dirty="0" err="1"/>
+              <a:t>memoriei</a:t>
+            </a:r>
+            <a:r>
+              <a:rPr lang="en-US" sz="2400" dirty="0"/>
               <a:t>, </a:t>
             </a:r>
             <a:r>
-              <a:rPr lang="en-US" dirty="0" err="1"/>
-              <a:t>foloseste</a:t>
-            </a:r>
-            <a:r>
-              <a:rPr lang="en-US" dirty="0"/>
-              <a:t> cea mai </a:t>
-            </a:r>
-            <a:r>
-              <a:rPr lang="en-US" dirty="0" err="1"/>
+              <a:rPr lang="en-US" sz="2400" dirty="0" err="1"/>
+              <a:t>avand</a:t>
+            </a:r>
+            <a:r>
+              <a:rPr lang="en-US" sz="2400" dirty="0"/>
+              <a:t> </a:t>
+            </a:r>
+            <a:r>
+              <a:rPr lang="en-US" sz="2400" dirty="0" err="1"/>
+              <a:t>nevoie</a:t>
+            </a:r>
+            <a:r>
+              <a:rPr lang="en-US" sz="2400" dirty="0"/>
+              <a:t> </a:t>
+            </a:r>
+            <a:r>
+              <a:rPr lang="en-US" sz="2400" dirty="0" err="1"/>
+              <a:t>sa</a:t>
+            </a:r>
+            <a:r>
+              <a:rPr lang="en-US" sz="2400" dirty="0"/>
+              <a:t> </a:t>
+            </a:r>
+            <a:r>
+              <a:rPr lang="en-US" sz="2400" dirty="0" err="1"/>
+              <a:t>stocheze</a:t>
+            </a:r>
+            <a:r>
+              <a:rPr lang="en-US" sz="2400" dirty="0"/>
+              <a:t> </a:t>
+            </a:r>
+            <a:r>
+              <a:rPr lang="en-US" sz="2400" dirty="0" err="1"/>
+              <a:t>vectorul</a:t>
+            </a:r>
+            <a:r>
+              <a:rPr lang="en-US" sz="2400" dirty="0"/>
+              <a:t> de frecvența. </a:t>
+            </a:r>
+          </a:p>
+          <a:p>
+            <a:pPr marL="0" indent="0">
+              <a:buNone/>
+            </a:pPr>
+            <a:r>
+              <a:rPr lang="en-US" sz="2400" dirty="0"/>
+              <a:t>Radix este de </a:t>
+            </a:r>
+            <a:r>
+              <a:rPr lang="en-US" sz="2400" dirty="0" err="1"/>
+              <a:t>aproximativ</a:t>
+            </a:r>
+            <a:r>
+              <a:rPr lang="en-US" sz="2400" dirty="0"/>
+              <a:t> 2-3 ori mai </a:t>
+            </a:r>
+            <a:r>
+              <a:rPr lang="en-US" sz="2400" dirty="0" err="1"/>
+              <a:t>rapida</a:t>
+            </a:r>
+            <a:r>
+              <a:rPr lang="en-US" sz="2400" dirty="0"/>
+              <a:t> </a:t>
+            </a:r>
+            <a:r>
+              <a:rPr lang="en-US" sz="2400" dirty="0" err="1"/>
+              <a:t>decat</a:t>
+            </a:r>
+            <a:r>
+              <a:rPr lang="en-US" sz="2400" dirty="0"/>
+              <a:t> merge, dar </a:t>
+            </a:r>
+            <a:r>
+              <a:rPr lang="en-US" sz="2400" dirty="0" err="1"/>
+              <a:t>ocupa</a:t>
+            </a:r>
+            <a:r>
+              <a:rPr lang="en-US" sz="2400" dirty="0"/>
+              <a:t> mai </a:t>
+            </a:r>
+            <a:r>
+              <a:rPr lang="en-US" sz="2400" dirty="0" err="1"/>
               <a:t>multa</a:t>
             </a:r>
             <a:r>
-              <a:rPr lang="en-US" dirty="0"/>
+              <a:rPr lang="en-US" sz="2400" dirty="0"/>
               <a:t> </a:t>
             </a:r>
             <a:r>
-              <a:rPr lang="en-US" dirty="0" err="1"/>
+              <a:rPr lang="en-US" sz="2400" dirty="0" err="1"/>
               <a:t>memorie</a:t>
             </a:r>
             <a:r>
-              <a:rPr lang="en-US" dirty="0"/>
+              <a:rPr lang="en-US" sz="2400" dirty="0"/>
               <a:t> </a:t>
             </a:r>
             <a:r>
-              <a:rPr lang="en-US" dirty="0" err="1"/>
+              <a:rPr lang="en-US" sz="2400" dirty="0" err="1"/>
               <a:t>suplimentara</a:t>
             </a:r>
             <a:r>
-              <a:rPr lang="en-US" dirty="0"/>
-              <a:t>, </a:t>
-            </a:r>
-            <a:r>
-              <a:rPr lang="en-US" dirty="0" err="1"/>
-              <a:t>avand</a:t>
-            </a:r>
-            <a:r>
-              <a:rPr lang="en-US" dirty="0"/>
+              <a:rPr lang="en-US" sz="2400" dirty="0"/>
+              <a:t>.</a:t>
+            </a:r>
+          </a:p>
+          <a:p>
+            <a:pPr marL="0" indent="0">
+              <a:buNone/>
+            </a:pPr>
+            <a:r>
+              <a:rPr lang="en-US" sz="2400" dirty="0"/>
+              <a:t> STL obţine </a:t>
+            </a:r>
+            <a:r>
+              <a:rPr lang="en-US" sz="2400" dirty="0" err="1"/>
+              <a:t>timpi</a:t>
+            </a:r>
+            <a:r>
+              <a:rPr lang="en-US" sz="2400" dirty="0"/>
+              <a:t> foarte </a:t>
+            </a:r>
+            <a:r>
+              <a:rPr lang="en-US" sz="2400" dirty="0" err="1"/>
+              <a:t>asemanatori</a:t>
+            </a:r>
+            <a:r>
+              <a:rPr lang="en-US" sz="2400" dirty="0"/>
+              <a:t> cu Merge Sort pentru toate </a:t>
+            </a:r>
+            <a:r>
+              <a:rPr lang="en-US" sz="2400" dirty="0" err="1"/>
+              <a:t>cazurile</a:t>
+            </a:r>
+            <a:r>
+              <a:rPr lang="en-US" sz="2400" dirty="0"/>
+              <a:t>, dar cea din </a:t>
+            </a:r>
+            <a:r>
+              <a:rPr lang="en-US" sz="2400" dirty="0" err="1"/>
+              <a:t>urma</a:t>
+            </a:r>
+            <a:r>
+              <a:rPr lang="en-US" sz="2400" dirty="0"/>
               <a:t> </a:t>
             </a:r>
             <a:r>
-              <a:rPr lang="en-US" dirty="0" err="1"/>
-              <a:t>nevoie</a:t>
-            </a:r>
-            <a:r>
-              <a:rPr lang="en-US" dirty="0"/>
+              <a:rPr lang="en-US" sz="2400" dirty="0" err="1"/>
+              <a:t>ocupa</a:t>
+            </a:r>
+            <a:r>
+              <a:rPr lang="en-US" sz="2400" dirty="0"/>
+              <a:t> mai </a:t>
+            </a:r>
+            <a:r>
+              <a:rPr lang="en-US" sz="2400" dirty="0" err="1"/>
+              <a:t>putin</a:t>
+            </a:r>
+            <a:r>
+              <a:rPr lang="en-US" sz="2400" dirty="0"/>
               <a:t> </a:t>
             </a:r>
             <a:r>
-              <a:rPr lang="en-US" dirty="0" err="1"/>
-              <a:t>sa</a:t>
-            </a:r>
-            <a:r>
-              <a:rPr lang="en-US" dirty="0"/>
+              <a:rPr lang="en-US" sz="2400" dirty="0" err="1"/>
+              <a:t>spatiu</a:t>
+            </a:r>
+            <a:r>
+              <a:rPr lang="en-US" sz="2400" dirty="0"/>
+              <a:t> de </a:t>
+            </a:r>
+            <a:r>
+              <a:rPr lang="en-US" sz="2400" dirty="0" err="1"/>
+              <a:t>stocare</a:t>
+            </a:r>
+            <a:r>
+              <a:rPr lang="en-US" sz="2400" dirty="0"/>
               <a:t> </a:t>
             </a:r>
             <a:r>
-              <a:rPr lang="en-US" dirty="0" err="1"/>
-              <a:t>stocheze</a:t>
-            </a:r>
-            <a:r>
-              <a:rPr lang="en-US" dirty="0"/>
-              <a:t> </a:t>
-            </a:r>
-            <a:r>
-              <a:rPr lang="en-US" dirty="0" err="1"/>
-              <a:t>vectorul</a:t>
-            </a:r>
-            <a:r>
-              <a:rPr lang="en-US" dirty="0"/>
-              <a:t> de frecvența. Merge sort </a:t>
-            </a:r>
-            <a:r>
-              <a:rPr lang="en-US" dirty="0" err="1"/>
-              <a:t>si</a:t>
-            </a:r>
-            <a:r>
-              <a:rPr lang="en-US" dirty="0"/>
-              <a:t> Radix Sort </a:t>
-            </a:r>
-            <a:r>
-              <a:rPr lang="en-US" dirty="0" err="1"/>
-              <a:t>echilibreaza</a:t>
-            </a:r>
-            <a:r>
-              <a:rPr lang="en-US" dirty="0"/>
-              <a:t> mai bine </a:t>
-            </a:r>
-            <a:r>
-              <a:rPr lang="en-US" dirty="0" err="1"/>
-              <a:t>variabilele</a:t>
-            </a:r>
-            <a:r>
-              <a:rPr lang="en-US" dirty="0"/>
-              <a:t> </a:t>
-            </a:r>
-            <a:r>
-              <a:rPr lang="en-US" dirty="0" err="1"/>
-              <a:t>memorie</a:t>
-            </a:r>
-            <a:r>
-              <a:rPr lang="en-US" dirty="0"/>
-              <a:t> </a:t>
-            </a:r>
-            <a:r>
-              <a:rPr lang="en-US" dirty="0" err="1"/>
-              <a:t>si</a:t>
-            </a:r>
-            <a:r>
-              <a:rPr lang="en-US" dirty="0"/>
-              <a:t> </a:t>
-            </a:r>
-            <a:r>
-              <a:rPr lang="en-US" dirty="0" err="1"/>
-              <a:t>timp.</a:t>
-            </a:r>
-            <a:r>
-              <a:rPr lang="en-US" dirty="0"/>
-              <a:t> Radix este de </a:t>
-            </a:r>
-            <a:r>
-              <a:rPr lang="en-US" dirty="0" err="1"/>
-              <a:t>aproximativ</a:t>
-            </a:r>
-            <a:r>
-              <a:rPr lang="en-US" dirty="0"/>
-              <a:t> 2 ori mai </a:t>
-            </a:r>
-            <a:r>
-              <a:rPr lang="en-US" dirty="0" err="1"/>
-              <a:t>rapida</a:t>
-            </a:r>
-            <a:r>
-              <a:rPr lang="en-US" dirty="0"/>
-              <a:t> </a:t>
-            </a:r>
-            <a:r>
-              <a:rPr lang="en-US" dirty="0" err="1"/>
-              <a:t>decat</a:t>
-            </a:r>
-            <a:r>
-              <a:rPr lang="en-US" dirty="0"/>
-              <a:t> merge </a:t>
-            </a:r>
-            <a:r>
-              <a:rPr lang="en-US" dirty="0" err="1"/>
-              <a:t>si</a:t>
-            </a:r>
-            <a:r>
-              <a:rPr lang="en-US" dirty="0"/>
-              <a:t> </a:t>
-            </a:r>
-            <a:r>
-              <a:rPr lang="en-US" dirty="0" err="1"/>
-              <a:t>ocupa</a:t>
-            </a:r>
-            <a:r>
-              <a:rPr lang="en-US" dirty="0"/>
-              <a:t> mai </a:t>
-            </a:r>
-            <a:r>
-              <a:rPr lang="en-US" dirty="0" err="1"/>
-              <a:t>multa</a:t>
-            </a:r>
-            <a:r>
-              <a:rPr lang="en-US" dirty="0"/>
-              <a:t> </a:t>
-            </a:r>
-            <a:r>
-              <a:rPr lang="en-US" dirty="0" err="1"/>
-              <a:t>memorie</a:t>
-            </a:r>
-            <a:r>
-              <a:rPr lang="en-US" dirty="0"/>
-              <a:t> </a:t>
-            </a:r>
-            <a:r>
-              <a:rPr lang="en-US" dirty="0" err="1"/>
-              <a:t>suplimentara</a:t>
-            </a:r>
-            <a:r>
-              <a:rPr lang="en-US" dirty="0"/>
-              <a:t>.</a:t>
+              <a:rPr lang="en-US" sz="2400" dirty="0" err="1"/>
+              <a:t>suplimentar</a:t>
+            </a:r>
+            <a:r>
+              <a:rPr lang="en-US" sz="2400" dirty="0"/>
+              <a:t>. </a:t>
             </a:r>
           </a:p>
           <a:p>
             <a:pPr marL="0" indent="0">
               <a:buNone/>
             </a:pPr>
-            <a:r>
-              <a:rPr lang="en-US" dirty="0"/>
-              <a:t> Shell Sort este printre cele mai lente, dar nu </a:t>
-            </a:r>
-            <a:r>
-              <a:rPr lang="en-US" dirty="0" err="1"/>
-              <a:t>foloseste</a:t>
-            </a:r>
-            <a:r>
-              <a:rPr lang="en-US" dirty="0"/>
-              <a:t> </a:t>
-            </a:r>
-            <a:r>
-              <a:rPr lang="en-US" dirty="0" err="1"/>
-              <a:t>spatiu</a:t>
-            </a:r>
-            <a:r>
-              <a:rPr lang="en-US" dirty="0"/>
-              <a:t> de </a:t>
-            </a:r>
-            <a:r>
-              <a:rPr lang="en-US" dirty="0" err="1"/>
-              <a:t>memorie</a:t>
-            </a:r>
-            <a:r>
-              <a:rPr lang="en-US" dirty="0"/>
-              <a:t> </a:t>
-            </a:r>
-            <a:r>
-              <a:rPr lang="en-US" dirty="0" err="1"/>
-              <a:t>suplimentar</a:t>
-            </a:r>
-            <a:r>
-              <a:rPr lang="en-US" dirty="0"/>
-              <a:t> in afara de </a:t>
-            </a:r>
-            <a:r>
-              <a:rPr lang="en-US" dirty="0" err="1"/>
-              <a:t>variabila</a:t>
-            </a:r>
-            <a:r>
-              <a:rPr lang="en-US" dirty="0"/>
-              <a:t> integer in care </a:t>
-            </a:r>
-            <a:r>
-              <a:rPr lang="en-US" dirty="0" err="1"/>
-              <a:t>stocam</a:t>
-            </a:r>
-            <a:r>
-              <a:rPr lang="en-US" dirty="0"/>
-              <a:t> </a:t>
-            </a:r>
-            <a:r>
-              <a:rPr lang="en-US" dirty="0" err="1"/>
-              <a:t>valoarea</a:t>
-            </a:r>
-            <a:r>
-              <a:rPr lang="en-US" dirty="0"/>
-              <a:t> </a:t>
-            </a:r>
-            <a:r>
-              <a:rPr lang="en-US" dirty="0" err="1"/>
-              <a:t>pasului</a:t>
-            </a:r>
-            <a:r>
-              <a:rPr lang="en-US" dirty="0"/>
-              <a:t> la </a:t>
-            </a:r>
-            <a:r>
-              <a:rPr lang="en-US" dirty="0" err="1"/>
-              <a:t>fiecare</a:t>
-            </a:r>
-            <a:r>
-              <a:rPr lang="en-US" dirty="0"/>
-              <a:t> </a:t>
-            </a:r>
-            <a:r>
-              <a:rPr lang="en-US" dirty="0" err="1"/>
-              <a:t>apelare</a:t>
-            </a:r>
-            <a:r>
-              <a:rPr lang="en-US" dirty="0"/>
-              <a:t> </a:t>
-            </a:r>
-            <a:r>
-              <a:rPr lang="en-US" dirty="0" err="1"/>
-              <a:t>recursiva</a:t>
-            </a:r>
-            <a:r>
-              <a:rPr lang="en-US" dirty="0"/>
-              <a:t> (de la N/2 la 1).</a:t>
-            </a:r>
-          </a:p>
-          <a:p>
-            <a:pPr marL="0" indent="0">
-              <a:buNone/>
-            </a:pPr>
-            <a:r>
-              <a:rPr lang="en-US" dirty="0" err="1"/>
-              <a:t>Totusi</a:t>
-            </a:r>
-            <a:r>
-              <a:rPr lang="en-US" dirty="0"/>
-              <a:t>, </a:t>
-            </a:r>
-            <a:r>
-              <a:rPr lang="en-US" dirty="0" err="1"/>
-              <a:t>complexitatea</a:t>
-            </a:r>
-            <a:r>
-              <a:rPr lang="en-US" dirty="0"/>
-              <a:t> </a:t>
-            </a:r>
-            <a:r>
-              <a:rPr lang="en-US" dirty="0" err="1"/>
-              <a:t>sa</a:t>
-            </a:r>
-            <a:r>
-              <a:rPr lang="en-US" dirty="0"/>
-              <a:t> </a:t>
-            </a:r>
-            <a:r>
-              <a:rPr lang="en-US" dirty="0" err="1"/>
-              <a:t>variaza</a:t>
-            </a:r>
-            <a:r>
-              <a:rPr lang="en-US" dirty="0"/>
-              <a:t> destul de mult, spre </a:t>
-            </a:r>
-            <a:r>
-              <a:rPr lang="en-US" dirty="0" err="1"/>
-              <a:t>deosebire</a:t>
-            </a:r>
-            <a:r>
-              <a:rPr lang="en-US" dirty="0"/>
-              <a:t> de Merge Sort sau Count Sort.</a:t>
-            </a:r>
+            <a:endParaRPr lang="en-US" dirty="0"/>
           </a:p>
         </p:txBody>
       </p:sp>
@@ -9899,7 +11462,7 @@
           <p:cNvPr id="2" name="Title 1">
             <a:extLst>
               <a:ext uri="{FF2B5EF4-FFF2-40B4-BE49-F238E27FC236}">
-                <a16:creationId xmlns:a16="http://schemas.microsoft.com/office/drawing/2014/main" id="{2243884A-406A-E8DF-02C2-752F5B5554FC}"/>
+                <a16:creationId xmlns:a16="http://schemas.microsoft.com/office/drawing/2014/main" id="{9C87352F-E9D0-219C-9F7C-2E7D2BD02448}"/>
               </a:ext>
             </a:extLst>
           </p:cNvPr>
@@ -9916,12 +11479,8 @@
           <a:lstStyle/>
           <a:p>
             <a:r>
-              <a:rPr lang="en-US" dirty="0"/>
-              <a:t>Quick sort – </a:t>
-            </a:r>
-            <a:r>
               <a:rPr lang="en-US" dirty="0" err="1"/>
-              <a:t>complexitate</a:t>
+              <a:t>Compromis</a:t>
             </a:r>
             <a:r>
               <a:rPr lang="en-US" dirty="0"/>
@@ -9929,9 +11488,12 @@
             </a:r>
             <a:r>
               <a:rPr lang="en-US" dirty="0" err="1"/>
-              <a:t>variabila</a:t>
-            </a:r>
-            <a:endParaRPr lang="en-US" dirty="0"/>
+              <a:t>memorie</a:t>
+            </a:r>
+            <a:r>
+              <a:rPr lang="en-US" dirty="0"/>
+              <a:t> versus timp</a:t>
+            </a:r>
           </a:p>
         </p:txBody>
       </p:sp>
@@ -9940,7 +11502,7 @@
           <p:cNvPr id="3" name="Content Placeholder 2">
             <a:extLst>
               <a:ext uri="{FF2B5EF4-FFF2-40B4-BE49-F238E27FC236}">
-                <a16:creationId xmlns:a16="http://schemas.microsoft.com/office/drawing/2014/main" id="{3057160D-438B-37B1-BBCA-CBAB0D2DB5BD}"/>
+                <a16:creationId xmlns:a16="http://schemas.microsoft.com/office/drawing/2014/main" id="{D289ABFF-8CBD-3ABE-183E-F12ECC238286}"/>
               </a:ext>
             </a:extLst>
           </p:cNvPr>
@@ -9956,399 +11518,249 @@
           <a:bodyPr/>
           <a:lstStyle/>
           <a:p>
-            <a:r>
-              <a:rPr lang="en-US" dirty="0" err="1"/>
-              <a:t>Nici</a:t>
-            </a:r>
-            <a:r>
-              <a:rPr lang="en-US" dirty="0"/>
-              <a:t> quick sort nu </a:t>
-            </a:r>
-            <a:r>
-              <a:rPr lang="en-US" dirty="0" err="1"/>
+            <a:pPr marL="0" indent="0">
+              <a:buNone/>
+            </a:pPr>
+            <a:r>
+              <a:rPr lang="en-US" sz="2400" dirty="0"/>
+              <a:t>Shell Sort este printre cele mai lente in toate </a:t>
+            </a:r>
+            <a:r>
+              <a:rPr lang="en-US" sz="2400" dirty="0" err="1"/>
+              <a:t>cazurile</a:t>
+            </a:r>
+            <a:r>
+              <a:rPr lang="en-US" sz="2400" dirty="0"/>
+              <a:t>, dar nu </a:t>
+            </a:r>
+            <a:r>
+              <a:rPr lang="en-US" sz="2400" dirty="0" err="1"/>
               <a:t>foloseste</a:t>
             </a:r>
             <a:r>
-              <a:rPr lang="en-US" dirty="0"/>
+              <a:rPr lang="en-US" sz="2400" dirty="0"/>
               <a:t> </a:t>
             </a:r>
             <a:r>
-              <a:rPr lang="en-US" dirty="0" err="1"/>
+              <a:rPr lang="en-US" sz="2400" dirty="0" err="1"/>
               <a:t>spatiu</a:t>
             </a:r>
             <a:r>
-              <a:rPr lang="en-US" dirty="0"/>
+              <a:rPr lang="en-US" sz="2400" dirty="0"/>
+              <a:t> de </a:t>
+            </a:r>
+            <a:r>
+              <a:rPr lang="en-US" sz="2400" dirty="0" err="1"/>
+              <a:t>memorie</a:t>
+            </a:r>
+            <a:r>
+              <a:rPr lang="en-US" sz="2400" dirty="0"/>
               <a:t> </a:t>
             </a:r>
             <a:r>
-              <a:rPr lang="en-US" dirty="0" err="1"/>
+              <a:rPr lang="en-US" sz="2400" dirty="0" err="1"/>
               <a:t>suplimentar</a:t>
             </a:r>
             <a:r>
-              <a:rPr lang="en-US" dirty="0"/>
-              <a:t>, dar este destul de </a:t>
-            </a:r>
-            <a:r>
-              <a:rPr lang="en-US" dirty="0" err="1"/>
-              <a:t>riscanta</a:t>
-            </a:r>
-            <a:r>
-              <a:rPr lang="en-US" dirty="0"/>
+              <a:rPr lang="en-US" sz="2400" dirty="0"/>
+              <a:t> in afara de </a:t>
+            </a:r>
+            <a:r>
+              <a:rPr lang="en-US" sz="2400" dirty="0" err="1"/>
+              <a:t>variabila</a:t>
+            </a:r>
+            <a:r>
+              <a:rPr lang="en-US" sz="2400" dirty="0"/>
+              <a:t> integer in care </a:t>
+            </a:r>
+            <a:r>
+              <a:rPr lang="en-US" sz="2400" dirty="0" err="1"/>
+              <a:t>stocam</a:t>
+            </a:r>
+            <a:r>
+              <a:rPr lang="en-US" sz="2400" dirty="0"/>
+              <a:t> </a:t>
+            </a:r>
+            <a:r>
+              <a:rPr lang="en-US" sz="2400" dirty="0" err="1"/>
+              <a:t>valoarea</a:t>
+            </a:r>
+            <a:r>
+              <a:rPr lang="en-US" sz="2400" dirty="0"/>
+              <a:t> </a:t>
+            </a:r>
+            <a:r>
+              <a:rPr lang="en-US" sz="2400" dirty="0" err="1"/>
+              <a:t>pasului</a:t>
+            </a:r>
+            <a:r>
+              <a:rPr lang="en-US" sz="2400" dirty="0"/>
+              <a:t> la </a:t>
+            </a:r>
+            <a:r>
+              <a:rPr lang="en-US" sz="2400" dirty="0" err="1"/>
+              <a:t>fiecare</a:t>
+            </a:r>
+            <a:r>
+              <a:rPr lang="en-US" sz="2400" dirty="0"/>
+              <a:t> </a:t>
+            </a:r>
+            <a:r>
+              <a:rPr lang="en-US" sz="2400" dirty="0" err="1"/>
+              <a:t>apelare</a:t>
+            </a:r>
+            <a:r>
+              <a:rPr lang="en-US" sz="2400" dirty="0"/>
+              <a:t> </a:t>
+            </a:r>
+            <a:r>
+              <a:rPr lang="en-US" sz="2400" dirty="0" err="1"/>
+              <a:t>recursiva</a:t>
+            </a:r>
+            <a:r>
+              <a:rPr lang="en-US" sz="2400" dirty="0"/>
+              <a:t> (de la N/2 la 1).</a:t>
+            </a:r>
+          </a:p>
+          <a:p>
+            <a:pPr marL="0" indent="0">
+              <a:buNone/>
+            </a:pPr>
+            <a:r>
+              <a:rPr lang="en-US" sz="2400" dirty="0" err="1"/>
+              <a:t>Totusi</a:t>
+            </a:r>
+            <a:r>
+              <a:rPr lang="en-US" sz="2400" dirty="0"/>
               <a:t>, </a:t>
             </a:r>
             <a:r>
-              <a:rPr lang="en-US" dirty="0" err="1"/>
-              <a:t>putand</a:t>
-            </a:r>
-            <a:r>
-              <a:rPr lang="en-US" dirty="0"/>
+              <a:rPr lang="en-US" sz="2400" dirty="0" err="1"/>
+              <a:t>complexitatea</a:t>
+            </a:r>
+            <a:r>
+              <a:rPr lang="en-US" sz="2400" dirty="0"/>
+              <a:t> timp </a:t>
+            </a:r>
+            <a:r>
+              <a:rPr lang="en-US" sz="2400" dirty="0" err="1"/>
+              <a:t>variaza</a:t>
+            </a:r>
+            <a:r>
+              <a:rPr lang="en-US" sz="2400" dirty="0"/>
+              <a:t> destul de mult, spre </a:t>
+            </a:r>
+            <a:r>
+              <a:rPr lang="en-US" sz="2400" dirty="0" err="1"/>
+              <a:t>deosebire</a:t>
+            </a:r>
+            <a:r>
+              <a:rPr lang="en-US" sz="2400" dirty="0"/>
+              <a:t> de Merge Sort. Pentru N &lt; 10^7 </a:t>
+            </a:r>
+            <a:r>
+              <a:rPr lang="en-US" sz="2400" dirty="0" err="1"/>
+              <a:t>merita</a:t>
+            </a:r>
+            <a:r>
+              <a:rPr lang="en-US" sz="2400" dirty="0"/>
               <a:t> </a:t>
             </a:r>
             <a:r>
-              <a:rPr lang="en-US" dirty="0" err="1"/>
-              <a:t>degenera</a:t>
-            </a:r>
-            <a:r>
-              <a:rPr lang="en-US" dirty="0"/>
-              <a:t> in O(N^2) </a:t>
-            </a:r>
-            <a:r>
-              <a:rPr lang="en-US" dirty="0" err="1"/>
-              <a:t>chiar</a:t>
-            </a:r>
-            <a:r>
-              <a:rPr lang="en-US" dirty="0"/>
+              <a:rPr lang="en-US" sz="2400" dirty="0" err="1"/>
+              <a:t>sa</a:t>
+            </a:r>
+            <a:r>
+              <a:rPr lang="en-US" sz="2400" dirty="0"/>
+              <a:t> folosim shell sort sau Quick Sort pentru a </a:t>
+            </a:r>
+            <a:r>
+              <a:rPr lang="en-US" sz="2400" dirty="0" err="1"/>
+              <a:t>economisi</a:t>
+            </a:r>
+            <a:r>
+              <a:rPr lang="en-US" sz="2400" dirty="0"/>
               <a:t> </a:t>
             </a:r>
             <a:r>
-              <a:rPr lang="en-US" dirty="0" err="1"/>
-              <a:t>si</a:t>
-            </a:r>
-            <a:r>
-              <a:rPr lang="en-US" dirty="0"/>
-              <a:t> cand </a:t>
-            </a:r>
-            <a:r>
-              <a:rPr lang="en-US" dirty="0" err="1"/>
-              <a:t>pivotul</a:t>
-            </a:r>
-            <a:r>
-              <a:rPr lang="en-US" dirty="0"/>
-              <a:t> a </a:t>
-            </a:r>
-            <a:r>
-              <a:rPr lang="en-US" dirty="0" err="1"/>
-              <a:t>fost</a:t>
-            </a:r>
-            <a:r>
-              <a:rPr lang="en-US" dirty="0"/>
-              <a:t> ales  </a:t>
-            </a:r>
-            <a:r>
-              <a:rPr lang="en-US" dirty="0" err="1"/>
-              <a:t>eficient</a:t>
-            </a:r>
-            <a:r>
-              <a:rPr lang="en-US" dirty="0"/>
-              <a:t>.  </a:t>
-            </a:r>
-          </a:p>
-          <a:p>
-            <a:r>
-              <a:rPr lang="en-US" dirty="0"/>
-              <a:t>Cand </a:t>
-            </a:r>
-            <a:r>
-              <a:rPr lang="en-US" dirty="0" err="1"/>
-              <a:t>dimensiunea</a:t>
-            </a:r>
-            <a:r>
-              <a:rPr lang="en-US" dirty="0"/>
+              <a:rPr lang="en-US" sz="2400" dirty="0" err="1"/>
+              <a:t>memorie</a:t>
+            </a:r>
+            <a:r>
+              <a:rPr lang="en-US" sz="2400" dirty="0"/>
+              <a:t>, dar </a:t>
+            </a:r>
+            <a:r>
+              <a:rPr lang="en-US" sz="2400" dirty="0" err="1"/>
+              <a:t>peste</a:t>
+            </a:r>
+            <a:r>
+              <a:rPr lang="en-US" sz="2400" dirty="0"/>
               <a:t> </a:t>
             </a:r>
             <a:r>
-              <a:rPr lang="en-US" dirty="0" err="1"/>
-              <a:t>vectorului</a:t>
-            </a:r>
-            <a:r>
-              <a:rPr lang="en-US" dirty="0"/>
+              <a:rPr lang="en-US" sz="2400" dirty="0" err="1"/>
+              <a:t>aceasta</a:t>
+            </a:r>
+            <a:r>
+              <a:rPr lang="en-US" sz="2400" dirty="0"/>
               <a:t> </a:t>
             </a:r>
             <a:r>
-              <a:rPr lang="en-US" dirty="0" err="1"/>
-              <a:t>creste</a:t>
-            </a:r>
-            <a:r>
-              <a:rPr lang="en-US" dirty="0"/>
+              <a:rPr lang="en-US" sz="2400" dirty="0" err="1"/>
+              <a:t>valoare</a:t>
+            </a:r>
+            <a:r>
+              <a:rPr lang="en-US" sz="2400" dirty="0"/>
+              <a:t> </a:t>
+            </a:r>
+            <a:r>
+              <a:rPr lang="en-US" sz="2400" dirty="0" err="1"/>
+              <a:t>timpii</a:t>
+            </a:r>
+            <a:r>
+              <a:rPr lang="en-US" sz="2400" dirty="0"/>
+              <a:t> de </a:t>
+            </a:r>
+            <a:r>
+              <a:rPr lang="en-US" sz="2400" dirty="0" err="1"/>
+              <a:t>executie</a:t>
+            </a:r>
+            <a:r>
+              <a:rPr lang="en-US" sz="2400" dirty="0"/>
+              <a:t> sunt </a:t>
+            </a:r>
+            <a:r>
+              <a:rPr lang="en-US" sz="2400" dirty="0" err="1"/>
+              <a:t>prea</a:t>
+            </a:r>
+            <a:r>
+              <a:rPr lang="en-US" sz="2400" dirty="0"/>
+              <a:t> </a:t>
+            </a:r>
+            <a:r>
+              <a:rPr lang="en-US" sz="2400" dirty="0" err="1"/>
+              <a:t>mari</a:t>
+            </a:r>
+            <a:r>
+              <a:rPr lang="en-US" sz="2400" dirty="0"/>
               <a:t> in </a:t>
             </a:r>
             <a:r>
-              <a:rPr lang="en-US" dirty="0" err="1"/>
-              <a:t>raport</a:t>
-            </a:r>
-            <a:r>
-              <a:rPr lang="en-US" dirty="0"/>
-              <a:t> cu </a:t>
-            </a:r>
-            <a:r>
-              <a:rPr lang="en-US" dirty="0" err="1"/>
-              <a:t>diferenta</a:t>
-            </a:r>
-            <a:r>
-              <a:rPr lang="en-US" dirty="0"/>
-              <a:t> dintre </a:t>
-            </a:r>
-            <a:r>
-              <a:rPr lang="en-US" dirty="0" err="1"/>
-              <a:t>valoarea</a:t>
-            </a:r>
-            <a:r>
-              <a:rPr lang="en-US" dirty="0"/>
-              <a:t> minima </a:t>
-            </a:r>
-            <a:r>
-              <a:rPr lang="en-US" dirty="0" err="1"/>
-              <a:t>si</a:t>
-            </a:r>
-            <a:r>
-              <a:rPr lang="en-US" dirty="0"/>
-              <a:t> maxima a </a:t>
-            </a:r>
-            <a:r>
-              <a:rPr lang="en-US" dirty="0" err="1"/>
-              <a:t>elementelor</a:t>
-            </a:r>
-            <a:r>
-              <a:rPr lang="en-US" dirty="0"/>
-              <a:t> sale </a:t>
-            </a:r>
-            <a:r>
-              <a:rPr lang="en-US" dirty="0" err="1"/>
-              <a:t>scade</a:t>
-            </a:r>
-            <a:r>
-              <a:rPr lang="en-US" dirty="0"/>
-              <a:t>, este </a:t>
-            </a:r>
-            <a:r>
-              <a:rPr lang="en-US" dirty="0" err="1"/>
-              <a:t>favorizata</a:t>
-            </a:r>
-            <a:r>
-              <a:rPr lang="en-US" dirty="0"/>
-              <a:t> </a:t>
-            </a:r>
-            <a:r>
-              <a:rPr lang="en-US" dirty="0" err="1"/>
-              <a:t>aparitia</a:t>
-            </a:r>
-            <a:r>
-              <a:rPr lang="en-US" dirty="0"/>
-              <a:t> </a:t>
-            </a:r>
-            <a:r>
-              <a:rPr lang="en-US" dirty="0" err="1"/>
-              <a:t>duplicatelor</a:t>
-            </a:r>
-            <a:r>
-              <a:rPr lang="en-US" dirty="0"/>
-              <a:t>. Astfel, </a:t>
-            </a:r>
-            <a:r>
-              <a:rPr lang="en-US" dirty="0" err="1"/>
-              <a:t>creste</a:t>
-            </a:r>
-            <a:r>
-              <a:rPr lang="en-US" dirty="0"/>
-              <a:t> </a:t>
-            </a:r>
-            <a:r>
-              <a:rPr lang="en-US" dirty="0" err="1"/>
-              <a:t>timpul</a:t>
-            </a:r>
-            <a:r>
-              <a:rPr lang="en-US" dirty="0"/>
-              <a:t> de </a:t>
-            </a:r>
-            <a:r>
-              <a:rPr lang="en-US" dirty="0" err="1"/>
-              <a:t>executie</a:t>
-            </a:r>
-            <a:r>
-              <a:rPr lang="en-US" dirty="0"/>
-              <a:t> </a:t>
-            </a:r>
-            <a:r>
-              <a:rPr lang="en-US" dirty="0" err="1"/>
-              <a:t>considerabil</a:t>
-            </a:r>
-            <a:r>
-              <a:rPr lang="en-US" dirty="0"/>
-              <a:t> pentru ca </a:t>
-            </a:r>
-            <a:r>
-              <a:rPr lang="en-US" dirty="0" err="1"/>
-              <a:t>duplicatele</a:t>
-            </a:r>
-            <a:r>
-              <a:rPr lang="en-US" dirty="0"/>
-              <a:t> </a:t>
-            </a:r>
-            <a:r>
-              <a:rPr lang="en-US" dirty="0" err="1"/>
-              <a:t>vor</a:t>
-            </a:r>
-            <a:r>
-              <a:rPr lang="en-US" dirty="0"/>
-              <a:t> fi </a:t>
-            </a:r>
-            <a:r>
-              <a:rPr lang="en-US" dirty="0" err="1"/>
-              <a:t>alese</a:t>
-            </a:r>
-            <a:r>
-              <a:rPr lang="en-US" dirty="0"/>
-              <a:t> ca </a:t>
-            </a:r>
-            <a:r>
-              <a:rPr lang="en-US" dirty="0" err="1"/>
-              <a:t>pivoti</a:t>
-            </a:r>
-            <a:r>
-              <a:rPr lang="en-US" dirty="0"/>
+              <a:rPr lang="en-US" sz="2400" dirty="0" err="1"/>
+              <a:t>comparatie</a:t>
+            </a:r>
+            <a:r>
+              <a:rPr lang="en-US" sz="2400" dirty="0"/>
+              <a:t> cu celelalte </a:t>
+            </a:r>
+            <a:r>
+              <a:rPr lang="en-US" sz="2400" dirty="0" err="1"/>
+              <a:t>sortari</a:t>
+            </a:r>
+            <a:r>
+              <a:rPr lang="en-US" sz="2400" dirty="0"/>
               <a:t>.</a:t>
-            </a:r>
-          </a:p>
-          <a:p>
-            <a:r>
-              <a:rPr lang="en-US" dirty="0"/>
-              <a:t>De aceea, pentru </a:t>
-            </a:r>
-            <a:r>
-              <a:rPr lang="en-US" dirty="0" err="1"/>
-              <a:t>testul</a:t>
-            </a:r>
-            <a:r>
-              <a:rPr lang="en-US" dirty="0"/>
-              <a:t> cu N = 10^7 </a:t>
-            </a:r>
-            <a:r>
-              <a:rPr lang="en-US" dirty="0" err="1"/>
-              <a:t>si</a:t>
-            </a:r>
-            <a:r>
-              <a:rPr lang="en-US" dirty="0"/>
-              <a:t> MAX = 10^3 </a:t>
-            </a:r>
-            <a:r>
-              <a:rPr lang="en-US" dirty="0" err="1"/>
-              <a:t>timpul</a:t>
-            </a:r>
-            <a:r>
-              <a:rPr lang="en-US" dirty="0"/>
-              <a:t> de </a:t>
-            </a:r>
-            <a:r>
-              <a:rPr lang="en-US" dirty="0" err="1"/>
-              <a:t>executie</a:t>
-            </a:r>
-            <a:r>
-              <a:rPr lang="en-US" dirty="0"/>
-              <a:t> este de </a:t>
-            </a:r>
-            <a:r>
-              <a:rPr lang="en-US" dirty="0" err="1"/>
-              <a:t>aproximativ</a:t>
-            </a:r>
-            <a:r>
-              <a:rPr lang="en-US" dirty="0"/>
-              <a:t> 110 </a:t>
-            </a:r>
-            <a:r>
-              <a:rPr lang="en-US" dirty="0" err="1"/>
-              <a:t>secunde</a:t>
-            </a:r>
-            <a:r>
-              <a:rPr lang="en-US" dirty="0"/>
-              <a:t>.</a:t>
-            </a:r>
-          </a:p>
-          <a:p>
-            <a:r>
-              <a:rPr lang="en-US" dirty="0"/>
-              <a:t>Pentru N = 10^8 </a:t>
-            </a:r>
-            <a:r>
-              <a:rPr lang="en-US" dirty="0" err="1"/>
-              <a:t>si</a:t>
-            </a:r>
-            <a:r>
-              <a:rPr lang="en-US" dirty="0"/>
-              <a:t> MAX = 10^3, </a:t>
-            </a:r>
-            <a:r>
-              <a:rPr lang="en-US" dirty="0" err="1"/>
-              <a:t>programul</a:t>
-            </a:r>
-            <a:r>
-              <a:rPr lang="en-US" dirty="0"/>
-              <a:t> nu mai poate </a:t>
-            </a:r>
-            <a:r>
-              <a:rPr lang="en-US" dirty="0" err="1"/>
-              <a:t>sa</a:t>
-            </a:r>
-            <a:r>
-              <a:rPr lang="en-US" dirty="0"/>
-              <a:t> </a:t>
-            </a:r>
-            <a:r>
-              <a:rPr lang="en-US" dirty="0" err="1"/>
-              <a:t>termine</a:t>
-            </a:r>
-            <a:r>
-              <a:rPr lang="en-US" dirty="0"/>
-              <a:t> </a:t>
-            </a:r>
-            <a:r>
-              <a:rPr lang="en-US" dirty="0" err="1"/>
-              <a:t>sortarea</a:t>
-            </a:r>
-            <a:r>
-              <a:rPr lang="en-US" dirty="0"/>
-              <a:t> pentru ca se </a:t>
-            </a:r>
-            <a:r>
-              <a:rPr lang="en-US" dirty="0" err="1"/>
-              <a:t>reapeleaza</a:t>
-            </a:r>
-            <a:r>
-              <a:rPr lang="en-US" dirty="0"/>
-              <a:t> de </a:t>
-            </a:r>
-            <a:r>
-              <a:rPr lang="en-US" dirty="0" err="1"/>
-              <a:t>prea</a:t>
-            </a:r>
-            <a:r>
-              <a:rPr lang="en-US" dirty="0"/>
-              <a:t> multe ori </a:t>
-            </a:r>
-            <a:r>
-              <a:rPr lang="en-US" dirty="0" err="1"/>
-              <a:t>si</a:t>
-            </a:r>
-            <a:r>
-              <a:rPr lang="en-US" dirty="0"/>
-              <a:t> </a:t>
-            </a:r>
-            <a:r>
-              <a:rPr lang="en-US" dirty="0" err="1"/>
-              <a:t>cauzeaza</a:t>
-            </a:r>
-            <a:r>
-              <a:rPr lang="en-US" dirty="0"/>
-              <a:t> stack overflow. </a:t>
             </a:r>
           </a:p>
           <a:p>
@@ -10359,7 +11771,7 @@
     </p:spTree>
     <p:extLst>
       <p:ext uri="{BB962C8B-B14F-4D97-AF65-F5344CB8AC3E}">
-        <p14:creationId xmlns:p14="http://schemas.microsoft.com/office/powerpoint/2010/main" val="1189066330"/>
+        <p14:creationId xmlns:p14="http://schemas.microsoft.com/office/powerpoint/2010/main" val="2607470778"/>
       </p:ext>
     </p:extLst>
   </p:cSld>
@@ -10391,7 +11803,7 @@
           <p:cNvPr id="2" name="Title 1">
             <a:extLst>
               <a:ext uri="{FF2B5EF4-FFF2-40B4-BE49-F238E27FC236}">
-                <a16:creationId xmlns:a16="http://schemas.microsoft.com/office/drawing/2014/main" id="{5EF049D3-FE99-D54D-BEFC-3CEF316894EF}"/>
+                <a16:creationId xmlns:a16="http://schemas.microsoft.com/office/drawing/2014/main" id="{2243884A-406A-E8DF-02C2-752F5B5554FC}"/>
               </a:ext>
             </a:extLst>
           </p:cNvPr>
@@ -10409,11 +11821,19 @@
           <a:p>
             <a:r>
               <a:rPr lang="en-US" dirty="0"/>
-              <a:t>Alte </a:t>
+              <a:t>Quick sort – </a:t>
             </a:r>
             <a:r>
               <a:rPr lang="en-US" dirty="0" err="1"/>
-              <a:t>observatii</a:t>
+              <a:t>complexitate</a:t>
+            </a:r>
+            <a:r>
+              <a:rPr lang="en-US" dirty="0"/>
+              <a:t> </a:t>
+            </a:r>
+            <a:r>
+              <a:rPr lang="en-US" dirty="0" err="1"/>
+              <a:t>variabila</a:t>
             </a:r>
             <a:endParaRPr lang="en-US" dirty="0"/>
           </a:p>
@@ -10424,7 +11844,7 @@
           <p:cNvPr id="3" name="Content Placeholder 2">
             <a:extLst>
               <a:ext uri="{FF2B5EF4-FFF2-40B4-BE49-F238E27FC236}">
-                <a16:creationId xmlns:a16="http://schemas.microsoft.com/office/drawing/2014/main" id="{58D6E5C1-48D0-4BE1-B991-A0C605EDC6F4}"/>
+                <a16:creationId xmlns:a16="http://schemas.microsoft.com/office/drawing/2014/main" id="{3057160D-438B-37B1-BBCA-CBAB0D2DB5BD}"/>
               </a:ext>
             </a:extLst>
           </p:cNvPr>
@@ -10437,56 +11857,22 @@
         </p:nvSpPr>
         <p:spPr/>
         <p:txBody>
-          <a:bodyPr/>
+          <a:bodyPr>
+            <a:normAutofit lnSpcReduction="10000"/>
+          </a:bodyPr>
           <a:lstStyle/>
           <a:p>
             <a:r>
-              <a:rPr lang="en-US" dirty="0"/>
-              <a:t>STL obţine </a:t>
-            </a:r>
-            <a:r>
               <a:rPr lang="en-US" dirty="0" err="1"/>
-              <a:t>timpi</a:t>
-            </a:r>
-            <a:r>
-              <a:rPr lang="en-US" dirty="0"/>
-              <a:t> foarte </a:t>
+              <a:t>Nici</a:t>
+            </a:r>
+            <a:r>
+              <a:rPr lang="en-US" dirty="0"/>
+              <a:t> quick sort nu </a:t>
             </a:r>
             <a:r>
               <a:rPr lang="en-US" dirty="0" err="1"/>
-              <a:t>asemanatori</a:t>
-            </a:r>
-            <a:r>
-              <a:rPr lang="en-US" dirty="0"/>
-              <a:t> cu Merge Sort pentru toate </a:t>
-            </a:r>
-            <a:r>
-              <a:rPr lang="en-US" dirty="0" err="1"/>
-              <a:t>cazurile</a:t>
-            </a:r>
-            <a:r>
-              <a:rPr lang="en-US" dirty="0"/>
-              <a:t>, dar cea din </a:t>
-            </a:r>
-            <a:r>
-              <a:rPr lang="en-US" dirty="0" err="1"/>
-              <a:t>urma</a:t>
-            </a:r>
-            <a:r>
-              <a:rPr lang="en-US" dirty="0"/>
-              <a:t> </a:t>
-            </a:r>
-            <a:r>
-              <a:rPr lang="en-US" dirty="0" err="1"/>
-              <a:t>ocupa</a:t>
-            </a:r>
-            <a:r>
-              <a:rPr lang="en-US" dirty="0"/>
-              <a:t> mai </a:t>
-            </a:r>
-            <a:r>
-              <a:rPr lang="en-US" dirty="0" err="1"/>
-              <a:t>putin</a:t>
+              <a:t>foloseste</a:t>
             </a:r>
             <a:r>
               <a:rPr lang="en-US" dirty="0"/>
@@ -10498,34 +11884,125 @@
             </a:r>
             <a:r>
               <a:rPr lang="en-US" dirty="0"/>
-              <a:t> de </a:t>
-            </a:r>
-            <a:r>
-              <a:rPr lang="en-US" dirty="0" err="1"/>
-              <a:t>stocare</a:t>
-            </a:r>
-            <a:r>
-              <a:rPr lang="en-US" dirty="0"/>
               <a:t> </a:t>
             </a:r>
             <a:r>
               <a:rPr lang="en-US" dirty="0" err="1"/>
               <a:t>suplimentar</a:t>
             </a:r>
-            <a:endParaRPr lang="en-US" dirty="0"/>
-          </a:p>
-          <a:p>
-            <a:r>
-              <a:rPr lang="en-US" dirty="0"/>
-              <a:t>Pentru N &lt;=10^5, quick sort este cea mai </a:t>
+            <a:r>
+              <a:rPr lang="en-US" dirty="0"/>
+              <a:t>, dar este destul de </a:t>
             </a:r>
             <a:r>
               <a:rPr lang="en-US" dirty="0" err="1"/>
-              <a:t>rapida</a:t>
-            </a:r>
-            <a:r>
-              <a:rPr lang="en-US" dirty="0"/>
-              <a:t> indifferent de </a:t>
+              <a:t>riscanta</a:t>
+            </a:r>
+            <a:r>
+              <a:rPr lang="en-US" dirty="0"/>
+              <a:t>, </a:t>
+            </a:r>
+            <a:r>
+              <a:rPr lang="en-US" dirty="0" err="1"/>
+              <a:t>putand</a:t>
+            </a:r>
+            <a:r>
+              <a:rPr lang="en-US" dirty="0"/>
+              <a:t> </a:t>
+            </a:r>
+            <a:r>
+              <a:rPr lang="en-US" dirty="0" err="1"/>
+              <a:t>degenera</a:t>
+            </a:r>
+            <a:r>
+              <a:rPr lang="en-US" dirty="0"/>
+              <a:t> in O(N^2) </a:t>
+            </a:r>
+            <a:r>
+              <a:rPr lang="en-US" dirty="0" err="1"/>
+              <a:t>chiar</a:t>
+            </a:r>
+            <a:r>
+              <a:rPr lang="en-US" dirty="0"/>
+              <a:t> </a:t>
+            </a:r>
+            <a:r>
+              <a:rPr lang="en-US" dirty="0" err="1"/>
+              <a:t>si</a:t>
+            </a:r>
+            <a:r>
+              <a:rPr lang="en-US" dirty="0"/>
+              <a:t> cand </a:t>
+            </a:r>
+            <a:r>
+              <a:rPr lang="en-US" dirty="0" err="1"/>
+              <a:t>pivotul</a:t>
+            </a:r>
+            <a:r>
+              <a:rPr lang="en-US" dirty="0"/>
+              <a:t> a </a:t>
+            </a:r>
+            <a:r>
+              <a:rPr lang="en-US" dirty="0" err="1"/>
+              <a:t>fost</a:t>
+            </a:r>
+            <a:r>
+              <a:rPr lang="en-US" dirty="0"/>
+              <a:t> ales  </a:t>
+            </a:r>
+            <a:r>
+              <a:rPr lang="en-US" dirty="0" err="1"/>
+              <a:t>eficient</a:t>
+            </a:r>
+            <a:r>
+              <a:rPr lang="en-US" dirty="0"/>
+              <a:t>.  </a:t>
+            </a:r>
+          </a:p>
+          <a:p>
+            <a:r>
+              <a:rPr lang="en-US" dirty="0"/>
+              <a:t>Cand </a:t>
+            </a:r>
+            <a:r>
+              <a:rPr lang="en-US" dirty="0" err="1"/>
+              <a:t>dimensiunea</a:t>
+            </a:r>
+            <a:r>
+              <a:rPr lang="en-US" dirty="0"/>
+              <a:t> </a:t>
+            </a:r>
+            <a:r>
+              <a:rPr lang="en-US" dirty="0" err="1"/>
+              <a:t>vectorului</a:t>
+            </a:r>
+            <a:r>
+              <a:rPr lang="en-US" dirty="0"/>
+              <a:t> </a:t>
+            </a:r>
+            <a:r>
+              <a:rPr lang="en-US" dirty="0" err="1"/>
+              <a:t>creste</a:t>
+            </a:r>
+            <a:r>
+              <a:rPr lang="en-US" dirty="0"/>
+              <a:t> in </a:t>
+            </a:r>
+            <a:r>
+              <a:rPr lang="en-US" dirty="0" err="1"/>
+              <a:t>raport</a:t>
+            </a:r>
+            <a:r>
+              <a:rPr lang="en-US" dirty="0"/>
+              <a:t> cu </a:t>
+            </a:r>
+            <a:r>
+              <a:rPr lang="en-US" dirty="0" err="1"/>
+              <a:t>diferenta</a:t>
+            </a:r>
+            <a:r>
+              <a:rPr lang="en-US" dirty="0"/>
+              <a:t> dintre </a:t>
             </a:r>
             <a:r>
               <a:rPr lang="en-US" dirty="0" err="1"/>
@@ -10533,7 +12010,7 @@
             </a:r>
             <a:r>
               <a:rPr lang="en-US" dirty="0"/>
-              <a:t> maxima din vector </a:t>
+              <a:t> minima </a:t>
             </a:r>
             <a:r>
               <a:rPr lang="en-US" dirty="0" err="1"/>
@@ -10541,11 +12018,27 @@
             </a:r>
             <a:r>
               <a:rPr lang="en-US" dirty="0"/>
-              <a:t>, pentru ca nu </a:t>
+              <a:t> maxima a </a:t>
             </a:r>
             <a:r>
               <a:rPr lang="en-US" dirty="0" err="1"/>
-              <a:t>foloseste</a:t>
+              <a:t>elementelor</a:t>
+            </a:r>
+            <a:r>
+              <a:rPr lang="en-US" dirty="0"/>
+              <a:t> sale </a:t>
+            </a:r>
+            <a:r>
+              <a:rPr lang="en-US" dirty="0" err="1"/>
+              <a:t>scade</a:t>
+            </a:r>
+            <a:r>
+              <a:rPr lang="en-US" dirty="0"/>
+              <a:t>, este </a:t>
+            </a:r>
+            <a:r>
+              <a:rPr lang="en-US" dirty="0" err="1"/>
+              <a:t>favorizata</a:t>
             </a:r>
             <a:r>
               <a:rPr lang="en-US" dirty="0"/>
@@ -10553,7 +12046,7 @@
             </a:r>
             <a:r>
               <a:rPr lang="en-US" dirty="0" err="1"/>
-              <a:t>memorie</a:t>
+              <a:t>aparitia</a:t>
             </a:r>
             <a:r>
               <a:rPr lang="en-US" dirty="0"/>
@@ -10561,11 +12054,89 @@
             </a:r>
             <a:r>
               <a:rPr lang="en-US" dirty="0" err="1"/>
-              <a:t>suplimentara</a:t>
-            </a:r>
-            <a:r>
-              <a:rPr lang="en-US" dirty="0"/>
-              <a:t> este </a:t>
+              <a:t>duplicatelor</a:t>
+            </a:r>
+            <a:r>
+              <a:rPr lang="en-US" dirty="0"/>
+              <a:t>. Astfel, </a:t>
+            </a:r>
+            <a:r>
+              <a:rPr lang="en-US" dirty="0" err="1"/>
+              <a:t>creste</a:t>
+            </a:r>
+            <a:r>
+              <a:rPr lang="en-US" dirty="0"/>
+              <a:t> </a:t>
+            </a:r>
+            <a:r>
+              <a:rPr lang="en-US" dirty="0" err="1"/>
+              <a:t>timpul</a:t>
+            </a:r>
+            <a:r>
+              <a:rPr lang="en-US" dirty="0"/>
+              <a:t> de </a:t>
+            </a:r>
+            <a:r>
+              <a:rPr lang="en-US" dirty="0" err="1"/>
+              <a:t>executie</a:t>
+            </a:r>
+            <a:r>
+              <a:rPr lang="en-US" dirty="0"/>
+              <a:t> </a:t>
+            </a:r>
+            <a:r>
+              <a:rPr lang="en-US" dirty="0" err="1"/>
+              <a:t>considerabil</a:t>
+            </a:r>
+            <a:r>
+              <a:rPr lang="en-US" dirty="0"/>
+              <a:t> pentru ca </a:t>
+            </a:r>
+            <a:r>
+              <a:rPr lang="en-US" dirty="0" err="1"/>
+              <a:t>duplicatele</a:t>
+            </a:r>
+            <a:r>
+              <a:rPr lang="en-US" dirty="0"/>
+              <a:t> </a:t>
+            </a:r>
+            <a:r>
+              <a:rPr lang="en-US" dirty="0" err="1"/>
+              <a:t>vor</a:t>
+            </a:r>
+            <a:r>
+              <a:rPr lang="en-US" dirty="0"/>
+              <a:t> fi </a:t>
+            </a:r>
+            <a:r>
+              <a:rPr lang="en-US" dirty="0" err="1"/>
+              <a:t>alese</a:t>
+            </a:r>
+            <a:r>
+              <a:rPr lang="en-US" dirty="0"/>
+              <a:t> ca </a:t>
+            </a:r>
+            <a:r>
+              <a:rPr lang="en-US" dirty="0" err="1"/>
+              <a:t>pivoti</a:t>
+            </a:r>
+            <a:r>
+              <a:rPr lang="en-US" dirty="0"/>
+              <a:t>.</a:t>
+            </a:r>
+          </a:p>
+          <a:p>
+            <a:r>
+              <a:rPr lang="en-US" dirty="0"/>
+              <a:t>De aceea, pentru </a:t>
+            </a:r>
+            <a:r>
+              <a:rPr lang="en-US" dirty="0" err="1"/>
+              <a:t>testul</a:t>
+            </a:r>
+            <a:r>
+              <a:rPr lang="en-US" dirty="0"/>
+              <a:t> cu N = 10^7 </a:t>
             </a:r>
             <a:r>
               <a:rPr lang="en-US" dirty="0" err="1"/>
@@ -10573,19 +12144,65 @@
             </a:r>
             <a:r>
               <a:rPr lang="en-US" dirty="0"/>
-              <a:t> cea mai </a:t>
+              <a:t> MAX = 10^3 </a:t>
             </a:r>
             <a:r>
               <a:rPr lang="en-US" dirty="0" err="1"/>
-              <a:t>eficienta</a:t>
-            </a:r>
-            <a:r>
-              <a:rPr lang="en-US" dirty="0"/>
-              <a:t> in </a:t>
+              <a:t>timpul</a:t>
+            </a:r>
+            <a:r>
+              <a:rPr lang="en-US" dirty="0"/>
+              <a:t> de </a:t>
             </a:r>
             <a:r>
               <a:rPr lang="en-US" dirty="0" err="1"/>
-              <a:t>aceste</a:t>
+              <a:t>executie</a:t>
+            </a:r>
+            <a:r>
+              <a:rPr lang="en-US" dirty="0"/>
+              <a:t> este de </a:t>
+            </a:r>
+            <a:r>
+              <a:rPr lang="en-US" dirty="0" err="1"/>
+              <a:t>aproximativ</a:t>
+            </a:r>
+            <a:r>
+              <a:rPr lang="en-US" dirty="0"/>
+              <a:t> 110 </a:t>
+            </a:r>
+            <a:r>
+              <a:rPr lang="en-US" dirty="0" err="1"/>
+              <a:t>secunde</a:t>
+            </a:r>
+            <a:r>
+              <a:rPr lang="en-US" dirty="0"/>
+              <a:t>.</a:t>
+            </a:r>
+          </a:p>
+          <a:p>
+            <a:r>
+              <a:rPr lang="en-US" dirty="0"/>
+              <a:t>Pentru N = 10^8 </a:t>
+            </a:r>
+            <a:r>
+              <a:rPr lang="en-US" dirty="0" err="1"/>
+              <a:t>si</a:t>
+            </a:r>
+            <a:r>
+              <a:rPr lang="en-US" dirty="0"/>
+              <a:t> MAX = 10^3, </a:t>
+            </a:r>
+            <a:r>
+              <a:rPr lang="en-US" dirty="0" err="1"/>
+              <a:t>programul</a:t>
+            </a:r>
+            <a:r>
+              <a:rPr lang="en-US" dirty="0"/>
+              <a:t> nu mai poate </a:t>
+            </a:r>
+            <a:r>
+              <a:rPr lang="en-US" dirty="0" err="1"/>
+              <a:t>sa</a:t>
             </a:r>
             <a:r>
               <a:rPr lang="en-US" dirty="0"/>
@@ -10593,19 +12210,110 @@
             </a:r>
             <a:r>
               <a:rPr lang="en-US" dirty="0" err="1"/>
-              <a:t>cazuri</a:t>
-            </a:r>
-            <a:r>
-              <a:rPr lang="en-US" dirty="0"/>
-              <a:t>.</a:t>
-            </a:r>
+              <a:t>termine</a:t>
+            </a:r>
+            <a:r>
+              <a:rPr lang="en-US" dirty="0"/>
+              <a:t> </a:t>
+            </a:r>
+            <a:r>
+              <a:rPr lang="en-US" dirty="0" err="1"/>
+              <a:t>sortarea</a:t>
+            </a:r>
+            <a:r>
+              <a:rPr lang="en-US" dirty="0"/>
+              <a:t> pentru ca se </a:t>
+            </a:r>
+            <a:r>
+              <a:rPr lang="en-US" dirty="0" err="1"/>
+              <a:t>reapeleaza</a:t>
+            </a:r>
+            <a:r>
+              <a:rPr lang="en-US" dirty="0"/>
+              <a:t> de </a:t>
+            </a:r>
+            <a:r>
+              <a:rPr lang="en-US" dirty="0" err="1"/>
+              <a:t>prea</a:t>
+            </a:r>
+            <a:r>
+              <a:rPr lang="en-US" dirty="0"/>
+              <a:t> multe ori </a:t>
+            </a:r>
+            <a:r>
+              <a:rPr lang="en-US" dirty="0" err="1"/>
+              <a:t>si</a:t>
+            </a:r>
+            <a:r>
+              <a:rPr lang="en-US" dirty="0"/>
+              <a:t> </a:t>
+            </a:r>
+            <a:r>
+              <a:rPr lang="en-US" dirty="0" err="1"/>
+              <a:t>cauzeaza</a:t>
+            </a:r>
+            <a:r>
+              <a:rPr lang="en-US" dirty="0"/>
+              <a:t> stack overflow, sau </a:t>
+            </a:r>
+            <a:r>
+              <a:rPr lang="en-US" dirty="0" err="1"/>
+              <a:t>dureaza</a:t>
+            </a:r>
+            <a:r>
+              <a:rPr lang="en-US" dirty="0"/>
+              <a:t> foarte mult </a:t>
+            </a:r>
+            <a:r>
+              <a:rPr lang="en-US" dirty="0" err="1"/>
+              <a:t>sa</a:t>
+            </a:r>
+            <a:r>
+              <a:rPr lang="en-US" dirty="0"/>
+              <a:t> </a:t>
+            </a:r>
+            <a:r>
+              <a:rPr lang="en-US" dirty="0" err="1"/>
+              <a:t>sorteze</a:t>
+            </a:r>
+            <a:r>
+              <a:rPr lang="en-US" dirty="0"/>
+              <a:t> (</a:t>
+            </a:r>
+            <a:r>
+              <a:rPr lang="en-US" dirty="0" err="1"/>
+              <a:t>peste</a:t>
+            </a:r>
+            <a:r>
+              <a:rPr lang="en-US" dirty="0"/>
+              <a:t> 20 de min). Acest </a:t>
+            </a:r>
+            <a:r>
+              <a:rPr lang="en-US" dirty="0" err="1"/>
+              <a:t>lucru</a:t>
+            </a:r>
+            <a:r>
+              <a:rPr lang="en-US" dirty="0"/>
+              <a:t> se </a:t>
+            </a:r>
+            <a:r>
+              <a:rPr lang="en-US" dirty="0" err="1"/>
+              <a:t>intampla</a:t>
+            </a:r>
+            <a:r>
+              <a:rPr lang="en-US" dirty="0"/>
+              <a:t> pentru MAX &lt; 10^5.</a:t>
+            </a:r>
+          </a:p>
+          <a:p>
+            <a:endParaRPr lang="en-US" dirty="0"/>
           </a:p>
         </p:txBody>
       </p:sp>
     </p:spTree>
     <p:extLst>
       <p:ext uri="{BB962C8B-B14F-4D97-AF65-F5344CB8AC3E}">
-        <p14:creationId xmlns:p14="http://schemas.microsoft.com/office/powerpoint/2010/main" val="552496325"/>
+        <p14:creationId xmlns:p14="http://schemas.microsoft.com/office/powerpoint/2010/main" val="1189066330"/>
       </p:ext>
     </p:extLst>
   </p:cSld>

--- a/proiect1SD/Prezentare.pptx
+++ b/proiect1SD/Prezentare.pptx
@@ -15,7 +15,6 @@
     <p:sldId id="266" r:id="rId9"/>
     <p:sldId id="261" r:id="rId10"/>
     <p:sldId id="265" r:id="rId11"/>
-    <p:sldId id="264" r:id="rId12"/>
   </p:sldIdLst>
   <p:sldSz cx="12192000" cy="6858000"/>
   <p:notesSz cx="6858000" cy="9144000"/>
@@ -8750,94 +8749,6 @@
 </p:sld>
 </file>
 
-<file path=ppt/slides/slide11.xml><?xml version="1.0" encoding="utf-8"?>
-<p:sld xmlns:a="http://schemas.openxmlformats.org/drawingml/2006/main" xmlns:r="http://schemas.openxmlformats.org/officeDocument/2006/relationships" xmlns:p="http://schemas.openxmlformats.org/presentationml/2006/main">
-  <p:cSld>
-    <p:spTree>
-      <p:nvGrpSpPr>
-        <p:cNvPr id="1" name=""/>
-        <p:cNvGrpSpPr/>
-        <p:nvPr/>
-      </p:nvGrpSpPr>
-      <p:grpSpPr>
-        <a:xfrm>
-          <a:off x="0" y="0"/>
-          <a:ext cx="0" cy="0"/>
-          <a:chOff x="0" y="0"/>
-          <a:chExt cx="0" cy="0"/>
-        </a:xfrm>
-      </p:grpSpPr>
-      <p:sp>
-        <p:nvSpPr>
-          <p:cNvPr id="2" name="Title 1">
-            <a:extLst>
-              <a:ext uri="{FF2B5EF4-FFF2-40B4-BE49-F238E27FC236}">
-                <a16:creationId xmlns:a16="http://schemas.microsoft.com/office/drawing/2014/main" id="{5EF049D3-FE99-D54D-BEFC-3CEF316894EF}"/>
-              </a:ext>
-            </a:extLst>
-          </p:cNvPr>
-          <p:cNvSpPr>
-            <a:spLocks noGrp="1"/>
-          </p:cNvSpPr>
-          <p:nvPr>
-            <p:ph type="title"/>
-          </p:nvPr>
-        </p:nvSpPr>
-        <p:spPr/>
-        <p:txBody>
-          <a:bodyPr/>
-          <a:lstStyle/>
-          <a:p>
-            <a:r>
-              <a:rPr lang="en-US" dirty="0"/>
-              <a:t>Alte </a:t>
-            </a:r>
-            <a:r>
-              <a:rPr lang="en-US" dirty="0" err="1"/>
-              <a:t>observatii</a:t>
-            </a:r>
-            <a:endParaRPr lang="en-US" dirty="0"/>
-          </a:p>
-        </p:txBody>
-      </p:sp>
-      <p:sp>
-        <p:nvSpPr>
-          <p:cNvPr id="3" name="Content Placeholder 2">
-            <a:extLst>
-              <a:ext uri="{FF2B5EF4-FFF2-40B4-BE49-F238E27FC236}">
-                <a16:creationId xmlns:a16="http://schemas.microsoft.com/office/drawing/2014/main" id="{58D6E5C1-48D0-4BE1-B991-A0C605EDC6F4}"/>
-              </a:ext>
-            </a:extLst>
-          </p:cNvPr>
-          <p:cNvSpPr>
-            <a:spLocks noGrp="1"/>
-          </p:cNvSpPr>
-          <p:nvPr>
-            <p:ph idx="1"/>
-          </p:nvPr>
-        </p:nvSpPr>
-        <p:spPr/>
-        <p:txBody>
-          <a:bodyPr/>
-          <a:lstStyle/>
-          <a:p>
-            <a:endParaRPr lang="en-US" dirty="0"/>
-          </a:p>
-        </p:txBody>
-      </p:sp>
-    </p:spTree>
-    <p:extLst>
-      <p:ext uri="{BB962C8B-B14F-4D97-AF65-F5344CB8AC3E}">
-        <p14:creationId xmlns:p14="http://schemas.microsoft.com/office/powerpoint/2010/main" val="552496325"/>
-      </p:ext>
-    </p:extLst>
-  </p:cSld>
-  <p:clrMapOvr>
-    <a:masterClrMapping/>
-  </p:clrMapOvr>
-</p:sld>
-</file>
-
 <file path=ppt/slides/slide2.xml><?xml version="1.0" encoding="utf-8"?>
 <p:sld xmlns:a="http://schemas.openxmlformats.org/drawingml/2006/main" xmlns:r="http://schemas.openxmlformats.org/officeDocument/2006/relationships" xmlns:p="http://schemas.openxmlformats.org/presentationml/2006/main">
   <p:cSld>
@@ -10061,8 +9972,8 @@
           </a:p>
         </p:txBody>
       </p:sp>
-      <mc:AlternateContent xmlns:mc="http://schemas.openxmlformats.org/markup-compatibility/2006" xmlns:a14="http://schemas.microsoft.com/office/drawing/2010/main">
-        <mc:Choice Requires="a14">
+      <mc:AlternateContent xmlns:mc="http://schemas.openxmlformats.org/markup-compatibility/2006">
+        <mc:Choice xmlns:a14="http://schemas.microsoft.com/office/drawing/2010/main" Requires="a14">
           <p:graphicFrame>
             <p:nvGraphicFramePr>
               <p:cNvPr id="16" name="Table 16">
@@ -10079,7 +9990,7 @@
                 <p:ph idx="1"/>
                 <p:extLst>
                   <p:ext uri="{D42A27DB-BD31-4B8C-83A1-F6EECF244321}">
-                    <p14:modId xmlns:p14="http://schemas.microsoft.com/office/powerpoint/2010/main" val="4127034621"/>
+                    <p14:modId xmlns:p14="http://schemas.microsoft.com/office/powerpoint/2010/main" val="4219263104"/>
                   </p:ext>
                 </p:extLst>
               </p:nvPr>
@@ -10451,7 +10362,7 @@
                         <a:p>
                           <a:r>
                             <a:rPr lang="en-US" dirty="0"/>
-                            <a:t>O(N) -&gt; O(4N) </a:t>
+                            <a:t>N -&gt; 4N</a:t>
                           </a:r>
                         </a:p>
                       </a:txBody>
@@ -10534,7 +10445,7 @@
             </a:graphic>
           </p:graphicFrame>
         </mc:Choice>
-        <mc:Fallback xmlns="">
+        <mc:Fallback>
           <p:graphicFrame>
             <p:nvGraphicFramePr>
               <p:cNvPr id="16" name="Table 16">
@@ -10551,7 +10462,7 @@
                 <p:ph idx="1"/>
                 <p:extLst>
                   <p:ext uri="{D42A27DB-BD31-4B8C-83A1-F6EECF244321}">
-                    <p14:modId xmlns:p14="http://schemas.microsoft.com/office/powerpoint/2010/main" val="4127034621"/>
+                    <p14:modId xmlns:p14="http://schemas.microsoft.com/office/powerpoint/2010/main" val="4219263104"/>
                   </p:ext>
                 </p:extLst>
               </p:nvPr>
@@ -10923,7 +10834,7 @@
                         <a:p>
                           <a:r>
                             <a:rPr lang="en-US" dirty="0"/>
-                            <a:t>O(N) -&gt; O(4N) </a:t>
+                            <a:t>N -&gt; 4N</a:t>
                           </a:r>
                         </a:p>
                       </a:txBody>
@@ -11052,7 +10963,7 @@
         </p:spPr>
         <p:txBody>
           <a:bodyPr>
-            <a:normAutofit/>
+            <a:normAutofit lnSpcReduction="10000"/>
           </a:bodyPr>
           <a:lstStyle/>
           <a:p>
@@ -11198,7 +11109,31 @@
             </a:r>
             <a:r>
               <a:rPr lang="en-US" sz="2400" dirty="0"/>
-              <a:t> este </a:t>
+              <a:t> in </a:t>
+            </a:r>
+            <a:r>
+              <a:rPr lang="en-US" sz="2400" dirty="0" err="1"/>
+              <a:t>raport</a:t>
+            </a:r>
+            <a:r>
+              <a:rPr lang="en-US" sz="2400" dirty="0"/>
+              <a:t> cu </a:t>
+            </a:r>
+            <a:r>
+              <a:rPr lang="en-US" sz="2400" dirty="0" err="1"/>
+              <a:t>numarul</a:t>
+            </a:r>
+            <a:r>
+              <a:rPr lang="en-US" sz="2400" dirty="0"/>
+              <a:t> lor nu este o </a:t>
+            </a:r>
+            <a:r>
+              <a:rPr lang="en-US" sz="2400" dirty="0" err="1"/>
+              <a:t>alegere</a:t>
+            </a:r>
+            <a:r>
+              <a:rPr lang="en-US" sz="2400" dirty="0"/>
+              <a:t> atât de buna pentru ca </a:t>
             </a:r>
             <a:r>
               <a:rPr lang="en-US" sz="2400" dirty="0" err="1"/>
@@ -11270,7 +11205,7 @@
             </a:r>
             <a:r>
               <a:rPr lang="en-US" sz="2400" dirty="0"/>
-              <a:t> de frecvența. </a:t>
+              <a:t> de frecvența.</a:t>
             </a:r>
           </a:p>
           <a:p>
@@ -11413,6 +11348,46 @@
             <a:r>
               <a:rPr lang="en-US" sz="2400" dirty="0" err="1"/>
               <a:t>suplimentar</a:t>
+            </a:r>
+            <a:r>
+              <a:rPr lang="en-US" sz="2400" dirty="0"/>
+              <a:t> </a:t>
+            </a:r>
+            <a:r>
+              <a:rPr lang="en-US" sz="2400" dirty="0" err="1"/>
+              <a:t>si</a:t>
+            </a:r>
+            <a:r>
+              <a:rPr lang="en-US" sz="2400" dirty="0"/>
+              <a:t> este cea mai </a:t>
+            </a:r>
+            <a:r>
+              <a:rPr lang="en-US" sz="2400" dirty="0" err="1"/>
+              <a:t>sigur</a:t>
+            </a:r>
+            <a:r>
+              <a:rPr lang="en-US" sz="2400" dirty="0"/>
+              <a:t> de </a:t>
+            </a:r>
+            <a:r>
+              <a:rPr lang="en-US" sz="2400" dirty="0" err="1"/>
+              <a:t>folosit</a:t>
+            </a:r>
+            <a:r>
+              <a:rPr lang="en-US" sz="2400" dirty="0"/>
+              <a:t> </a:t>
+            </a:r>
+            <a:r>
+              <a:rPr lang="en-US" sz="2400" dirty="0" err="1"/>
+              <a:t>sortare</a:t>
+            </a:r>
+            <a:r>
+              <a:rPr lang="en-US" sz="2400" dirty="0"/>
+              <a:t> in toate </a:t>
+            </a:r>
+            <a:r>
+              <a:rPr lang="en-US" sz="2400" dirty="0" err="1"/>
+              <a:t>cazurile</a:t>
             </a:r>
             <a:r>
               <a:rPr lang="en-US" sz="2400" dirty="0"/>
@@ -11858,7 +11833,7 @@
         <p:spPr/>
         <p:txBody>
           <a:bodyPr>
-            <a:normAutofit lnSpcReduction="10000"/>
+            <a:normAutofit fontScale="92500" lnSpcReduction="10000"/>
           </a:bodyPr>
           <a:lstStyle/>
           <a:p>
@@ -12176,7 +12151,31 @@
             </a:r>
             <a:r>
               <a:rPr lang="en-US" dirty="0"/>
-              <a:t>.</a:t>
+              <a:t>, </a:t>
+            </a:r>
+            <a:r>
+              <a:rPr lang="en-US" dirty="0" err="1"/>
+              <a:t>comparat</a:t>
+            </a:r>
+            <a:r>
+              <a:rPr lang="en-US" dirty="0"/>
+              <a:t> cu 12.906 </a:t>
+            </a:r>
+            <a:r>
+              <a:rPr lang="en-US" dirty="0" err="1"/>
+              <a:t>secunde</a:t>
+            </a:r>
+            <a:r>
+              <a:rPr lang="en-US" dirty="0"/>
+              <a:t> pentru MAX = 10^4 </a:t>
+            </a:r>
+            <a:r>
+              <a:rPr lang="en-US" dirty="0" err="1"/>
+              <a:t>si</a:t>
+            </a:r>
+            <a:r>
+              <a:rPr lang="en-US" dirty="0"/>
+              <a:t> 5.541 pentru 10^5.</a:t>
             </a:r>
           </a:p>
           <a:p>
